--- a/docs/basic/collecties/theorie_FUN12_Arrays.pptx
+++ b/docs/basic/collecties/theorie_FUN12_Arrays.pptx
@@ -1,22 +1,22 @@
 
 <file path=ppt/presentation.xml><?xml version="1.0" encoding="utf-8"?>
-<p:presentation xmlns:a="http://schemas.openxmlformats.org/drawingml/2006/main" xmlns:r="http://schemas.openxmlformats.org/officeDocument/2006/relationships" xmlns:p="http://schemas.openxmlformats.org/presentationml/2006/main" xmlns:m="http://schemas.openxmlformats.org/officeDocument/2006/math" xmlns:a14="http://schemas.microsoft.com/office/drawing/2010/main">
+<p:presentation xmlns:a="http://schemas.openxmlformats.org/drawingml/2006/main" xmlns:r="http://schemas.openxmlformats.org/officeDocument/2006/relationships" xmlns:p="http://schemas.openxmlformats.org/presentationml/2006/main">
   <p:sldMasterIdLst>
-    <p:sldMasterId id="2147483648" r:id="rId5"/>
+    <p:sldMasterId id="2147483648" r:id="rId1"/>
   </p:sldMasterIdLst>
   <p:notesMasterIdLst>
-    <p:notesMasterId r:id="rId7"/>
+    <p:notesMasterId r:id="rId9"/>
   </p:notesMasterIdLst>
   <p:sldIdLst>
-    <p:sldId id="256" r:id="rId8"/>
-    <p:sldId id="257" r:id="rId9"/>
-    <p:sldId id="258" r:id="rId10"/>
-    <p:sldId id="259" r:id="rId11"/>
-    <p:sldId id="260" r:id="rId12"/>
-    <p:sldId id="261" r:id="rId13"/>
-    <p:sldId id="262" r:id="rId14"/>
+    <p:sldId id="256" r:id="rId2"/>
+    <p:sldId id="257" r:id="rId3"/>
+    <p:sldId id="258" r:id="rId4"/>
+    <p:sldId id="259" r:id="rId5"/>
+    <p:sldId id="260" r:id="rId6"/>
+    <p:sldId id="261" r:id="rId7"/>
+    <p:sldId id="262" r:id="rId8"/>
   </p:sldIdLst>
-  <p:sldSz cx="9144000" cy="6858000"/>
+  <p:sldSz cx="9144000" cy="6858000" type="screen4x3"/>
   <p:notesSz cx="6858000" cy="9144000"/>
   <p:defaultTextStyle>
     <a:defPPr marL="0" marR="0" indent="0" algn="l" defTabSz="914400" rtl="0" fontAlgn="auto" latinLnBrk="1" hangingPunct="0">
@@ -34,7 +34,7 @@
       <a:buFontTx/>
       <a:buNone/>
       <a:tabLst/>
-      <a:defRPr b="0" baseline="0" cap="none" i="0" spc="0" strike="noStrike" sz="1800" u="none" kumimoji="0" normalizeH="0">
+      <a:defRPr kumimoji="0" sz="1800" b="0" i="0" u="none" strike="noStrike" cap="none" spc="0" normalizeH="0" baseline="0">
         <a:ln>
           <a:noFill/>
         </a:ln>
@@ -60,7 +60,7 @@
       <a:buFontTx/>
       <a:buNone/>
       <a:tabLst/>
-      <a:defRPr b="0" baseline="0" cap="none" i="0" spc="0" strike="noStrike" sz="1800" u="none" kumimoji="0" normalizeH="0">
+      <a:defRPr kumimoji="0" sz="1800" b="0" i="0" u="none" strike="noStrike" cap="none" spc="0" normalizeH="0" baseline="0">
         <a:ln>
           <a:noFill/>
         </a:ln>
@@ -90,7 +90,7 @@
       <a:buFontTx/>
       <a:buNone/>
       <a:tabLst/>
-      <a:defRPr b="0" baseline="0" cap="none" i="0" spc="0" strike="noStrike" sz="1800" u="none" kumimoji="0" normalizeH="0">
+      <a:defRPr kumimoji="0" sz="1800" b="0" i="0" u="none" strike="noStrike" cap="none" spc="0" normalizeH="0" baseline="0">
         <a:ln>
           <a:noFill/>
         </a:ln>
@@ -120,7 +120,7 @@
       <a:buFontTx/>
       <a:buNone/>
       <a:tabLst/>
-      <a:defRPr b="0" baseline="0" cap="none" i="0" spc="0" strike="noStrike" sz="1800" u="none" kumimoji="0" normalizeH="0">
+      <a:defRPr kumimoji="0" sz="1800" b="0" i="0" u="none" strike="noStrike" cap="none" spc="0" normalizeH="0" baseline="0">
         <a:ln>
           <a:noFill/>
         </a:ln>
@@ -150,7 +150,7 @@
       <a:buFontTx/>
       <a:buNone/>
       <a:tabLst/>
-      <a:defRPr b="0" baseline="0" cap="none" i="0" spc="0" strike="noStrike" sz="1800" u="none" kumimoji="0" normalizeH="0">
+      <a:defRPr kumimoji="0" sz="1800" b="0" i="0" u="none" strike="noStrike" cap="none" spc="0" normalizeH="0" baseline="0">
         <a:ln>
           <a:noFill/>
         </a:ln>
@@ -180,7 +180,7 @@
       <a:buFontTx/>
       <a:buNone/>
       <a:tabLst/>
-      <a:defRPr b="0" baseline="0" cap="none" i="0" spc="0" strike="noStrike" sz="1800" u="none" kumimoji="0" normalizeH="0">
+      <a:defRPr kumimoji="0" sz="1800" b="0" i="0" u="none" strike="noStrike" cap="none" spc="0" normalizeH="0" baseline="0">
         <a:ln>
           <a:noFill/>
         </a:ln>
@@ -210,7 +210,7 @@
       <a:buFontTx/>
       <a:buNone/>
       <a:tabLst/>
-      <a:defRPr b="0" baseline="0" cap="none" i="0" spc="0" strike="noStrike" sz="1800" u="none" kumimoji="0" normalizeH="0">
+      <a:defRPr kumimoji="0" sz="1800" b="0" i="0" u="none" strike="noStrike" cap="none" spc="0" normalizeH="0" baseline="0">
         <a:ln>
           <a:noFill/>
         </a:ln>
@@ -240,7 +240,7 @@
       <a:buFontTx/>
       <a:buNone/>
       <a:tabLst/>
-      <a:defRPr b="0" baseline="0" cap="none" i="0" spc="0" strike="noStrike" sz="1800" u="none" kumimoji="0" normalizeH="0">
+      <a:defRPr kumimoji="0" sz="1800" b="0" i="0" u="none" strike="noStrike" cap="none" spc="0" normalizeH="0" baseline="0">
         <a:ln>
           <a:noFill/>
         </a:ln>
@@ -270,7 +270,7 @@
       <a:buFontTx/>
       <a:buNone/>
       <a:tabLst/>
-      <a:defRPr b="0" baseline="0" cap="none" i="0" spc="0" strike="noStrike" sz="1800" u="none" kumimoji="0" normalizeH="0">
+      <a:defRPr kumimoji="0" sz="1800" b="0" i="0" u="none" strike="noStrike" cap="none" spc="0" normalizeH="0" baseline="0">
         <a:ln>
           <a:noFill/>
         </a:ln>
@@ -300,7 +300,7 @@
       <a:buFontTx/>
       <a:buNone/>
       <a:tabLst/>
-      <a:defRPr b="0" baseline="0" cap="none" i="0" spc="0" strike="noStrike" sz="1800" u="none" kumimoji="0" normalizeH="0">
+      <a:defRPr kumimoji="0" sz="1800" b="0" i="0" u="none" strike="noStrike" cap="none" spc="0" normalizeH="0" baseline="0">
         <a:ln>
           <a:noFill/>
         </a:ln>
@@ -319,13 +319,14 @@
 </p:presentation>
 </file>
 
-<file path=ppt/commentAuthors.xml><?xml version="1.0" encoding="utf-8"?>
-<p:cmAuthorLst xmlns:a="http://schemas.openxmlformats.org/drawingml/2006/main" xmlns:r="http://schemas.openxmlformats.org/officeDocument/2006/relationships" xmlns:p="http://schemas.openxmlformats.org/presentationml/2006/main" xmlns:m="http://schemas.openxmlformats.org/officeDocument/2006/math" xmlns:a14="http://schemas.microsoft.com/office/drawing/2010/main"/>
-</file>
-
 <file path=ppt/notesMasters/notesMaster1.xml><?xml version="1.0" encoding="utf-8"?>
-<p:notesMaster xmlns:a="http://schemas.openxmlformats.org/drawingml/2006/main" xmlns:r="http://schemas.openxmlformats.org/officeDocument/2006/relationships" xmlns:p="http://schemas.openxmlformats.org/presentationml/2006/main" xmlns:m="http://schemas.openxmlformats.org/officeDocument/2006/math" xmlns:a14="http://schemas.microsoft.com/office/drawing/2010/main">
+<p:notesMaster xmlns:a="http://schemas.openxmlformats.org/drawingml/2006/main" xmlns:r="http://schemas.openxmlformats.org/officeDocument/2006/relationships" xmlns:p="http://schemas.openxmlformats.org/presentationml/2006/main">
   <p:cSld>
+    <p:bg>
+      <p:bgRef idx="1001">
+        <a:schemeClr val="bg1"/>
+      </p:bgRef>
+    </p:bg>
     <p:spTree>
       <p:nvGrpSpPr>
         <p:cNvPr id="1" name=""/>
@@ -343,7 +344,9 @@
       <p:sp>
         <p:nvSpPr>
           <p:cNvPr id="293" name="Shape 293"/>
-          <p:cNvSpPr/>
+          <p:cNvSpPr>
+            <a:spLocks noGrp="1" noRot="1" noChangeAspect="1"/>
+          </p:cNvSpPr>
           <p:nvPr>
             <p:ph type="sldImg"/>
           </p:nvPr>
@@ -361,14 +364,16 @@
           <a:bodyPr/>
           <a:lstStyle/>
           <a:p>
-            <a:pPr/>
+            <a:endParaRPr/>
           </a:p>
         </p:txBody>
       </p:sp>
       <p:sp>
         <p:nvSpPr>
           <p:cNvPr id="294" name="Shape 294"/>
-          <p:cNvSpPr/>
+          <p:cNvSpPr>
+            <a:spLocks noGrp="1"/>
+          </p:cNvSpPr>
           <p:nvPr>
             <p:ph type="body" sz="quarter" idx="1"/>
           </p:nvPr>
@@ -386,7 +391,7 @@
           <a:bodyPr/>
           <a:lstStyle/>
           <a:p>
-            <a:pPr/>
+            <a:endParaRPr/>
           </a:p>
         </p:txBody>
       </p:sp>
@@ -471,7 +476,7 @@
 </file>
 
 <file path=ppt/notesSlides/notesSlide1.xml><?xml version="1.0" encoding="utf-8"?>
-<p:notes xmlns:a="http://schemas.openxmlformats.org/drawingml/2006/main" xmlns:r="http://schemas.openxmlformats.org/officeDocument/2006/relationships" xmlns:p="http://schemas.openxmlformats.org/presentationml/2006/main" xmlns:m="http://schemas.openxmlformats.org/officeDocument/2006/math" xmlns:a14="http://schemas.microsoft.com/office/drawing/2010/main" showMasterSp="1" showMasterPhAnim="1">
+<p:notes xmlns:a="http://schemas.openxmlformats.org/drawingml/2006/main" xmlns:r="http://schemas.openxmlformats.org/officeDocument/2006/relationships" xmlns:p="http://schemas.openxmlformats.org/presentationml/2006/main">
   <p:cSld>
     <p:spTree>
       <p:nvGrpSpPr>
@@ -490,7 +495,9 @@
       <p:sp>
         <p:nvSpPr>
           <p:cNvPr id="301" name="Shape 301"/>
-          <p:cNvSpPr/>
+          <p:cNvSpPr>
+            <a:spLocks noGrp="1" noRot="1" noChangeAspect="1"/>
+          </p:cNvSpPr>
           <p:nvPr>
             <p:ph type="sldImg"/>
           </p:nvPr>
@@ -504,14 +511,16 @@
           <a:bodyPr/>
           <a:lstStyle/>
           <a:p>
-            <a:pPr/>
+            <a:endParaRPr/>
           </a:p>
         </p:txBody>
       </p:sp>
       <p:sp>
         <p:nvSpPr>
           <p:cNvPr id="302" name="Shape 302"/>
-          <p:cNvSpPr/>
+          <p:cNvSpPr>
+            <a:spLocks noGrp="1"/>
+          </p:cNvSpPr>
           <p:nvPr>
             <p:ph type="body" sz="quarter" idx="1"/>
           </p:nvPr>
@@ -548,7 +557,7 @@
 </file>
 
 <file path=ppt/notesSlides/notesSlide2.xml><?xml version="1.0" encoding="utf-8"?>
-<p:notes xmlns:a="http://schemas.openxmlformats.org/drawingml/2006/main" xmlns:r="http://schemas.openxmlformats.org/officeDocument/2006/relationships" xmlns:p="http://schemas.openxmlformats.org/presentationml/2006/main" xmlns:m="http://schemas.openxmlformats.org/officeDocument/2006/math" xmlns:a14="http://schemas.microsoft.com/office/drawing/2010/main" showMasterSp="1" showMasterPhAnim="1">
+<p:notes xmlns:a="http://schemas.openxmlformats.org/drawingml/2006/main" xmlns:r="http://schemas.openxmlformats.org/officeDocument/2006/relationships" xmlns:p="http://schemas.openxmlformats.org/presentationml/2006/main">
   <p:cSld>
     <p:spTree>
       <p:nvGrpSpPr>
@@ -567,7 +576,9 @@
       <p:sp>
         <p:nvSpPr>
           <p:cNvPr id="307" name="Shape 307"/>
-          <p:cNvSpPr/>
+          <p:cNvSpPr>
+            <a:spLocks noGrp="1" noRot="1" noChangeAspect="1"/>
+          </p:cNvSpPr>
           <p:nvPr>
             <p:ph type="sldImg"/>
           </p:nvPr>
@@ -581,14 +592,16 @@
           <a:bodyPr/>
           <a:lstStyle/>
           <a:p>
-            <a:pPr/>
+            <a:endParaRPr/>
           </a:p>
         </p:txBody>
       </p:sp>
       <p:sp>
         <p:nvSpPr>
           <p:cNvPr id="308" name="Shape 308"/>
-          <p:cNvSpPr/>
+          <p:cNvSpPr>
+            <a:spLocks noGrp="1"/>
+          </p:cNvSpPr>
           <p:nvPr>
             <p:ph type="body" sz="quarter" idx="1"/>
           </p:nvPr>
@@ -602,7 +615,6 @@
           <a:bodyPr/>
           <a:lstStyle/>
           <a:p>
-            <a:pPr/>
             <a:r>
               <a:t>Hier wordt de tafel van 5 opgebouwd. Met de .Length kun je de lengte van een array opvragen (in dit voorbeeld is dat 10).</a:t>
             </a:r>
@@ -618,7 +630,7 @@
 </file>
 
 <file path=ppt/notesSlides/notesSlide3.xml><?xml version="1.0" encoding="utf-8"?>
-<p:notes xmlns:a="http://schemas.openxmlformats.org/drawingml/2006/main" xmlns:r="http://schemas.openxmlformats.org/officeDocument/2006/relationships" xmlns:p="http://schemas.openxmlformats.org/presentationml/2006/main" xmlns:m="http://schemas.openxmlformats.org/officeDocument/2006/math" xmlns:a14="http://schemas.microsoft.com/office/drawing/2010/main" showMasterSp="1" showMasterPhAnim="1">
+<p:notes xmlns:a="http://schemas.openxmlformats.org/drawingml/2006/main" xmlns:r="http://schemas.openxmlformats.org/officeDocument/2006/relationships" xmlns:p="http://schemas.openxmlformats.org/presentationml/2006/main">
   <p:cSld>
     <p:spTree>
       <p:nvGrpSpPr>
@@ -637,7 +649,9 @@
       <p:sp>
         <p:nvSpPr>
           <p:cNvPr id="312" name="Shape 312"/>
-          <p:cNvSpPr/>
+          <p:cNvSpPr>
+            <a:spLocks noGrp="1" noRot="1" noChangeAspect="1"/>
+          </p:cNvSpPr>
           <p:nvPr>
             <p:ph type="sldImg"/>
           </p:nvPr>
@@ -651,14 +665,16 @@
           <a:bodyPr/>
           <a:lstStyle/>
           <a:p>
-            <a:pPr/>
+            <a:endParaRPr/>
           </a:p>
         </p:txBody>
       </p:sp>
       <p:sp>
         <p:nvSpPr>
           <p:cNvPr id="313" name="Shape 313"/>
-          <p:cNvSpPr/>
+          <p:cNvSpPr>
+            <a:spLocks noGrp="1"/>
+          </p:cNvSpPr>
           <p:nvPr>
             <p:ph type="body" sz="quarter" idx="1"/>
           </p:nvPr>
@@ -672,52 +688,44 @@
           <a:bodyPr/>
           <a:lstStyle/>
           <a:p>
-            <a:pPr/>
             <a:r>
               <a:t>Zo kun je het de getallenreeks zelf even uitproberen. Met Environment.NewLine maak je een nieuwe regel (een enter) in een stukje tekst.</a:t>
             </a:r>
           </a:p>
           <a:p>
-            <a:pPr/>
-          </a:p>
-          <a:p>
-            <a:pPr/>
+            <a:endParaRPr/>
+          </a:p>
+          <a:p>
             <a:r>
               <a:t>Tweede deel van de code is hetzelfde als (echter minder efficient qua geheugengebruik/performance):</a:t>
             </a:r>
           </a:p>
           <a:p>
-            <a:pPr/>
             <a:r>
               <a:t>string s = "";</a:t>
             </a:r>
           </a:p>
           <a:p>
-            <a:pPr/>
             <a:r>
               <a:t>for (int i = 0; i &lt; getallen.Length; i++)</a:t>
             </a:r>
           </a:p>
           <a:p>
-            <a:pPr/>
             <a:r>
               <a:t>{</a:t>
             </a:r>
           </a:p>
           <a:p>
-            <a:pPr/>
             <a:r>
               <a:t>  s=s+ (i + 1) + " x 5 = " + getallen[i] + Environment.NewLine;</a:t>
             </a:r>
           </a:p>
           <a:p>
-            <a:pPr/>
             <a:r>
               <a:t>}</a:t>
             </a:r>
           </a:p>
           <a:p>
-            <a:pPr/>
             <a:r>
               <a:t>MessageBox.Show(s);</a:t>
             </a:r>
@@ -733,7 +741,7 @@
 </file>
 
 <file path=ppt/notesSlides/notesSlide4.xml><?xml version="1.0" encoding="utf-8"?>
-<p:notes xmlns:a="http://schemas.openxmlformats.org/drawingml/2006/main" xmlns:r="http://schemas.openxmlformats.org/officeDocument/2006/relationships" xmlns:p="http://schemas.openxmlformats.org/presentationml/2006/main" xmlns:m="http://schemas.openxmlformats.org/officeDocument/2006/math" xmlns:a14="http://schemas.microsoft.com/office/drawing/2010/main" showMasterSp="1" showMasterPhAnim="1">
+<p:notes xmlns:a="http://schemas.openxmlformats.org/drawingml/2006/main" xmlns:r="http://schemas.openxmlformats.org/officeDocument/2006/relationships" xmlns:p="http://schemas.openxmlformats.org/presentationml/2006/main">
   <p:cSld>
     <p:spTree>
       <p:nvGrpSpPr>
@@ -752,7 +760,9 @@
       <p:sp>
         <p:nvSpPr>
           <p:cNvPr id="318" name="Shape 318"/>
-          <p:cNvSpPr/>
+          <p:cNvSpPr>
+            <a:spLocks noGrp="1" noRot="1" noChangeAspect="1"/>
+          </p:cNvSpPr>
           <p:nvPr>
             <p:ph type="sldImg"/>
           </p:nvPr>
@@ -766,14 +776,16 @@
           <a:bodyPr/>
           <a:lstStyle/>
           <a:p>
-            <a:pPr/>
+            <a:endParaRPr/>
           </a:p>
         </p:txBody>
       </p:sp>
       <p:sp>
         <p:nvSpPr>
           <p:cNvPr id="319" name="Shape 319"/>
-          <p:cNvSpPr/>
+          <p:cNvSpPr>
+            <a:spLocks noGrp="1"/>
+          </p:cNvSpPr>
           <p:nvPr>
             <p:ph type="body" sz="quarter" idx="1"/>
           </p:nvPr>
@@ -796,10 +808,7 @@
               </a:defRPr>
             </a:pPr>
             <a:r>
-              <a:t>Let op dat index altijd tussen de 0 en de maximaal grootte -1 van het array ligt anders krijg je een IndexOutOfRangeException exceptie met de foutmelding “</a:t>
-            </a:r>
-            <a:r>
-              <a:t>Index was outside the bounds of the array”.</a:t>
+              <a:t>Let op dat index altijd tussen de 0 en de maximaal grootte -1 van het array ligt anders krijg je een IndexOutOfRangeException exceptie met de foutmelding “Index was outside the bounds of the array”.</a:t>
             </a:r>
           </a:p>
           <a:p>
@@ -826,7 +835,7 @@
 </file>
 
 <file path=ppt/notesSlides/notesSlide5.xml><?xml version="1.0" encoding="utf-8"?>
-<p:notes xmlns:a="http://schemas.openxmlformats.org/drawingml/2006/main" xmlns:r="http://schemas.openxmlformats.org/officeDocument/2006/relationships" xmlns:p="http://schemas.openxmlformats.org/presentationml/2006/main" xmlns:m="http://schemas.openxmlformats.org/officeDocument/2006/math" xmlns:a14="http://schemas.microsoft.com/office/drawing/2010/main" showMasterSp="1" showMasterPhAnim="1">
+<p:notes xmlns:a="http://schemas.openxmlformats.org/drawingml/2006/main" xmlns:r="http://schemas.openxmlformats.org/officeDocument/2006/relationships" xmlns:p="http://schemas.openxmlformats.org/presentationml/2006/main">
   <p:cSld>
     <p:spTree>
       <p:nvGrpSpPr>
@@ -845,7 +854,9 @@
       <p:sp>
         <p:nvSpPr>
           <p:cNvPr id="324" name="Shape 324"/>
-          <p:cNvSpPr/>
+          <p:cNvSpPr>
+            <a:spLocks noGrp="1" noRot="1" noChangeAspect="1"/>
+          </p:cNvSpPr>
           <p:nvPr>
             <p:ph type="sldImg"/>
           </p:nvPr>
@@ -859,14 +870,16 @@
           <a:bodyPr/>
           <a:lstStyle/>
           <a:p>
-            <a:pPr/>
+            <a:endParaRPr/>
           </a:p>
         </p:txBody>
       </p:sp>
       <p:sp>
         <p:nvSpPr>
           <p:cNvPr id="325" name="Shape 325"/>
-          <p:cNvSpPr/>
+          <p:cNvSpPr>
+            <a:spLocks noGrp="1"/>
+          </p:cNvSpPr>
           <p:nvPr>
             <p:ph type="body" sz="quarter" idx="1"/>
           </p:nvPr>
@@ -880,7 +893,6 @@
           <a:bodyPr/>
           <a:lstStyle/>
           <a:p>
-            <a:pPr/>
             <a:r>
               <a:t>De individuele letters van eens tring kun je opvragen met de [blokhaak-operator]. Ook kun je de .Length eigenschap (property) gebruiken van een string, net als bij een array.</a:t>
             </a:r>
@@ -896,7 +908,7 @@
 </file>
 
 <file path=ppt/slideLayouts/slideLayout1.xml><?xml version="1.0" encoding="utf-8"?>
-<p:sldLayout xmlns:a="http://schemas.openxmlformats.org/drawingml/2006/main" xmlns:r="http://schemas.openxmlformats.org/officeDocument/2006/relationships" xmlns:p="http://schemas.openxmlformats.org/presentationml/2006/main" xmlns:m="http://schemas.openxmlformats.org/officeDocument/2006/math" xmlns:a14="http://schemas.microsoft.com/office/drawing/2010/main" type="tx" showMasterSp="1" showMasterPhAnim="1">
+<p:sldLayout xmlns:a="http://schemas.openxmlformats.org/drawingml/2006/main" xmlns:r="http://schemas.openxmlformats.org/officeDocument/2006/relationships" xmlns:p="http://schemas.openxmlformats.org/presentationml/2006/main" type="tx">
   <p:cSld name="Titelpagina">
     <p:spTree>
       <p:nvGrpSpPr>
@@ -915,7 +927,9 @@
       <p:sp>
         <p:nvSpPr>
           <p:cNvPr id="13" name="Title Text"/>
-          <p:cNvSpPr txBox="1"/>
+          <p:cNvSpPr txBox="1">
+            <a:spLocks noGrp="1"/>
+          </p:cNvSpPr>
           <p:nvPr>
             <p:ph type="title"/>
           </p:nvPr>
@@ -929,7 +943,6 @@
           <a:bodyPr/>
           <a:lstStyle/>
           <a:p>
-            <a:pPr/>
             <a:r>
               <a:t>Title Text</a:t>
             </a:r>
@@ -939,7 +952,9 @@
       <p:sp>
         <p:nvSpPr>
           <p:cNvPr id="14" name="Slide Number"/>
-          <p:cNvSpPr txBox="1"/>
+          <p:cNvSpPr txBox="1">
+            <a:spLocks noGrp="1"/>
+          </p:cNvSpPr>
           <p:nvPr>
             <p:ph type="sldNum" sz="quarter" idx="2"/>
           </p:nvPr>
@@ -953,8 +968,10 @@
           <a:bodyPr/>
           <a:lstStyle/>
           <a:p>
-            <a:pPr/>
-            <a:fld id="{86CB4B4D-7CA3-9044-876B-883B54F8677D}" type="slidenum"/>
+            <a:fld id="{86CB4B4D-7CA3-9044-876B-883B54F8677D}" type="slidenum">
+              <a:t>‹#›</a:t>
+            </a:fld>
+            <a:endParaRPr/>
           </a:p>
         </p:txBody>
       </p:sp>
@@ -963,12 +980,12 @@
   <p:clrMapOvr>
     <a:masterClrMapping/>
   </p:clrMapOvr>
-  <p:transition xmlns:p14="http://schemas.microsoft.com/office/powerpoint/2010/main" spd="med" advClick="1"/>
+  <p:transition spd="med"/>
 </p:sldLayout>
 </file>
 
 <file path=ppt/slideLayouts/slideLayout10.xml><?xml version="1.0" encoding="utf-8"?>
-<p:sldLayout xmlns:a="http://schemas.openxmlformats.org/drawingml/2006/main" xmlns:r="http://schemas.openxmlformats.org/officeDocument/2006/relationships" xmlns:p="http://schemas.openxmlformats.org/presentationml/2006/main" xmlns:m="http://schemas.openxmlformats.org/officeDocument/2006/math" xmlns:a14="http://schemas.microsoft.com/office/drawing/2010/main" type="tx" showMasterSp="0" showMasterPhAnim="1">
+<p:sldLayout xmlns:a="http://schemas.openxmlformats.org/drawingml/2006/main" xmlns:r="http://schemas.openxmlformats.org/officeDocument/2006/relationships" xmlns:p="http://schemas.openxmlformats.org/presentationml/2006/main" showMasterSp="0" type="tx">
   <p:cSld name="Title and Content">
     <p:spTree>
       <p:nvGrpSpPr>
@@ -993,10 +1010,8 @@
           <p:nvPr/>
         </p:nvPicPr>
         <p:blipFill>
-          <a:blip r:embed="rId2">
-            <a:extLst/>
-          </a:blip>
-          <a:srcRect l="0" t="0" r="77361" b="82405"/>
+          <a:blip r:embed="rId2"/>
+          <a:srcRect r="77361" b="82405"/>
           <a:stretch>
             <a:fillRect/>
           </a:stretch>
@@ -1017,7 +1032,9 @@
       <p:sp>
         <p:nvSpPr>
           <p:cNvPr id="100" name="Title Text"/>
-          <p:cNvSpPr txBox="1"/>
+          <p:cNvSpPr txBox="1">
+            <a:spLocks noGrp="1"/>
+          </p:cNvSpPr>
           <p:nvPr>
             <p:ph type="title"/>
           </p:nvPr>
@@ -1043,7 +1060,6 @@
             </a:lvl1pPr>
           </a:lstStyle>
           <a:p>
-            <a:pPr/>
             <a:r>
               <a:t>Title Text</a:t>
             </a:r>
@@ -1053,7 +1069,9 @@
       <p:sp>
         <p:nvSpPr>
           <p:cNvPr id="101" name="Body Level One…"/>
-          <p:cNvSpPr txBox="1"/>
+          <p:cNvSpPr txBox="1">
+            <a:spLocks noGrp="1"/>
+          </p:cNvSpPr>
           <p:nvPr>
             <p:ph type="body" idx="1"/>
           </p:nvPr>
@@ -1069,11 +1087,10 @@
         </p:spPr>
         <p:txBody>
           <a:bodyPr>
-            <a:normAutofit fontScale="100000" lnSpcReduction="0"/>
+            <a:normAutofit/>
           </a:bodyPr>
           <a:lstStyle/>
           <a:p>
-            <a:pPr/>
             <a:r>
               <a:t>Body Level One</a:t>
             </a:r>
@@ -1107,7 +1124,9 @@
       <p:sp>
         <p:nvSpPr>
           <p:cNvPr id="102" name="Slide Number"/>
-          <p:cNvSpPr txBox="1"/>
+          <p:cNvSpPr txBox="1">
+            <a:spLocks noGrp="1"/>
+          </p:cNvSpPr>
           <p:nvPr>
             <p:ph type="sldNum" sz="quarter" idx="2"/>
           </p:nvPr>
@@ -1125,8 +1144,10 @@
           <a:bodyPr/>
           <a:lstStyle/>
           <a:p>
-            <a:pPr/>
-            <a:fld id="{86CB4B4D-7CA3-9044-876B-883B54F8677D}" type="slidenum"/>
+            <a:fld id="{86CB4B4D-7CA3-9044-876B-883B54F8677D}" type="slidenum">
+              <a:t>‹#›</a:t>
+            </a:fld>
+            <a:endParaRPr/>
           </a:p>
         </p:txBody>
       </p:sp>
@@ -1135,12 +1156,12 @@
   <p:clrMapOvr>
     <a:masterClrMapping/>
   </p:clrMapOvr>
-  <p:transition xmlns:p14="http://schemas.microsoft.com/office/powerpoint/2010/main" spd="med" advClick="1"/>
+  <p:transition spd="med"/>
 </p:sldLayout>
 </file>
 
 <file path=ppt/slideLayouts/slideLayout11.xml><?xml version="1.0" encoding="utf-8"?>
-<p:sldLayout xmlns:a="http://schemas.openxmlformats.org/drawingml/2006/main" xmlns:r="http://schemas.openxmlformats.org/officeDocument/2006/relationships" xmlns:p="http://schemas.openxmlformats.org/presentationml/2006/main" xmlns:m="http://schemas.openxmlformats.org/officeDocument/2006/math" xmlns:a14="http://schemas.microsoft.com/office/drawing/2010/main" type="tx" showMasterSp="0" showMasterPhAnim="1">
+<p:sldLayout xmlns:a="http://schemas.openxmlformats.org/drawingml/2006/main" xmlns:r="http://schemas.openxmlformats.org/officeDocument/2006/relationships" xmlns:p="http://schemas.openxmlformats.org/presentationml/2006/main" showMasterSp="0" type="tx">
   <p:cSld name="Titelpagina">
     <p:spTree>
       <p:nvGrpSpPr>
@@ -1165,10 +1186,8 @@
           <p:nvPr/>
         </p:nvPicPr>
         <p:blipFill>
-          <a:blip r:embed="rId2">
-            <a:extLst/>
-          </a:blip>
-          <a:srcRect l="0" t="0" r="77361" b="82405"/>
+          <a:blip r:embed="rId2"/>
+          <a:srcRect r="77361" b="82405"/>
           <a:stretch>
             <a:fillRect/>
           </a:stretch>
@@ -1195,9 +1214,7 @@
           <p:nvPr/>
         </p:nvPicPr>
         <p:blipFill>
-          <a:blip r:embed="rId3">
-            <a:extLst/>
-          </a:blip>
+          <a:blip r:embed="rId3"/>
           <a:stretch>
             <a:fillRect/>
           </a:stretch>
@@ -1218,7 +1235,9 @@
       <p:sp>
         <p:nvSpPr>
           <p:cNvPr id="111" name="Title Text"/>
-          <p:cNvSpPr txBox="1"/>
+          <p:cNvSpPr txBox="1">
+            <a:spLocks noGrp="1"/>
+          </p:cNvSpPr>
           <p:nvPr>
             <p:ph type="title"/>
           </p:nvPr>
@@ -1232,7 +1251,6 @@
           <a:bodyPr/>
           <a:lstStyle/>
           <a:p>
-            <a:pPr/>
             <a:r>
               <a:t>Title Text</a:t>
             </a:r>
@@ -1242,7 +1260,9 @@
       <p:sp>
         <p:nvSpPr>
           <p:cNvPr id="112" name="Slide Number"/>
-          <p:cNvSpPr txBox="1"/>
+          <p:cNvSpPr txBox="1">
+            <a:spLocks noGrp="1"/>
+          </p:cNvSpPr>
           <p:nvPr>
             <p:ph type="sldNum" sz="quarter" idx="2"/>
           </p:nvPr>
@@ -1256,8 +1276,10 @@
           <a:bodyPr/>
           <a:lstStyle/>
           <a:p>
-            <a:pPr/>
-            <a:fld id="{86CB4B4D-7CA3-9044-876B-883B54F8677D}" type="slidenum"/>
+            <a:fld id="{86CB4B4D-7CA3-9044-876B-883B54F8677D}" type="slidenum">
+              <a:t>‹#›</a:t>
+            </a:fld>
+            <a:endParaRPr/>
           </a:p>
         </p:txBody>
       </p:sp>
@@ -1266,12 +1288,12 @@
   <p:clrMapOvr>
     <a:masterClrMapping/>
   </p:clrMapOvr>
-  <p:transition xmlns:p14="http://schemas.microsoft.com/office/powerpoint/2010/main" spd="med" advClick="1"/>
+  <p:transition spd="med"/>
 </p:sldLayout>
 </file>
 
 <file path=ppt/slideLayouts/slideLayout12.xml><?xml version="1.0" encoding="utf-8"?>
-<p:sldLayout xmlns:a="http://schemas.openxmlformats.org/drawingml/2006/main" xmlns:r="http://schemas.openxmlformats.org/officeDocument/2006/relationships" xmlns:p="http://schemas.openxmlformats.org/presentationml/2006/main" xmlns:m="http://schemas.openxmlformats.org/officeDocument/2006/math" xmlns:a14="http://schemas.microsoft.com/office/drawing/2010/main" type="tx" showMasterSp="0" showMasterPhAnim="1">
+<p:sldLayout xmlns:a="http://schemas.openxmlformats.org/drawingml/2006/main" xmlns:r="http://schemas.openxmlformats.org/officeDocument/2006/relationships" xmlns:p="http://schemas.openxmlformats.org/presentationml/2006/main" showMasterSp="0" type="tx">
   <p:cSld name="Titel en tekstdia">
     <p:spTree>
       <p:nvGrpSpPr>
@@ -1296,10 +1318,8 @@
           <p:nvPr/>
         </p:nvPicPr>
         <p:blipFill>
-          <a:blip r:embed="rId2">
-            <a:extLst/>
-          </a:blip>
-          <a:srcRect l="0" t="0" r="77361" b="82405"/>
+          <a:blip r:embed="rId2"/>
+          <a:srcRect r="77361" b="82405"/>
           <a:stretch>
             <a:fillRect/>
           </a:stretch>
@@ -1320,7 +1340,9 @@
       <p:sp>
         <p:nvSpPr>
           <p:cNvPr id="120" name="Body Level One…"/>
-          <p:cNvSpPr txBox="1"/>
+          <p:cNvSpPr txBox="1">
+            <a:spLocks noGrp="1"/>
+          </p:cNvSpPr>
           <p:nvPr>
             <p:ph type="body" idx="1"/>
           </p:nvPr>
@@ -1336,11 +1358,10 @@
         </p:spPr>
         <p:txBody>
           <a:bodyPr>
-            <a:normAutofit fontScale="100000" lnSpcReduction="0"/>
+            <a:normAutofit/>
           </a:bodyPr>
           <a:lstStyle/>
           <a:p>
-            <a:pPr/>
             <a:r>
               <a:t>Body Level One</a:t>
             </a:r>
@@ -1374,7 +1395,9 @@
       <p:sp>
         <p:nvSpPr>
           <p:cNvPr id="121" name="Title Text"/>
-          <p:cNvSpPr txBox="1"/>
+          <p:cNvSpPr txBox="1">
+            <a:spLocks noGrp="1"/>
+          </p:cNvSpPr>
           <p:nvPr>
             <p:ph type="title"/>
           </p:nvPr>
@@ -1400,7 +1423,6 @@
             </a:lvl1pPr>
           </a:lstStyle>
           <a:p>
-            <a:pPr/>
             <a:r>
               <a:t>Title Text</a:t>
             </a:r>
@@ -1410,7 +1432,9 @@
       <p:sp>
         <p:nvSpPr>
           <p:cNvPr id="122" name="Slide Number"/>
-          <p:cNvSpPr txBox="1"/>
+          <p:cNvSpPr txBox="1">
+            <a:spLocks noGrp="1"/>
+          </p:cNvSpPr>
           <p:nvPr>
             <p:ph type="sldNum" sz="quarter" idx="2"/>
           </p:nvPr>
@@ -1437,8 +1461,10 @@
             </a:lvl1pPr>
           </a:lstStyle>
           <a:p>
-            <a:pPr/>
-            <a:fld id="{86CB4B4D-7CA3-9044-876B-883B54F8677D}" type="slidenum"/>
+            <a:fld id="{86CB4B4D-7CA3-9044-876B-883B54F8677D}" type="slidenum">
+              <a:t>‹#›</a:t>
+            </a:fld>
+            <a:endParaRPr/>
           </a:p>
         </p:txBody>
       </p:sp>
@@ -1447,12 +1473,12 @@
   <p:clrMapOvr>
     <a:masterClrMapping/>
   </p:clrMapOvr>
-  <p:transition xmlns:p14="http://schemas.microsoft.com/office/powerpoint/2010/main" spd="med" advClick="1"/>
+  <p:transition spd="med"/>
 </p:sldLayout>
 </file>
 
 <file path=ppt/slideLayouts/slideLayout13.xml><?xml version="1.0" encoding="utf-8"?>
-<p:sldLayout xmlns:a="http://schemas.openxmlformats.org/drawingml/2006/main" xmlns:r="http://schemas.openxmlformats.org/officeDocument/2006/relationships" xmlns:p="http://schemas.openxmlformats.org/presentationml/2006/main" xmlns:m="http://schemas.openxmlformats.org/officeDocument/2006/math" xmlns:a14="http://schemas.microsoft.com/office/drawing/2010/main" type="tx" showMasterSp="0" showMasterPhAnim="1">
+<p:sldLayout xmlns:a="http://schemas.openxmlformats.org/drawingml/2006/main" xmlns:r="http://schemas.openxmlformats.org/officeDocument/2006/relationships" xmlns:p="http://schemas.openxmlformats.org/presentationml/2006/main" showMasterSp="0" type="tx">
   <p:cSld name="Tekstdia">
     <p:spTree>
       <p:nvGrpSpPr>
@@ -1477,10 +1503,8 @@
           <p:nvPr/>
         </p:nvPicPr>
         <p:blipFill>
-          <a:blip r:embed="rId2">
-            <a:extLst/>
-          </a:blip>
-          <a:srcRect l="0" t="0" r="77361" b="82405"/>
+          <a:blip r:embed="rId2"/>
+          <a:srcRect r="77361" b="82405"/>
           <a:stretch>
             <a:fillRect/>
           </a:stretch>
@@ -1501,7 +1525,9 @@
       <p:sp>
         <p:nvSpPr>
           <p:cNvPr id="130" name="Body Level One…"/>
-          <p:cNvSpPr txBox="1"/>
+          <p:cNvSpPr txBox="1">
+            <a:spLocks noGrp="1"/>
+          </p:cNvSpPr>
           <p:nvPr>
             <p:ph type="body" idx="1"/>
           </p:nvPr>
@@ -1517,7 +1543,7 @@
         </p:spPr>
         <p:txBody>
           <a:bodyPr>
-            <a:normAutofit fontScale="100000" lnSpcReduction="0"/>
+            <a:normAutofit/>
           </a:bodyPr>
           <a:lstStyle>
             <a:lvl1pPr>
@@ -1552,7 +1578,6 @@
             </a:lvl5pPr>
           </a:lstStyle>
           <a:p>
-            <a:pPr/>
             <a:r>
               <a:t>Body Level One</a:t>
             </a:r>
@@ -1586,7 +1611,9 @@
       <p:sp>
         <p:nvSpPr>
           <p:cNvPr id="131" name="Slide Number"/>
-          <p:cNvSpPr txBox="1"/>
+          <p:cNvSpPr txBox="1">
+            <a:spLocks noGrp="1"/>
+          </p:cNvSpPr>
           <p:nvPr>
             <p:ph type="sldNum" sz="quarter" idx="2"/>
           </p:nvPr>
@@ -1613,8 +1640,10 @@
             </a:lvl1pPr>
           </a:lstStyle>
           <a:p>
-            <a:pPr/>
-            <a:fld id="{86CB4B4D-7CA3-9044-876B-883B54F8677D}" type="slidenum"/>
+            <a:fld id="{86CB4B4D-7CA3-9044-876B-883B54F8677D}" type="slidenum">
+              <a:t>‹#›</a:t>
+            </a:fld>
+            <a:endParaRPr/>
           </a:p>
         </p:txBody>
       </p:sp>
@@ -1623,12 +1652,12 @@
   <p:clrMapOvr>
     <a:masterClrMapping/>
   </p:clrMapOvr>
-  <p:transition xmlns:p14="http://schemas.microsoft.com/office/powerpoint/2010/main" spd="med" advClick="1"/>
+  <p:transition spd="med"/>
 </p:sldLayout>
 </file>
 
 <file path=ppt/slideLayouts/slideLayout14.xml><?xml version="1.0" encoding="utf-8"?>
-<p:sldLayout xmlns:a="http://schemas.openxmlformats.org/drawingml/2006/main" xmlns:r="http://schemas.openxmlformats.org/officeDocument/2006/relationships" xmlns:p="http://schemas.openxmlformats.org/presentationml/2006/main" xmlns:m="http://schemas.openxmlformats.org/officeDocument/2006/math" xmlns:a14="http://schemas.microsoft.com/office/drawing/2010/main" type="tx" showMasterSp="0" showMasterPhAnim="1">
+<p:sldLayout xmlns:a="http://schemas.openxmlformats.org/drawingml/2006/main" xmlns:r="http://schemas.openxmlformats.org/officeDocument/2006/relationships" xmlns:p="http://schemas.openxmlformats.org/presentationml/2006/main" showMasterSp="0" type="tx">
   <p:cSld name="Titeldia">
     <p:spTree>
       <p:nvGrpSpPr>
@@ -1653,10 +1682,8 @@
           <p:nvPr/>
         </p:nvPicPr>
         <p:blipFill>
-          <a:blip r:embed="rId2">
-            <a:extLst/>
-          </a:blip>
-          <a:srcRect l="0" t="0" r="77361" b="82405"/>
+          <a:blip r:embed="rId2"/>
+          <a:srcRect r="77361" b="82405"/>
           <a:stretch>
             <a:fillRect/>
           </a:stretch>
@@ -1677,7 +1704,9 @@
       <p:sp>
         <p:nvSpPr>
           <p:cNvPr id="139" name="Title Text"/>
-          <p:cNvSpPr txBox="1"/>
+          <p:cNvSpPr txBox="1">
+            <a:spLocks noGrp="1"/>
+          </p:cNvSpPr>
           <p:nvPr>
             <p:ph type="title"/>
           </p:nvPr>
@@ -1703,7 +1732,6 @@
             </a:lvl1pPr>
           </a:lstStyle>
           <a:p>
-            <a:pPr/>
             <a:r>
               <a:t>Title Text</a:t>
             </a:r>
@@ -1713,7 +1741,9 @@
       <p:sp>
         <p:nvSpPr>
           <p:cNvPr id="140" name="Body Level One…"/>
-          <p:cNvSpPr txBox="1"/>
+          <p:cNvSpPr txBox="1">
+            <a:spLocks noGrp="1"/>
+          </p:cNvSpPr>
           <p:nvPr>
             <p:ph type="body" sz="quarter" idx="1"/>
           </p:nvPr>
@@ -1729,7 +1759,7 @@
         </p:spPr>
         <p:txBody>
           <a:bodyPr>
-            <a:normAutofit fontScale="100000" lnSpcReduction="0"/>
+            <a:normAutofit/>
           </a:bodyPr>
           <a:lstStyle>
             <a:lvl1pPr marL="0" indent="0" algn="ctr">
@@ -1779,7 +1809,6 @@
             </a:lvl5pPr>
           </a:lstStyle>
           <a:p>
-            <a:pPr/>
             <a:r>
               <a:t>Body Level One</a:t>
             </a:r>
@@ -1813,7 +1842,9 @@
       <p:sp>
         <p:nvSpPr>
           <p:cNvPr id="141" name="Slide Number"/>
-          <p:cNvSpPr txBox="1"/>
+          <p:cNvSpPr txBox="1">
+            <a:spLocks noGrp="1"/>
+          </p:cNvSpPr>
           <p:nvPr>
             <p:ph type="sldNum" sz="quarter" idx="2"/>
           </p:nvPr>
@@ -1831,8 +1862,10 @@
           <a:bodyPr/>
           <a:lstStyle/>
           <a:p>
-            <a:pPr/>
-            <a:fld id="{86CB4B4D-7CA3-9044-876B-883B54F8677D}" type="slidenum"/>
+            <a:fld id="{86CB4B4D-7CA3-9044-876B-883B54F8677D}" type="slidenum">
+              <a:t>‹#›</a:t>
+            </a:fld>
+            <a:endParaRPr/>
           </a:p>
         </p:txBody>
       </p:sp>
@@ -1841,12 +1874,12 @@
   <p:clrMapOvr>
     <a:masterClrMapping/>
   </p:clrMapOvr>
-  <p:transition xmlns:p14="http://schemas.microsoft.com/office/powerpoint/2010/main" spd="med" advClick="1"/>
+  <p:transition spd="med"/>
 </p:sldLayout>
 </file>
 
 <file path=ppt/slideLayouts/slideLayout15.xml><?xml version="1.0" encoding="utf-8"?>
-<p:sldLayout xmlns:a="http://schemas.openxmlformats.org/drawingml/2006/main" xmlns:r="http://schemas.openxmlformats.org/officeDocument/2006/relationships" xmlns:p="http://schemas.openxmlformats.org/presentationml/2006/main" xmlns:m="http://schemas.openxmlformats.org/officeDocument/2006/math" xmlns:a14="http://schemas.microsoft.com/office/drawing/2010/main" type="tx" showMasterSp="0" showMasterPhAnim="1">
+<p:sldLayout xmlns:a="http://schemas.openxmlformats.org/drawingml/2006/main" xmlns:r="http://schemas.openxmlformats.org/officeDocument/2006/relationships" xmlns:p="http://schemas.openxmlformats.org/presentationml/2006/main" showMasterSp="0" type="tx">
   <p:cSld name="Titel en object">
     <p:spTree>
       <p:nvGrpSpPr>
@@ -1871,10 +1904,8 @@
           <p:nvPr/>
         </p:nvPicPr>
         <p:blipFill>
-          <a:blip r:embed="rId2">
-            <a:extLst/>
-          </a:blip>
-          <a:srcRect l="0" t="0" r="77361" b="82405"/>
+          <a:blip r:embed="rId2"/>
+          <a:srcRect r="77361" b="82405"/>
           <a:stretch>
             <a:fillRect/>
           </a:stretch>
@@ -1895,7 +1926,9 @@
       <p:sp>
         <p:nvSpPr>
           <p:cNvPr id="149" name="Title Text"/>
-          <p:cNvSpPr txBox="1"/>
+          <p:cNvSpPr txBox="1">
+            <a:spLocks noGrp="1"/>
+          </p:cNvSpPr>
           <p:nvPr>
             <p:ph type="title"/>
           </p:nvPr>
@@ -1921,7 +1954,6 @@
             </a:lvl1pPr>
           </a:lstStyle>
           <a:p>
-            <a:pPr/>
             <a:r>
               <a:t>Title Text</a:t>
             </a:r>
@@ -1931,7 +1963,9 @@
       <p:sp>
         <p:nvSpPr>
           <p:cNvPr id="150" name="Body Level One…"/>
-          <p:cNvSpPr txBox="1"/>
+          <p:cNvSpPr txBox="1">
+            <a:spLocks noGrp="1"/>
+          </p:cNvSpPr>
           <p:nvPr>
             <p:ph type="body" idx="1"/>
           </p:nvPr>
@@ -1947,11 +1981,10 @@
         </p:spPr>
         <p:txBody>
           <a:bodyPr>
-            <a:normAutofit fontScale="100000" lnSpcReduction="0"/>
+            <a:normAutofit/>
           </a:bodyPr>
           <a:lstStyle/>
           <a:p>
-            <a:pPr/>
             <a:r>
               <a:t>Body Level One</a:t>
             </a:r>
@@ -1985,7 +2018,9 @@
       <p:sp>
         <p:nvSpPr>
           <p:cNvPr id="151" name="Slide Number"/>
-          <p:cNvSpPr txBox="1"/>
+          <p:cNvSpPr txBox="1">
+            <a:spLocks noGrp="1"/>
+          </p:cNvSpPr>
           <p:nvPr>
             <p:ph type="sldNum" sz="quarter" idx="2"/>
           </p:nvPr>
@@ -2003,8 +2038,10 @@
           <a:bodyPr/>
           <a:lstStyle/>
           <a:p>
-            <a:pPr/>
-            <a:fld id="{86CB4B4D-7CA3-9044-876B-883B54F8677D}" type="slidenum"/>
+            <a:fld id="{86CB4B4D-7CA3-9044-876B-883B54F8677D}" type="slidenum">
+              <a:t>‹#›</a:t>
+            </a:fld>
+            <a:endParaRPr/>
           </a:p>
         </p:txBody>
       </p:sp>
@@ -2013,12 +2050,12 @@
   <p:clrMapOvr>
     <a:masterClrMapping/>
   </p:clrMapOvr>
-  <p:transition xmlns:p14="http://schemas.microsoft.com/office/powerpoint/2010/main" spd="med" advClick="1"/>
+  <p:transition spd="med"/>
 </p:sldLayout>
 </file>
 
 <file path=ppt/slideLayouts/slideLayout16.xml><?xml version="1.0" encoding="utf-8"?>
-<p:sldLayout xmlns:a="http://schemas.openxmlformats.org/drawingml/2006/main" xmlns:r="http://schemas.openxmlformats.org/officeDocument/2006/relationships" xmlns:p="http://schemas.openxmlformats.org/presentationml/2006/main" xmlns:m="http://schemas.openxmlformats.org/officeDocument/2006/math" xmlns:a14="http://schemas.microsoft.com/office/drawing/2010/main" type="tx" showMasterSp="0" showMasterPhAnim="1">
+<p:sldLayout xmlns:a="http://schemas.openxmlformats.org/drawingml/2006/main" xmlns:r="http://schemas.openxmlformats.org/officeDocument/2006/relationships" xmlns:p="http://schemas.openxmlformats.org/presentationml/2006/main" showMasterSp="0" type="tx">
   <p:cSld name="Titelpagina">
     <p:spTree>
       <p:nvGrpSpPr>
@@ -2043,10 +2080,8 @@
           <p:nvPr/>
         </p:nvPicPr>
         <p:blipFill>
-          <a:blip r:embed="rId2">
-            <a:extLst/>
-          </a:blip>
-          <a:srcRect l="0" t="0" r="77361" b="82405"/>
+          <a:blip r:embed="rId2"/>
+          <a:srcRect r="77361" b="82405"/>
           <a:stretch>
             <a:fillRect/>
           </a:stretch>
@@ -2073,9 +2108,7 @@
           <p:nvPr/>
         </p:nvPicPr>
         <p:blipFill>
-          <a:blip r:embed="rId3">
-            <a:extLst/>
-          </a:blip>
+          <a:blip r:embed="rId3"/>
           <a:stretch>
             <a:fillRect/>
           </a:stretch>
@@ -2096,7 +2129,9 @@
       <p:sp>
         <p:nvSpPr>
           <p:cNvPr id="160" name="Title Text"/>
-          <p:cNvSpPr txBox="1"/>
+          <p:cNvSpPr txBox="1">
+            <a:spLocks noGrp="1"/>
+          </p:cNvSpPr>
           <p:nvPr>
             <p:ph type="title"/>
           </p:nvPr>
@@ -2110,7 +2145,6 @@
           <a:bodyPr/>
           <a:lstStyle/>
           <a:p>
-            <a:pPr/>
             <a:r>
               <a:t>Title Text</a:t>
             </a:r>
@@ -2120,7 +2154,9 @@
       <p:sp>
         <p:nvSpPr>
           <p:cNvPr id="161" name="Slide Number"/>
-          <p:cNvSpPr txBox="1"/>
+          <p:cNvSpPr txBox="1">
+            <a:spLocks noGrp="1"/>
+          </p:cNvSpPr>
           <p:nvPr>
             <p:ph type="sldNum" sz="quarter" idx="2"/>
           </p:nvPr>
@@ -2134,8 +2170,10 @@
           <a:bodyPr/>
           <a:lstStyle/>
           <a:p>
-            <a:pPr/>
-            <a:fld id="{86CB4B4D-7CA3-9044-876B-883B54F8677D}" type="slidenum"/>
+            <a:fld id="{86CB4B4D-7CA3-9044-876B-883B54F8677D}" type="slidenum">
+              <a:t>‹#›</a:t>
+            </a:fld>
+            <a:endParaRPr/>
           </a:p>
         </p:txBody>
       </p:sp>
@@ -2144,12 +2182,12 @@
   <p:clrMapOvr>
     <a:masterClrMapping/>
   </p:clrMapOvr>
-  <p:transition xmlns:p14="http://schemas.microsoft.com/office/powerpoint/2010/main" spd="med" advClick="1"/>
+  <p:transition spd="med"/>
 </p:sldLayout>
 </file>
 
 <file path=ppt/slideLayouts/slideLayout17.xml><?xml version="1.0" encoding="utf-8"?>
-<p:sldLayout xmlns:a="http://schemas.openxmlformats.org/drawingml/2006/main" xmlns:r="http://schemas.openxmlformats.org/officeDocument/2006/relationships" xmlns:p="http://schemas.openxmlformats.org/presentationml/2006/main" xmlns:m="http://schemas.openxmlformats.org/officeDocument/2006/math" xmlns:a14="http://schemas.microsoft.com/office/drawing/2010/main" type="tx" showMasterSp="0" showMasterPhAnim="1">
+<p:sldLayout xmlns:a="http://schemas.openxmlformats.org/drawingml/2006/main" xmlns:r="http://schemas.openxmlformats.org/officeDocument/2006/relationships" xmlns:p="http://schemas.openxmlformats.org/presentationml/2006/main" showMasterSp="0" type="tx">
   <p:cSld name="Titel en tekstdia">
     <p:spTree>
       <p:nvGrpSpPr>
@@ -2174,10 +2212,8 @@
           <p:nvPr/>
         </p:nvPicPr>
         <p:blipFill>
-          <a:blip r:embed="rId2">
-            <a:extLst/>
-          </a:blip>
-          <a:srcRect l="0" t="0" r="77361" b="82405"/>
+          <a:blip r:embed="rId2"/>
+          <a:srcRect r="77361" b="82405"/>
           <a:stretch>
             <a:fillRect/>
           </a:stretch>
@@ -2198,7 +2234,9 @@
       <p:sp>
         <p:nvSpPr>
           <p:cNvPr id="169" name="Body Level One…"/>
-          <p:cNvSpPr txBox="1"/>
+          <p:cNvSpPr txBox="1">
+            <a:spLocks noGrp="1"/>
+          </p:cNvSpPr>
           <p:nvPr>
             <p:ph type="body" idx="1"/>
           </p:nvPr>
@@ -2214,11 +2252,10 @@
         </p:spPr>
         <p:txBody>
           <a:bodyPr>
-            <a:normAutofit fontScale="100000" lnSpcReduction="0"/>
+            <a:normAutofit/>
           </a:bodyPr>
           <a:lstStyle/>
           <a:p>
-            <a:pPr/>
             <a:r>
               <a:t>Body Level One</a:t>
             </a:r>
@@ -2252,7 +2289,9 @@
       <p:sp>
         <p:nvSpPr>
           <p:cNvPr id="170" name="Title Text"/>
-          <p:cNvSpPr txBox="1"/>
+          <p:cNvSpPr txBox="1">
+            <a:spLocks noGrp="1"/>
+          </p:cNvSpPr>
           <p:nvPr>
             <p:ph type="title"/>
           </p:nvPr>
@@ -2278,7 +2317,6 @@
             </a:lvl1pPr>
           </a:lstStyle>
           <a:p>
-            <a:pPr/>
             <a:r>
               <a:t>Title Text</a:t>
             </a:r>
@@ -2288,7 +2326,9 @@
       <p:sp>
         <p:nvSpPr>
           <p:cNvPr id="171" name="Slide Number"/>
-          <p:cNvSpPr txBox="1"/>
+          <p:cNvSpPr txBox="1">
+            <a:spLocks noGrp="1"/>
+          </p:cNvSpPr>
           <p:nvPr>
             <p:ph type="sldNum" sz="quarter" idx="2"/>
           </p:nvPr>
@@ -2315,8 +2355,10 @@
             </a:lvl1pPr>
           </a:lstStyle>
           <a:p>
-            <a:pPr/>
-            <a:fld id="{86CB4B4D-7CA3-9044-876B-883B54F8677D}" type="slidenum"/>
+            <a:fld id="{86CB4B4D-7CA3-9044-876B-883B54F8677D}" type="slidenum">
+              <a:t>‹#›</a:t>
+            </a:fld>
+            <a:endParaRPr/>
           </a:p>
         </p:txBody>
       </p:sp>
@@ -2325,12 +2367,12 @@
   <p:clrMapOvr>
     <a:masterClrMapping/>
   </p:clrMapOvr>
-  <p:transition xmlns:p14="http://schemas.microsoft.com/office/powerpoint/2010/main" spd="med" advClick="1"/>
+  <p:transition spd="med"/>
 </p:sldLayout>
 </file>
 
 <file path=ppt/slideLayouts/slideLayout18.xml><?xml version="1.0" encoding="utf-8"?>
-<p:sldLayout xmlns:a="http://schemas.openxmlformats.org/drawingml/2006/main" xmlns:r="http://schemas.openxmlformats.org/officeDocument/2006/relationships" xmlns:p="http://schemas.openxmlformats.org/presentationml/2006/main" xmlns:m="http://schemas.openxmlformats.org/officeDocument/2006/math" xmlns:a14="http://schemas.microsoft.com/office/drawing/2010/main" type="tx" showMasterSp="0" showMasterPhAnim="1">
+<p:sldLayout xmlns:a="http://schemas.openxmlformats.org/drawingml/2006/main" xmlns:r="http://schemas.openxmlformats.org/officeDocument/2006/relationships" xmlns:p="http://schemas.openxmlformats.org/presentationml/2006/main" showMasterSp="0" type="tx">
   <p:cSld name="Tekstdia">
     <p:spTree>
       <p:nvGrpSpPr>
@@ -2355,10 +2397,8 @@
           <p:nvPr/>
         </p:nvPicPr>
         <p:blipFill>
-          <a:blip r:embed="rId2">
-            <a:extLst/>
-          </a:blip>
-          <a:srcRect l="0" t="0" r="77361" b="82405"/>
+          <a:blip r:embed="rId2"/>
+          <a:srcRect r="77361" b="82405"/>
           <a:stretch>
             <a:fillRect/>
           </a:stretch>
@@ -2379,7 +2419,9 @@
       <p:sp>
         <p:nvSpPr>
           <p:cNvPr id="179" name="Body Level One…"/>
-          <p:cNvSpPr txBox="1"/>
+          <p:cNvSpPr txBox="1">
+            <a:spLocks noGrp="1"/>
+          </p:cNvSpPr>
           <p:nvPr>
             <p:ph type="body" idx="1"/>
           </p:nvPr>
@@ -2395,7 +2437,7 @@
         </p:spPr>
         <p:txBody>
           <a:bodyPr>
-            <a:normAutofit fontScale="100000" lnSpcReduction="0"/>
+            <a:normAutofit/>
           </a:bodyPr>
           <a:lstStyle>
             <a:lvl1pPr>
@@ -2430,7 +2472,6 @@
             </a:lvl5pPr>
           </a:lstStyle>
           <a:p>
-            <a:pPr/>
             <a:r>
               <a:t>Body Level One</a:t>
             </a:r>
@@ -2464,7 +2505,9 @@
       <p:sp>
         <p:nvSpPr>
           <p:cNvPr id="180" name="Slide Number"/>
-          <p:cNvSpPr txBox="1"/>
+          <p:cNvSpPr txBox="1">
+            <a:spLocks noGrp="1"/>
+          </p:cNvSpPr>
           <p:nvPr>
             <p:ph type="sldNum" sz="quarter" idx="2"/>
           </p:nvPr>
@@ -2491,8 +2534,10 @@
             </a:lvl1pPr>
           </a:lstStyle>
           <a:p>
-            <a:pPr/>
-            <a:fld id="{86CB4B4D-7CA3-9044-876B-883B54F8677D}" type="slidenum"/>
+            <a:fld id="{86CB4B4D-7CA3-9044-876B-883B54F8677D}" type="slidenum">
+              <a:t>‹#›</a:t>
+            </a:fld>
+            <a:endParaRPr/>
           </a:p>
         </p:txBody>
       </p:sp>
@@ -2501,12 +2546,12 @@
   <p:clrMapOvr>
     <a:masterClrMapping/>
   </p:clrMapOvr>
-  <p:transition xmlns:p14="http://schemas.microsoft.com/office/powerpoint/2010/main" spd="med" advClick="1"/>
+  <p:transition spd="med"/>
 </p:sldLayout>
 </file>
 
 <file path=ppt/slideLayouts/slideLayout19.xml><?xml version="1.0" encoding="utf-8"?>
-<p:sldLayout xmlns:a="http://schemas.openxmlformats.org/drawingml/2006/main" xmlns:r="http://schemas.openxmlformats.org/officeDocument/2006/relationships" xmlns:p="http://schemas.openxmlformats.org/presentationml/2006/main" xmlns:m="http://schemas.openxmlformats.org/officeDocument/2006/math" xmlns:a14="http://schemas.microsoft.com/office/drawing/2010/main" type="tx" showMasterSp="0" showMasterPhAnim="1">
+<p:sldLayout xmlns:a="http://schemas.openxmlformats.org/drawingml/2006/main" xmlns:r="http://schemas.openxmlformats.org/officeDocument/2006/relationships" xmlns:p="http://schemas.openxmlformats.org/presentationml/2006/main" showMasterSp="0" type="tx">
   <p:cSld name="Title Slide">
     <p:spTree>
       <p:nvGrpSpPr>
@@ -2531,10 +2576,8 @@
           <p:nvPr/>
         </p:nvPicPr>
         <p:blipFill>
-          <a:blip r:embed="rId2">
-            <a:extLst/>
-          </a:blip>
-          <a:srcRect l="0" t="0" r="77361" b="82405"/>
+          <a:blip r:embed="rId2"/>
+          <a:srcRect r="77361" b="82405"/>
           <a:stretch>
             <a:fillRect/>
           </a:stretch>
@@ -2555,7 +2598,9 @@
       <p:sp>
         <p:nvSpPr>
           <p:cNvPr id="188" name="Title Text"/>
-          <p:cNvSpPr txBox="1"/>
+          <p:cNvSpPr txBox="1">
+            <a:spLocks noGrp="1"/>
+          </p:cNvSpPr>
           <p:nvPr>
             <p:ph type="title"/>
           </p:nvPr>
@@ -2581,7 +2626,6 @@
             </a:lvl1pPr>
           </a:lstStyle>
           <a:p>
-            <a:pPr/>
             <a:r>
               <a:t>Title Text</a:t>
             </a:r>
@@ -2591,7 +2635,9 @@
       <p:sp>
         <p:nvSpPr>
           <p:cNvPr id="189" name="Body Level One…"/>
-          <p:cNvSpPr txBox="1"/>
+          <p:cNvSpPr txBox="1">
+            <a:spLocks noGrp="1"/>
+          </p:cNvSpPr>
           <p:nvPr>
             <p:ph type="body" sz="quarter" idx="1"/>
           </p:nvPr>
@@ -2607,7 +2653,7 @@
         </p:spPr>
         <p:txBody>
           <a:bodyPr>
-            <a:normAutofit fontScale="100000" lnSpcReduction="0"/>
+            <a:normAutofit/>
           </a:bodyPr>
           <a:lstStyle>
             <a:lvl1pPr marL="0" indent="0" algn="ctr">
@@ -2632,7 +2678,6 @@
             </a:lvl5pPr>
           </a:lstStyle>
           <a:p>
-            <a:pPr/>
             <a:r>
               <a:t>Body Level One</a:t>
             </a:r>
@@ -2666,7 +2711,9 @@
       <p:sp>
         <p:nvSpPr>
           <p:cNvPr id="190" name="Slide Number"/>
-          <p:cNvSpPr txBox="1"/>
+          <p:cNvSpPr txBox="1">
+            <a:spLocks noGrp="1"/>
+          </p:cNvSpPr>
           <p:nvPr>
             <p:ph type="sldNum" sz="quarter" idx="2"/>
           </p:nvPr>
@@ -2684,8 +2731,10 @@
           <a:bodyPr/>
           <a:lstStyle/>
           <a:p>
-            <a:pPr/>
-            <a:fld id="{86CB4B4D-7CA3-9044-876B-883B54F8677D}" type="slidenum"/>
+            <a:fld id="{86CB4B4D-7CA3-9044-876B-883B54F8677D}" type="slidenum">
+              <a:t>‹#›</a:t>
+            </a:fld>
+            <a:endParaRPr/>
           </a:p>
         </p:txBody>
       </p:sp>
@@ -2694,12 +2743,12 @@
   <p:clrMapOvr>
     <a:masterClrMapping/>
   </p:clrMapOvr>
-  <p:transition xmlns:p14="http://schemas.microsoft.com/office/powerpoint/2010/main" spd="med" advClick="1"/>
+  <p:transition spd="med"/>
 </p:sldLayout>
 </file>
 
 <file path=ppt/slideLayouts/slideLayout2.xml><?xml version="1.0" encoding="utf-8"?>
-<p:sldLayout xmlns:a="http://schemas.openxmlformats.org/drawingml/2006/main" xmlns:r="http://schemas.openxmlformats.org/officeDocument/2006/relationships" xmlns:p="http://schemas.openxmlformats.org/presentationml/2006/main" xmlns:m="http://schemas.openxmlformats.org/officeDocument/2006/math" xmlns:a14="http://schemas.microsoft.com/office/drawing/2010/main" type="tx" showMasterSp="0" showMasterPhAnim="1">
+<p:sldLayout xmlns:a="http://schemas.openxmlformats.org/drawingml/2006/main" xmlns:r="http://schemas.openxmlformats.org/officeDocument/2006/relationships" xmlns:p="http://schemas.openxmlformats.org/presentationml/2006/main" showMasterSp="0" type="tx">
   <p:cSld name="Titel en tekstdia">
     <p:spTree>
       <p:nvGrpSpPr>
@@ -2724,10 +2773,8 @@
           <p:nvPr/>
         </p:nvPicPr>
         <p:blipFill>
-          <a:blip r:embed="rId2">
-            <a:extLst/>
-          </a:blip>
-          <a:srcRect l="0" t="0" r="77361" b="82405"/>
+          <a:blip r:embed="rId2"/>
+          <a:srcRect r="77361" b="82405"/>
           <a:stretch>
             <a:fillRect/>
           </a:stretch>
@@ -2748,7 +2795,9 @@
       <p:sp>
         <p:nvSpPr>
           <p:cNvPr id="22" name="Body Level One…"/>
-          <p:cNvSpPr txBox="1"/>
+          <p:cNvSpPr txBox="1">
+            <a:spLocks noGrp="1"/>
+          </p:cNvSpPr>
           <p:nvPr>
             <p:ph type="body" idx="1"/>
           </p:nvPr>
@@ -2764,11 +2813,10 @@
         </p:spPr>
         <p:txBody>
           <a:bodyPr>
-            <a:normAutofit fontScale="100000" lnSpcReduction="0"/>
+            <a:normAutofit/>
           </a:bodyPr>
           <a:lstStyle/>
           <a:p>
-            <a:pPr/>
             <a:r>
               <a:t>Body Level One</a:t>
             </a:r>
@@ -2802,7 +2850,9 @@
       <p:sp>
         <p:nvSpPr>
           <p:cNvPr id="23" name="Title Text"/>
-          <p:cNvSpPr txBox="1"/>
+          <p:cNvSpPr txBox="1">
+            <a:spLocks noGrp="1"/>
+          </p:cNvSpPr>
           <p:nvPr>
             <p:ph type="title"/>
           </p:nvPr>
@@ -2828,7 +2878,6 @@
             </a:lvl1pPr>
           </a:lstStyle>
           <a:p>
-            <a:pPr/>
             <a:r>
               <a:t>Title Text</a:t>
             </a:r>
@@ -2838,7 +2887,9 @@
       <p:sp>
         <p:nvSpPr>
           <p:cNvPr id="24" name="Slide Number"/>
-          <p:cNvSpPr txBox="1"/>
+          <p:cNvSpPr txBox="1">
+            <a:spLocks noGrp="1"/>
+          </p:cNvSpPr>
           <p:nvPr>
             <p:ph type="sldNum" sz="quarter" idx="2"/>
           </p:nvPr>
@@ -2865,8 +2916,10 @@
             </a:lvl1pPr>
           </a:lstStyle>
           <a:p>
-            <a:pPr/>
-            <a:fld id="{86CB4B4D-7CA3-9044-876B-883B54F8677D}" type="slidenum"/>
+            <a:fld id="{86CB4B4D-7CA3-9044-876B-883B54F8677D}" type="slidenum">
+              <a:t>‹#›</a:t>
+            </a:fld>
+            <a:endParaRPr/>
           </a:p>
         </p:txBody>
       </p:sp>
@@ -2875,12 +2928,12 @@
   <p:clrMapOvr>
     <a:masterClrMapping/>
   </p:clrMapOvr>
-  <p:transition xmlns:p14="http://schemas.microsoft.com/office/powerpoint/2010/main" spd="med" advClick="1"/>
+  <p:transition spd="med"/>
 </p:sldLayout>
 </file>
 
 <file path=ppt/slideLayouts/slideLayout20.xml><?xml version="1.0" encoding="utf-8"?>
-<p:sldLayout xmlns:a="http://schemas.openxmlformats.org/drawingml/2006/main" xmlns:r="http://schemas.openxmlformats.org/officeDocument/2006/relationships" xmlns:p="http://schemas.openxmlformats.org/presentationml/2006/main" xmlns:m="http://schemas.openxmlformats.org/officeDocument/2006/math" xmlns:a14="http://schemas.microsoft.com/office/drawing/2010/main" type="tx" showMasterSp="0" showMasterPhAnim="1">
+<p:sldLayout xmlns:a="http://schemas.openxmlformats.org/drawingml/2006/main" xmlns:r="http://schemas.openxmlformats.org/officeDocument/2006/relationships" xmlns:p="http://schemas.openxmlformats.org/presentationml/2006/main" showMasterSp="0" type="tx">
   <p:cSld name="Title and Content">
     <p:spTree>
       <p:nvGrpSpPr>
@@ -2905,10 +2958,8 @@
           <p:nvPr/>
         </p:nvPicPr>
         <p:blipFill>
-          <a:blip r:embed="rId2">
-            <a:extLst/>
-          </a:blip>
-          <a:srcRect l="0" t="0" r="77361" b="82405"/>
+          <a:blip r:embed="rId2"/>
+          <a:srcRect r="77361" b="82405"/>
           <a:stretch>
             <a:fillRect/>
           </a:stretch>
@@ -2929,7 +2980,9 @@
       <p:sp>
         <p:nvSpPr>
           <p:cNvPr id="198" name="Title Text"/>
-          <p:cNvSpPr txBox="1"/>
+          <p:cNvSpPr txBox="1">
+            <a:spLocks noGrp="1"/>
+          </p:cNvSpPr>
           <p:nvPr>
             <p:ph type="title"/>
           </p:nvPr>
@@ -2955,7 +3008,6 @@
             </a:lvl1pPr>
           </a:lstStyle>
           <a:p>
-            <a:pPr/>
             <a:r>
               <a:t>Title Text</a:t>
             </a:r>
@@ -2965,7 +3017,9 @@
       <p:sp>
         <p:nvSpPr>
           <p:cNvPr id="199" name="Body Level One…"/>
-          <p:cNvSpPr txBox="1"/>
+          <p:cNvSpPr txBox="1">
+            <a:spLocks noGrp="1"/>
+          </p:cNvSpPr>
           <p:nvPr>
             <p:ph type="body" idx="1"/>
           </p:nvPr>
@@ -2981,11 +3035,10 @@
         </p:spPr>
         <p:txBody>
           <a:bodyPr>
-            <a:normAutofit fontScale="100000" lnSpcReduction="0"/>
+            <a:normAutofit/>
           </a:bodyPr>
           <a:lstStyle/>
           <a:p>
-            <a:pPr/>
             <a:r>
               <a:t>Body Level One</a:t>
             </a:r>
@@ -3019,7 +3072,9 @@
       <p:sp>
         <p:nvSpPr>
           <p:cNvPr id="200" name="Slide Number"/>
-          <p:cNvSpPr txBox="1"/>
+          <p:cNvSpPr txBox="1">
+            <a:spLocks noGrp="1"/>
+          </p:cNvSpPr>
           <p:nvPr>
             <p:ph type="sldNum" sz="quarter" idx="2"/>
           </p:nvPr>
@@ -3037,8 +3092,10 @@
           <a:bodyPr/>
           <a:lstStyle/>
           <a:p>
-            <a:pPr/>
-            <a:fld id="{86CB4B4D-7CA3-9044-876B-883B54F8677D}" type="slidenum"/>
+            <a:fld id="{86CB4B4D-7CA3-9044-876B-883B54F8677D}" type="slidenum">
+              <a:t>‹#›</a:t>
+            </a:fld>
+            <a:endParaRPr/>
           </a:p>
         </p:txBody>
       </p:sp>
@@ -3047,12 +3104,12 @@
   <p:clrMapOvr>
     <a:masterClrMapping/>
   </p:clrMapOvr>
-  <p:transition xmlns:p14="http://schemas.microsoft.com/office/powerpoint/2010/main" spd="med" advClick="1"/>
+  <p:transition spd="med"/>
 </p:sldLayout>
 </file>
 
 <file path=ppt/slideLayouts/slideLayout21.xml><?xml version="1.0" encoding="utf-8"?>
-<p:sldLayout xmlns:a="http://schemas.openxmlformats.org/drawingml/2006/main" xmlns:r="http://schemas.openxmlformats.org/officeDocument/2006/relationships" xmlns:p="http://schemas.openxmlformats.org/presentationml/2006/main" xmlns:m="http://schemas.openxmlformats.org/officeDocument/2006/math" xmlns:a14="http://schemas.microsoft.com/office/drawing/2010/main" type="tx" showMasterSp="0" showMasterPhAnim="1">
+<p:sldLayout xmlns:a="http://schemas.openxmlformats.org/drawingml/2006/main" xmlns:r="http://schemas.openxmlformats.org/officeDocument/2006/relationships" xmlns:p="http://schemas.openxmlformats.org/presentationml/2006/main" showMasterSp="0" type="tx">
   <p:cSld name="Titelpagina">
     <p:spTree>
       <p:nvGrpSpPr>
@@ -3077,10 +3134,8 @@
           <p:nvPr/>
         </p:nvPicPr>
         <p:blipFill>
-          <a:blip r:embed="rId2">
-            <a:extLst/>
-          </a:blip>
-          <a:srcRect l="0" t="0" r="77361" b="82405"/>
+          <a:blip r:embed="rId2"/>
+          <a:srcRect r="77361" b="82405"/>
           <a:stretch>
             <a:fillRect/>
           </a:stretch>
@@ -3107,9 +3162,7 @@
           <p:nvPr/>
         </p:nvPicPr>
         <p:blipFill>
-          <a:blip r:embed="rId3">
-            <a:extLst/>
-          </a:blip>
+          <a:blip r:embed="rId3"/>
           <a:stretch>
             <a:fillRect/>
           </a:stretch>
@@ -3130,7 +3183,9 @@
       <p:sp>
         <p:nvSpPr>
           <p:cNvPr id="209" name="Title Text"/>
-          <p:cNvSpPr txBox="1"/>
+          <p:cNvSpPr txBox="1">
+            <a:spLocks noGrp="1"/>
+          </p:cNvSpPr>
           <p:nvPr>
             <p:ph type="title"/>
           </p:nvPr>
@@ -3144,7 +3199,6 @@
           <a:bodyPr/>
           <a:lstStyle/>
           <a:p>
-            <a:pPr/>
             <a:r>
               <a:t>Title Text</a:t>
             </a:r>
@@ -3154,7 +3208,9 @@
       <p:sp>
         <p:nvSpPr>
           <p:cNvPr id="210" name="Slide Number"/>
-          <p:cNvSpPr txBox="1"/>
+          <p:cNvSpPr txBox="1">
+            <a:spLocks noGrp="1"/>
+          </p:cNvSpPr>
           <p:nvPr>
             <p:ph type="sldNum" sz="quarter" idx="2"/>
           </p:nvPr>
@@ -3168,8 +3224,10 @@
           <a:bodyPr/>
           <a:lstStyle/>
           <a:p>
-            <a:pPr/>
-            <a:fld id="{86CB4B4D-7CA3-9044-876B-883B54F8677D}" type="slidenum"/>
+            <a:fld id="{86CB4B4D-7CA3-9044-876B-883B54F8677D}" type="slidenum">
+              <a:t>‹#›</a:t>
+            </a:fld>
+            <a:endParaRPr/>
           </a:p>
         </p:txBody>
       </p:sp>
@@ -3178,12 +3236,12 @@
   <p:clrMapOvr>
     <a:masterClrMapping/>
   </p:clrMapOvr>
-  <p:transition xmlns:p14="http://schemas.microsoft.com/office/powerpoint/2010/main" spd="med" advClick="1"/>
+  <p:transition spd="med"/>
 </p:sldLayout>
 </file>
 
 <file path=ppt/slideLayouts/slideLayout22.xml><?xml version="1.0" encoding="utf-8"?>
-<p:sldLayout xmlns:a="http://schemas.openxmlformats.org/drawingml/2006/main" xmlns:r="http://schemas.openxmlformats.org/officeDocument/2006/relationships" xmlns:p="http://schemas.openxmlformats.org/presentationml/2006/main" xmlns:m="http://schemas.openxmlformats.org/officeDocument/2006/math" xmlns:a14="http://schemas.microsoft.com/office/drawing/2010/main" type="tx" showMasterSp="0" showMasterPhAnim="1">
+<p:sldLayout xmlns:a="http://schemas.openxmlformats.org/drawingml/2006/main" xmlns:r="http://schemas.openxmlformats.org/officeDocument/2006/relationships" xmlns:p="http://schemas.openxmlformats.org/presentationml/2006/main" showMasterSp="0" type="tx">
   <p:cSld name="Titel en tekstdia">
     <p:spTree>
       <p:nvGrpSpPr>
@@ -3208,10 +3266,8 @@
           <p:nvPr/>
         </p:nvPicPr>
         <p:blipFill>
-          <a:blip r:embed="rId2">
-            <a:extLst/>
-          </a:blip>
-          <a:srcRect l="0" t="0" r="77361" b="82405"/>
+          <a:blip r:embed="rId2"/>
+          <a:srcRect r="77361" b="82405"/>
           <a:stretch>
             <a:fillRect/>
           </a:stretch>
@@ -3232,7 +3288,9 @@
       <p:sp>
         <p:nvSpPr>
           <p:cNvPr id="218" name="Body Level One…"/>
-          <p:cNvSpPr txBox="1"/>
+          <p:cNvSpPr txBox="1">
+            <a:spLocks noGrp="1"/>
+          </p:cNvSpPr>
           <p:nvPr>
             <p:ph type="body" idx="1"/>
           </p:nvPr>
@@ -3248,11 +3306,10 @@
         </p:spPr>
         <p:txBody>
           <a:bodyPr>
-            <a:normAutofit fontScale="100000" lnSpcReduction="0"/>
+            <a:normAutofit/>
           </a:bodyPr>
           <a:lstStyle/>
           <a:p>
-            <a:pPr/>
             <a:r>
               <a:t>Body Level One</a:t>
             </a:r>
@@ -3286,7 +3343,9 @@
       <p:sp>
         <p:nvSpPr>
           <p:cNvPr id="219" name="Title Text"/>
-          <p:cNvSpPr txBox="1"/>
+          <p:cNvSpPr txBox="1">
+            <a:spLocks noGrp="1"/>
+          </p:cNvSpPr>
           <p:nvPr>
             <p:ph type="title"/>
           </p:nvPr>
@@ -3312,7 +3371,6 @@
             </a:lvl1pPr>
           </a:lstStyle>
           <a:p>
-            <a:pPr/>
             <a:r>
               <a:t>Title Text</a:t>
             </a:r>
@@ -3322,7 +3380,9 @@
       <p:sp>
         <p:nvSpPr>
           <p:cNvPr id="220" name="Slide Number"/>
-          <p:cNvSpPr txBox="1"/>
+          <p:cNvSpPr txBox="1">
+            <a:spLocks noGrp="1"/>
+          </p:cNvSpPr>
           <p:nvPr>
             <p:ph type="sldNum" sz="quarter" idx="2"/>
           </p:nvPr>
@@ -3349,8 +3409,10 @@
             </a:lvl1pPr>
           </a:lstStyle>
           <a:p>
-            <a:pPr/>
-            <a:fld id="{86CB4B4D-7CA3-9044-876B-883B54F8677D}" type="slidenum"/>
+            <a:fld id="{86CB4B4D-7CA3-9044-876B-883B54F8677D}" type="slidenum">
+              <a:t>‹#›</a:t>
+            </a:fld>
+            <a:endParaRPr/>
           </a:p>
         </p:txBody>
       </p:sp>
@@ -3359,12 +3421,12 @@
   <p:clrMapOvr>
     <a:masterClrMapping/>
   </p:clrMapOvr>
-  <p:transition xmlns:p14="http://schemas.microsoft.com/office/powerpoint/2010/main" spd="med" advClick="1"/>
+  <p:transition spd="med"/>
 </p:sldLayout>
 </file>
 
 <file path=ppt/slideLayouts/slideLayout23.xml><?xml version="1.0" encoding="utf-8"?>
-<p:sldLayout xmlns:a="http://schemas.openxmlformats.org/drawingml/2006/main" xmlns:r="http://schemas.openxmlformats.org/officeDocument/2006/relationships" xmlns:p="http://schemas.openxmlformats.org/presentationml/2006/main" xmlns:m="http://schemas.openxmlformats.org/officeDocument/2006/math" xmlns:a14="http://schemas.microsoft.com/office/drawing/2010/main" type="tx" showMasterSp="0" showMasterPhAnim="1">
+<p:sldLayout xmlns:a="http://schemas.openxmlformats.org/drawingml/2006/main" xmlns:r="http://schemas.openxmlformats.org/officeDocument/2006/relationships" xmlns:p="http://schemas.openxmlformats.org/presentationml/2006/main" showMasterSp="0" type="tx">
   <p:cSld name="Tekstdia">
     <p:spTree>
       <p:nvGrpSpPr>
@@ -3389,10 +3451,8 @@
           <p:nvPr/>
         </p:nvPicPr>
         <p:blipFill>
-          <a:blip r:embed="rId2">
-            <a:extLst/>
-          </a:blip>
-          <a:srcRect l="0" t="0" r="77361" b="82405"/>
+          <a:blip r:embed="rId2"/>
+          <a:srcRect r="77361" b="82405"/>
           <a:stretch>
             <a:fillRect/>
           </a:stretch>
@@ -3413,7 +3473,9 @@
       <p:sp>
         <p:nvSpPr>
           <p:cNvPr id="228" name="Body Level One…"/>
-          <p:cNvSpPr txBox="1"/>
+          <p:cNvSpPr txBox="1">
+            <a:spLocks noGrp="1"/>
+          </p:cNvSpPr>
           <p:nvPr>
             <p:ph type="body" idx="1"/>
           </p:nvPr>
@@ -3429,7 +3491,7 @@
         </p:spPr>
         <p:txBody>
           <a:bodyPr>
-            <a:normAutofit fontScale="100000" lnSpcReduction="0"/>
+            <a:normAutofit/>
           </a:bodyPr>
           <a:lstStyle>
             <a:lvl1pPr>
@@ -3464,7 +3526,6 @@
             </a:lvl5pPr>
           </a:lstStyle>
           <a:p>
-            <a:pPr/>
             <a:r>
               <a:t>Body Level One</a:t>
             </a:r>
@@ -3498,7 +3559,9 @@
       <p:sp>
         <p:nvSpPr>
           <p:cNvPr id="229" name="Slide Number"/>
-          <p:cNvSpPr txBox="1"/>
+          <p:cNvSpPr txBox="1">
+            <a:spLocks noGrp="1"/>
+          </p:cNvSpPr>
           <p:nvPr>
             <p:ph type="sldNum" sz="quarter" idx="2"/>
           </p:nvPr>
@@ -3525,8 +3588,10 @@
             </a:lvl1pPr>
           </a:lstStyle>
           <a:p>
-            <a:pPr/>
-            <a:fld id="{86CB4B4D-7CA3-9044-876B-883B54F8677D}" type="slidenum"/>
+            <a:fld id="{86CB4B4D-7CA3-9044-876B-883B54F8677D}" type="slidenum">
+              <a:t>‹#›</a:t>
+            </a:fld>
+            <a:endParaRPr/>
           </a:p>
         </p:txBody>
       </p:sp>
@@ -3535,12 +3600,12 @@
   <p:clrMapOvr>
     <a:masterClrMapping/>
   </p:clrMapOvr>
-  <p:transition xmlns:p14="http://schemas.microsoft.com/office/powerpoint/2010/main" spd="med" advClick="1"/>
+  <p:transition spd="med"/>
 </p:sldLayout>
 </file>
 
 <file path=ppt/slideLayouts/slideLayout24.xml><?xml version="1.0" encoding="utf-8"?>
-<p:sldLayout xmlns:a="http://schemas.openxmlformats.org/drawingml/2006/main" xmlns:r="http://schemas.openxmlformats.org/officeDocument/2006/relationships" xmlns:p="http://schemas.openxmlformats.org/presentationml/2006/main" xmlns:m="http://schemas.openxmlformats.org/officeDocument/2006/math" xmlns:a14="http://schemas.microsoft.com/office/drawing/2010/main" type="tx" showMasterSp="0" showMasterPhAnim="1">
+<p:sldLayout xmlns:a="http://schemas.openxmlformats.org/drawingml/2006/main" xmlns:r="http://schemas.openxmlformats.org/officeDocument/2006/relationships" xmlns:p="http://schemas.openxmlformats.org/presentationml/2006/main" showMasterSp="0" type="tx">
   <p:cSld name="Title Slide">
     <p:spTree>
       <p:nvGrpSpPr>
@@ -3565,10 +3630,8 @@
           <p:nvPr/>
         </p:nvPicPr>
         <p:blipFill>
-          <a:blip r:embed="rId2">
-            <a:extLst/>
-          </a:blip>
-          <a:srcRect l="0" t="0" r="77361" b="82405"/>
+          <a:blip r:embed="rId2"/>
+          <a:srcRect r="77361" b="82405"/>
           <a:stretch>
             <a:fillRect/>
           </a:stretch>
@@ -3589,7 +3652,9 @@
       <p:sp>
         <p:nvSpPr>
           <p:cNvPr id="237" name="Title Text"/>
-          <p:cNvSpPr txBox="1"/>
+          <p:cNvSpPr txBox="1">
+            <a:spLocks noGrp="1"/>
+          </p:cNvSpPr>
           <p:nvPr>
             <p:ph type="title"/>
           </p:nvPr>
@@ -3615,7 +3680,6 @@
             </a:lvl1pPr>
           </a:lstStyle>
           <a:p>
-            <a:pPr/>
             <a:r>
               <a:t>Title Text</a:t>
             </a:r>
@@ -3625,7 +3689,9 @@
       <p:sp>
         <p:nvSpPr>
           <p:cNvPr id="238" name="Body Level One…"/>
-          <p:cNvSpPr txBox="1"/>
+          <p:cNvSpPr txBox="1">
+            <a:spLocks noGrp="1"/>
+          </p:cNvSpPr>
           <p:nvPr>
             <p:ph type="body" sz="quarter" idx="1"/>
           </p:nvPr>
@@ -3641,7 +3707,7 @@
         </p:spPr>
         <p:txBody>
           <a:bodyPr>
-            <a:normAutofit fontScale="100000" lnSpcReduction="0"/>
+            <a:normAutofit/>
           </a:bodyPr>
           <a:lstStyle>
             <a:lvl1pPr marL="0" indent="0" algn="ctr">
@@ -3666,7 +3732,6 @@
             </a:lvl5pPr>
           </a:lstStyle>
           <a:p>
-            <a:pPr/>
             <a:r>
               <a:t>Body Level One</a:t>
             </a:r>
@@ -3700,7 +3765,9 @@
       <p:sp>
         <p:nvSpPr>
           <p:cNvPr id="239" name="Slide Number"/>
-          <p:cNvSpPr txBox="1"/>
+          <p:cNvSpPr txBox="1">
+            <a:spLocks noGrp="1"/>
+          </p:cNvSpPr>
           <p:nvPr>
             <p:ph type="sldNum" sz="quarter" idx="2"/>
           </p:nvPr>
@@ -3718,8 +3785,10 @@
           <a:bodyPr/>
           <a:lstStyle/>
           <a:p>
-            <a:pPr/>
-            <a:fld id="{86CB4B4D-7CA3-9044-876B-883B54F8677D}" type="slidenum"/>
+            <a:fld id="{86CB4B4D-7CA3-9044-876B-883B54F8677D}" type="slidenum">
+              <a:t>‹#›</a:t>
+            </a:fld>
+            <a:endParaRPr/>
           </a:p>
         </p:txBody>
       </p:sp>
@@ -3728,12 +3797,12 @@
   <p:clrMapOvr>
     <a:masterClrMapping/>
   </p:clrMapOvr>
-  <p:transition xmlns:p14="http://schemas.microsoft.com/office/powerpoint/2010/main" spd="med" advClick="1"/>
+  <p:transition spd="med"/>
 </p:sldLayout>
 </file>
 
 <file path=ppt/slideLayouts/slideLayout25.xml><?xml version="1.0" encoding="utf-8"?>
-<p:sldLayout xmlns:a="http://schemas.openxmlformats.org/drawingml/2006/main" xmlns:r="http://schemas.openxmlformats.org/officeDocument/2006/relationships" xmlns:p="http://schemas.openxmlformats.org/presentationml/2006/main" xmlns:m="http://schemas.openxmlformats.org/officeDocument/2006/math" xmlns:a14="http://schemas.microsoft.com/office/drawing/2010/main" type="tx" showMasterSp="0" showMasterPhAnim="1">
+<p:sldLayout xmlns:a="http://schemas.openxmlformats.org/drawingml/2006/main" xmlns:r="http://schemas.openxmlformats.org/officeDocument/2006/relationships" xmlns:p="http://schemas.openxmlformats.org/presentationml/2006/main" showMasterSp="0" type="tx">
   <p:cSld name="Title and Content">
     <p:spTree>
       <p:nvGrpSpPr>
@@ -3758,10 +3827,8 @@
           <p:nvPr/>
         </p:nvPicPr>
         <p:blipFill>
-          <a:blip r:embed="rId2">
-            <a:extLst/>
-          </a:blip>
-          <a:srcRect l="0" t="0" r="77361" b="82405"/>
+          <a:blip r:embed="rId2"/>
+          <a:srcRect r="77361" b="82405"/>
           <a:stretch>
             <a:fillRect/>
           </a:stretch>
@@ -3782,7 +3849,9 @@
       <p:sp>
         <p:nvSpPr>
           <p:cNvPr id="247" name="Title Text"/>
-          <p:cNvSpPr txBox="1"/>
+          <p:cNvSpPr txBox="1">
+            <a:spLocks noGrp="1"/>
+          </p:cNvSpPr>
           <p:nvPr>
             <p:ph type="title"/>
           </p:nvPr>
@@ -3808,7 +3877,6 @@
             </a:lvl1pPr>
           </a:lstStyle>
           <a:p>
-            <a:pPr/>
             <a:r>
               <a:t>Title Text</a:t>
             </a:r>
@@ -3818,7 +3886,9 @@
       <p:sp>
         <p:nvSpPr>
           <p:cNvPr id="248" name="Body Level One…"/>
-          <p:cNvSpPr txBox="1"/>
+          <p:cNvSpPr txBox="1">
+            <a:spLocks noGrp="1"/>
+          </p:cNvSpPr>
           <p:nvPr>
             <p:ph type="body" idx="1"/>
           </p:nvPr>
@@ -3834,11 +3904,10 @@
         </p:spPr>
         <p:txBody>
           <a:bodyPr>
-            <a:normAutofit fontScale="100000" lnSpcReduction="0"/>
+            <a:normAutofit/>
           </a:bodyPr>
           <a:lstStyle/>
           <a:p>
-            <a:pPr/>
             <a:r>
               <a:t>Body Level One</a:t>
             </a:r>
@@ -3872,7 +3941,9 @@
       <p:sp>
         <p:nvSpPr>
           <p:cNvPr id="249" name="Slide Number"/>
-          <p:cNvSpPr txBox="1"/>
+          <p:cNvSpPr txBox="1">
+            <a:spLocks noGrp="1"/>
+          </p:cNvSpPr>
           <p:nvPr>
             <p:ph type="sldNum" sz="quarter" idx="2"/>
           </p:nvPr>
@@ -3890,8 +3961,10 @@
           <a:bodyPr/>
           <a:lstStyle/>
           <a:p>
-            <a:pPr/>
-            <a:fld id="{86CB4B4D-7CA3-9044-876B-883B54F8677D}" type="slidenum"/>
+            <a:fld id="{86CB4B4D-7CA3-9044-876B-883B54F8677D}" type="slidenum">
+              <a:t>‹#›</a:t>
+            </a:fld>
+            <a:endParaRPr/>
           </a:p>
         </p:txBody>
       </p:sp>
@@ -3900,12 +3973,12 @@
   <p:clrMapOvr>
     <a:masterClrMapping/>
   </p:clrMapOvr>
-  <p:transition xmlns:p14="http://schemas.microsoft.com/office/powerpoint/2010/main" spd="med" advClick="1"/>
+  <p:transition spd="med"/>
 </p:sldLayout>
 </file>
 
 <file path=ppt/slideLayouts/slideLayout26.xml><?xml version="1.0" encoding="utf-8"?>
-<p:sldLayout xmlns:a="http://schemas.openxmlformats.org/drawingml/2006/main" xmlns:r="http://schemas.openxmlformats.org/officeDocument/2006/relationships" xmlns:p="http://schemas.openxmlformats.org/presentationml/2006/main" xmlns:m="http://schemas.openxmlformats.org/officeDocument/2006/math" xmlns:a14="http://schemas.microsoft.com/office/drawing/2010/main" type="tx" showMasterSp="0" showMasterPhAnim="1">
+<p:sldLayout xmlns:a="http://schemas.openxmlformats.org/drawingml/2006/main" xmlns:r="http://schemas.openxmlformats.org/officeDocument/2006/relationships" xmlns:p="http://schemas.openxmlformats.org/presentationml/2006/main" showMasterSp="0" type="tx">
   <p:cSld name="Titelpagina">
     <p:spTree>
       <p:nvGrpSpPr>
@@ -3930,10 +4003,8 @@
           <p:nvPr/>
         </p:nvPicPr>
         <p:blipFill>
-          <a:blip r:embed="rId2">
-            <a:extLst/>
-          </a:blip>
-          <a:srcRect l="0" t="0" r="77361" b="82405"/>
+          <a:blip r:embed="rId2"/>
+          <a:srcRect r="77361" b="82405"/>
           <a:stretch>
             <a:fillRect/>
           </a:stretch>
@@ -3960,9 +4031,7 @@
           <p:nvPr/>
         </p:nvPicPr>
         <p:blipFill>
-          <a:blip r:embed="rId3">
-            <a:extLst/>
-          </a:blip>
+          <a:blip r:embed="rId3"/>
           <a:stretch>
             <a:fillRect/>
           </a:stretch>
@@ -3983,7 +4052,9 @@
       <p:sp>
         <p:nvSpPr>
           <p:cNvPr id="258" name="Title Text"/>
-          <p:cNvSpPr txBox="1"/>
+          <p:cNvSpPr txBox="1">
+            <a:spLocks noGrp="1"/>
+          </p:cNvSpPr>
           <p:nvPr>
             <p:ph type="title"/>
           </p:nvPr>
@@ -3997,7 +4068,6 @@
           <a:bodyPr/>
           <a:lstStyle/>
           <a:p>
-            <a:pPr/>
             <a:r>
               <a:t>Title Text</a:t>
             </a:r>
@@ -4007,7 +4077,9 @@
       <p:sp>
         <p:nvSpPr>
           <p:cNvPr id="259" name="Slide Number"/>
-          <p:cNvSpPr txBox="1"/>
+          <p:cNvSpPr txBox="1">
+            <a:spLocks noGrp="1"/>
+          </p:cNvSpPr>
           <p:nvPr>
             <p:ph type="sldNum" sz="quarter" idx="2"/>
           </p:nvPr>
@@ -4021,8 +4093,10 @@
           <a:bodyPr/>
           <a:lstStyle/>
           <a:p>
-            <a:pPr/>
-            <a:fld id="{86CB4B4D-7CA3-9044-876B-883B54F8677D}" type="slidenum"/>
+            <a:fld id="{86CB4B4D-7CA3-9044-876B-883B54F8677D}" type="slidenum">
+              <a:t>‹#›</a:t>
+            </a:fld>
+            <a:endParaRPr/>
           </a:p>
         </p:txBody>
       </p:sp>
@@ -4031,12 +4105,12 @@
   <p:clrMapOvr>
     <a:masterClrMapping/>
   </p:clrMapOvr>
-  <p:transition xmlns:p14="http://schemas.microsoft.com/office/powerpoint/2010/main" spd="med" advClick="1"/>
+  <p:transition spd="med"/>
 </p:sldLayout>
 </file>
 
 <file path=ppt/slideLayouts/slideLayout27.xml><?xml version="1.0" encoding="utf-8"?>
-<p:sldLayout xmlns:a="http://schemas.openxmlformats.org/drawingml/2006/main" xmlns:r="http://schemas.openxmlformats.org/officeDocument/2006/relationships" xmlns:p="http://schemas.openxmlformats.org/presentationml/2006/main" xmlns:m="http://schemas.openxmlformats.org/officeDocument/2006/math" xmlns:a14="http://schemas.microsoft.com/office/drawing/2010/main" type="tx" showMasterSp="0" showMasterPhAnim="1">
+<p:sldLayout xmlns:a="http://schemas.openxmlformats.org/drawingml/2006/main" xmlns:r="http://schemas.openxmlformats.org/officeDocument/2006/relationships" xmlns:p="http://schemas.openxmlformats.org/presentationml/2006/main" showMasterSp="0" type="tx">
   <p:cSld name="Titel en tekstdia">
     <p:spTree>
       <p:nvGrpSpPr>
@@ -4061,10 +4135,8 @@
           <p:nvPr/>
         </p:nvPicPr>
         <p:blipFill>
-          <a:blip r:embed="rId2">
-            <a:extLst/>
-          </a:blip>
-          <a:srcRect l="0" t="0" r="77361" b="82405"/>
+          <a:blip r:embed="rId2"/>
+          <a:srcRect r="77361" b="82405"/>
           <a:stretch>
             <a:fillRect/>
           </a:stretch>
@@ -4085,7 +4157,9 @@
       <p:sp>
         <p:nvSpPr>
           <p:cNvPr id="267" name="Body Level One…"/>
-          <p:cNvSpPr txBox="1"/>
+          <p:cNvSpPr txBox="1">
+            <a:spLocks noGrp="1"/>
+          </p:cNvSpPr>
           <p:nvPr>
             <p:ph type="body" idx="1"/>
           </p:nvPr>
@@ -4101,11 +4175,10 @@
         </p:spPr>
         <p:txBody>
           <a:bodyPr>
-            <a:normAutofit fontScale="100000" lnSpcReduction="0"/>
+            <a:normAutofit/>
           </a:bodyPr>
           <a:lstStyle/>
           <a:p>
-            <a:pPr/>
             <a:r>
               <a:t>Body Level One</a:t>
             </a:r>
@@ -4139,7 +4212,9 @@
       <p:sp>
         <p:nvSpPr>
           <p:cNvPr id="268" name="Title Text"/>
-          <p:cNvSpPr txBox="1"/>
+          <p:cNvSpPr txBox="1">
+            <a:spLocks noGrp="1"/>
+          </p:cNvSpPr>
           <p:nvPr>
             <p:ph type="title"/>
           </p:nvPr>
@@ -4165,7 +4240,6 @@
             </a:lvl1pPr>
           </a:lstStyle>
           <a:p>
-            <a:pPr/>
             <a:r>
               <a:t>Title Text</a:t>
             </a:r>
@@ -4175,7 +4249,9 @@
       <p:sp>
         <p:nvSpPr>
           <p:cNvPr id="269" name="Slide Number"/>
-          <p:cNvSpPr txBox="1"/>
+          <p:cNvSpPr txBox="1">
+            <a:spLocks noGrp="1"/>
+          </p:cNvSpPr>
           <p:nvPr>
             <p:ph type="sldNum" sz="quarter" idx="2"/>
           </p:nvPr>
@@ -4202,8 +4278,10 @@
             </a:lvl1pPr>
           </a:lstStyle>
           <a:p>
-            <a:pPr/>
-            <a:fld id="{86CB4B4D-7CA3-9044-876B-883B54F8677D}" type="slidenum"/>
+            <a:fld id="{86CB4B4D-7CA3-9044-876B-883B54F8677D}" type="slidenum">
+              <a:t>‹#›</a:t>
+            </a:fld>
+            <a:endParaRPr/>
           </a:p>
         </p:txBody>
       </p:sp>
@@ -4212,12 +4290,12 @@
   <p:clrMapOvr>
     <a:masterClrMapping/>
   </p:clrMapOvr>
-  <p:transition xmlns:p14="http://schemas.microsoft.com/office/powerpoint/2010/main" spd="med" advClick="1"/>
+  <p:transition spd="med"/>
 </p:sldLayout>
 </file>
 
 <file path=ppt/slideLayouts/slideLayout28.xml><?xml version="1.0" encoding="utf-8"?>
-<p:sldLayout xmlns:a="http://schemas.openxmlformats.org/drawingml/2006/main" xmlns:r="http://schemas.openxmlformats.org/officeDocument/2006/relationships" xmlns:p="http://schemas.openxmlformats.org/presentationml/2006/main" xmlns:m="http://schemas.openxmlformats.org/officeDocument/2006/math" xmlns:a14="http://schemas.microsoft.com/office/drawing/2010/main" type="tx" showMasterSp="0" showMasterPhAnim="1">
+<p:sldLayout xmlns:a="http://schemas.openxmlformats.org/drawingml/2006/main" xmlns:r="http://schemas.openxmlformats.org/officeDocument/2006/relationships" xmlns:p="http://schemas.openxmlformats.org/presentationml/2006/main" showMasterSp="0" type="tx">
   <p:cSld name="Titel en tekstdia 0">
     <p:spTree>
       <p:nvGrpSpPr>
@@ -4236,7 +4314,9 @@
       <p:sp>
         <p:nvSpPr>
           <p:cNvPr id="276" name="Body Level One…"/>
-          <p:cNvSpPr txBox="1"/>
+          <p:cNvSpPr txBox="1">
+            <a:spLocks noGrp="1"/>
+          </p:cNvSpPr>
           <p:nvPr>
             <p:ph type="body" idx="1"/>
           </p:nvPr>
@@ -4252,11 +4332,10 @@
         </p:spPr>
         <p:txBody>
           <a:bodyPr>
-            <a:normAutofit fontScale="100000" lnSpcReduction="0"/>
+            <a:normAutofit/>
           </a:bodyPr>
           <a:lstStyle/>
           <a:p>
-            <a:pPr/>
             <a:r>
               <a:t>Body Level One</a:t>
             </a:r>
@@ -4290,7 +4369,9 @@
       <p:sp>
         <p:nvSpPr>
           <p:cNvPr id="277" name="Title Text"/>
-          <p:cNvSpPr txBox="1"/>
+          <p:cNvSpPr txBox="1">
+            <a:spLocks noGrp="1"/>
+          </p:cNvSpPr>
           <p:nvPr>
             <p:ph type="title"/>
           </p:nvPr>
@@ -4316,7 +4397,6 @@
             </a:lvl1pPr>
           </a:lstStyle>
           <a:p>
-            <a:pPr/>
             <a:r>
               <a:t>Title Text</a:t>
             </a:r>
@@ -4326,7 +4406,9 @@
       <p:sp>
         <p:nvSpPr>
           <p:cNvPr id="278" name="Slide Number"/>
-          <p:cNvSpPr txBox="1"/>
+          <p:cNvSpPr txBox="1">
+            <a:spLocks noGrp="1"/>
+          </p:cNvSpPr>
           <p:nvPr>
             <p:ph type="sldNum" sz="quarter" idx="2"/>
           </p:nvPr>
@@ -4353,8 +4435,10 @@
             </a:lvl1pPr>
           </a:lstStyle>
           <a:p>
-            <a:pPr/>
-            <a:fld id="{86CB4B4D-7CA3-9044-876B-883B54F8677D}" type="slidenum"/>
+            <a:fld id="{86CB4B4D-7CA3-9044-876B-883B54F8677D}" type="slidenum">
+              <a:t>‹#›</a:t>
+            </a:fld>
+            <a:endParaRPr/>
           </a:p>
         </p:txBody>
       </p:sp>
@@ -4363,12 +4447,12 @@
   <p:clrMapOvr>
     <a:masterClrMapping/>
   </p:clrMapOvr>
-  <p:transition xmlns:p14="http://schemas.microsoft.com/office/powerpoint/2010/main" spd="med" advClick="1"/>
+  <p:transition spd="med"/>
 </p:sldLayout>
 </file>
 
 <file path=ppt/slideLayouts/slideLayout29.xml><?xml version="1.0" encoding="utf-8"?>
-<p:sldLayout xmlns:a="http://schemas.openxmlformats.org/drawingml/2006/main" xmlns:r="http://schemas.openxmlformats.org/officeDocument/2006/relationships" xmlns:p="http://schemas.openxmlformats.org/presentationml/2006/main" xmlns:m="http://schemas.openxmlformats.org/officeDocument/2006/math" xmlns:a14="http://schemas.microsoft.com/office/drawing/2010/main" type="tx" showMasterSp="0" showMasterPhAnim="1">
+<p:sldLayout xmlns:a="http://schemas.openxmlformats.org/drawingml/2006/main" xmlns:r="http://schemas.openxmlformats.org/officeDocument/2006/relationships" xmlns:p="http://schemas.openxmlformats.org/presentationml/2006/main" showMasterSp="0" type="tx">
   <p:cSld name="Tekstdia">
     <p:spTree>
       <p:nvGrpSpPr>
@@ -4393,10 +4477,8 @@
           <p:nvPr/>
         </p:nvPicPr>
         <p:blipFill>
-          <a:blip r:embed="rId2">
-            <a:extLst/>
-          </a:blip>
-          <a:srcRect l="0" t="0" r="77361" b="82405"/>
+          <a:blip r:embed="rId2"/>
+          <a:srcRect r="77361" b="82405"/>
           <a:stretch>
             <a:fillRect/>
           </a:stretch>
@@ -4417,7 +4499,9 @@
       <p:sp>
         <p:nvSpPr>
           <p:cNvPr id="286" name="Body Level One…"/>
-          <p:cNvSpPr txBox="1"/>
+          <p:cNvSpPr txBox="1">
+            <a:spLocks noGrp="1"/>
+          </p:cNvSpPr>
           <p:nvPr>
             <p:ph type="body" idx="1"/>
           </p:nvPr>
@@ -4433,7 +4517,7 @@
         </p:spPr>
         <p:txBody>
           <a:bodyPr>
-            <a:normAutofit fontScale="100000" lnSpcReduction="0"/>
+            <a:normAutofit/>
           </a:bodyPr>
           <a:lstStyle>
             <a:lvl1pPr>
@@ -4468,7 +4552,6 @@
             </a:lvl5pPr>
           </a:lstStyle>
           <a:p>
-            <a:pPr/>
             <a:r>
               <a:t>Body Level One</a:t>
             </a:r>
@@ -4502,7 +4585,9 @@
       <p:sp>
         <p:nvSpPr>
           <p:cNvPr id="287" name="Slide Number"/>
-          <p:cNvSpPr txBox="1"/>
+          <p:cNvSpPr txBox="1">
+            <a:spLocks noGrp="1"/>
+          </p:cNvSpPr>
           <p:nvPr>
             <p:ph type="sldNum" sz="quarter" idx="2"/>
           </p:nvPr>
@@ -4529,8 +4614,10 @@
             </a:lvl1pPr>
           </a:lstStyle>
           <a:p>
-            <a:pPr/>
-            <a:fld id="{86CB4B4D-7CA3-9044-876B-883B54F8677D}" type="slidenum"/>
+            <a:fld id="{86CB4B4D-7CA3-9044-876B-883B54F8677D}" type="slidenum">
+              <a:t>‹#›</a:t>
+            </a:fld>
+            <a:endParaRPr/>
           </a:p>
         </p:txBody>
       </p:sp>
@@ -4539,12 +4626,12 @@
   <p:clrMapOvr>
     <a:masterClrMapping/>
   </p:clrMapOvr>
-  <p:transition xmlns:p14="http://schemas.microsoft.com/office/powerpoint/2010/main" spd="med" advClick="1"/>
+  <p:transition spd="med"/>
 </p:sldLayout>
 </file>
 
 <file path=ppt/slideLayouts/slideLayout3.xml><?xml version="1.0" encoding="utf-8"?>
-<p:sldLayout xmlns:a="http://schemas.openxmlformats.org/drawingml/2006/main" xmlns:r="http://schemas.openxmlformats.org/officeDocument/2006/relationships" xmlns:p="http://schemas.openxmlformats.org/presentationml/2006/main" xmlns:m="http://schemas.openxmlformats.org/officeDocument/2006/math" xmlns:a14="http://schemas.microsoft.com/office/drawing/2010/main" type="tx" showMasterSp="0" showMasterPhAnim="1">
+<p:sldLayout xmlns:a="http://schemas.openxmlformats.org/drawingml/2006/main" xmlns:r="http://schemas.openxmlformats.org/officeDocument/2006/relationships" xmlns:p="http://schemas.openxmlformats.org/presentationml/2006/main" showMasterSp="0" type="tx">
   <p:cSld name="Tekstdia">
     <p:spTree>
       <p:nvGrpSpPr>
@@ -4569,10 +4656,8 @@
           <p:nvPr/>
         </p:nvPicPr>
         <p:blipFill>
-          <a:blip r:embed="rId2">
-            <a:extLst/>
-          </a:blip>
-          <a:srcRect l="0" t="0" r="77361" b="82405"/>
+          <a:blip r:embed="rId2"/>
+          <a:srcRect r="77361" b="82405"/>
           <a:stretch>
             <a:fillRect/>
           </a:stretch>
@@ -4593,7 +4678,9 @@
       <p:sp>
         <p:nvSpPr>
           <p:cNvPr id="32" name="Body Level One…"/>
-          <p:cNvSpPr txBox="1"/>
+          <p:cNvSpPr txBox="1">
+            <a:spLocks noGrp="1"/>
+          </p:cNvSpPr>
           <p:nvPr>
             <p:ph type="body" idx="1"/>
           </p:nvPr>
@@ -4609,7 +4696,7 @@
         </p:spPr>
         <p:txBody>
           <a:bodyPr>
-            <a:normAutofit fontScale="100000" lnSpcReduction="0"/>
+            <a:normAutofit/>
           </a:bodyPr>
           <a:lstStyle>
             <a:lvl1pPr>
@@ -4644,7 +4731,6 @@
             </a:lvl5pPr>
           </a:lstStyle>
           <a:p>
-            <a:pPr/>
             <a:r>
               <a:t>Body Level One</a:t>
             </a:r>
@@ -4678,7 +4764,9 @@
       <p:sp>
         <p:nvSpPr>
           <p:cNvPr id="33" name="Slide Number"/>
-          <p:cNvSpPr txBox="1"/>
+          <p:cNvSpPr txBox="1">
+            <a:spLocks noGrp="1"/>
+          </p:cNvSpPr>
           <p:nvPr>
             <p:ph type="sldNum" sz="quarter" idx="2"/>
           </p:nvPr>
@@ -4705,8 +4793,10 @@
             </a:lvl1pPr>
           </a:lstStyle>
           <a:p>
-            <a:pPr/>
-            <a:fld id="{86CB4B4D-7CA3-9044-876B-883B54F8677D}" type="slidenum"/>
+            <a:fld id="{86CB4B4D-7CA3-9044-876B-883B54F8677D}" type="slidenum">
+              <a:t>‹#›</a:t>
+            </a:fld>
+            <a:endParaRPr/>
           </a:p>
         </p:txBody>
       </p:sp>
@@ -4715,12 +4805,12 @@
   <p:clrMapOvr>
     <a:masterClrMapping/>
   </p:clrMapOvr>
-  <p:transition xmlns:p14="http://schemas.microsoft.com/office/powerpoint/2010/main" spd="med" advClick="1"/>
+  <p:transition spd="med"/>
 </p:sldLayout>
 </file>
 
 <file path=ppt/slideLayouts/slideLayout4.xml><?xml version="1.0" encoding="utf-8"?>
-<p:sldLayout xmlns:a="http://schemas.openxmlformats.org/drawingml/2006/main" xmlns:r="http://schemas.openxmlformats.org/officeDocument/2006/relationships" xmlns:p="http://schemas.openxmlformats.org/presentationml/2006/main" xmlns:m="http://schemas.openxmlformats.org/officeDocument/2006/math" xmlns:a14="http://schemas.microsoft.com/office/drawing/2010/main" type="tx" showMasterSp="0" showMasterPhAnim="1">
+<p:sldLayout xmlns:a="http://schemas.openxmlformats.org/drawingml/2006/main" xmlns:r="http://schemas.openxmlformats.org/officeDocument/2006/relationships" xmlns:p="http://schemas.openxmlformats.org/presentationml/2006/main" showMasterSp="0" type="tx">
   <p:cSld name="Title Slide">
     <p:spTree>
       <p:nvGrpSpPr>
@@ -4745,10 +4835,8 @@
           <p:nvPr/>
         </p:nvPicPr>
         <p:blipFill>
-          <a:blip r:embed="rId2">
-            <a:extLst/>
-          </a:blip>
-          <a:srcRect l="0" t="0" r="77361" b="82405"/>
+          <a:blip r:embed="rId2"/>
+          <a:srcRect r="77361" b="82405"/>
           <a:stretch>
             <a:fillRect/>
           </a:stretch>
@@ -4769,7 +4857,9 @@
       <p:sp>
         <p:nvSpPr>
           <p:cNvPr id="41" name="Title Text"/>
-          <p:cNvSpPr txBox="1"/>
+          <p:cNvSpPr txBox="1">
+            <a:spLocks noGrp="1"/>
+          </p:cNvSpPr>
           <p:nvPr>
             <p:ph type="title"/>
           </p:nvPr>
@@ -4795,7 +4885,6 @@
             </a:lvl1pPr>
           </a:lstStyle>
           <a:p>
-            <a:pPr/>
             <a:r>
               <a:t>Title Text</a:t>
             </a:r>
@@ -4805,7 +4894,9 @@
       <p:sp>
         <p:nvSpPr>
           <p:cNvPr id="42" name="Body Level One…"/>
-          <p:cNvSpPr txBox="1"/>
+          <p:cNvSpPr txBox="1">
+            <a:spLocks noGrp="1"/>
+          </p:cNvSpPr>
           <p:nvPr>
             <p:ph type="body" sz="quarter" idx="1"/>
           </p:nvPr>
@@ -4821,7 +4912,7 @@
         </p:spPr>
         <p:txBody>
           <a:bodyPr>
-            <a:normAutofit fontScale="100000" lnSpcReduction="0"/>
+            <a:normAutofit/>
           </a:bodyPr>
           <a:lstStyle>
             <a:lvl1pPr marL="0" indent="0" algn="ctr">
@@ -4846,7 +4937,6 @@
             </a:lvl5pPr>
           </a:lstStyle>
           <a:p>
-            <a:pPr/>
             <a:r>
               <a:t>Body Level One</a:t>
             </a:r>
@@ -4880,7 +4970,9 @@
       <p:sp>
         <p:nvSpPr>
           <p:cNvPr id="43" name="Slide Number"/>
-          <p:cNvSpPr txBox="1"/>
+          <p:cNvSpPr txBox="1">
+            <a:spLocks noGrp="1"/>
+          </p:cNvSpPr>
           <p:nvPr>
             <p:ph type="sldNum" sz="quarter" idx="2"/>
           </p:nvPr>
@@ -4898,8 +4990,10 @@
           <a:bodyPr/>
           <a:lstStyle/>
           <a:p>
-            <a:pPr/>
-            <a:fld id="{86CB4B4D-7CA3-9044-876B-883B54F8677D}" type="slidenum"/>
+            <a:fld id="{86CB4B4D-7CA3-9044-876B-883B54F8677D}" type="slidenum">
+              <a:t>‹#›</a:t>
+            </a:fld>
+            <a:endParaRPr/>
           </a:p>
         </p:txBody>
       </p:sp>
@@ -4908,12 +5002,12 @@
   <p:clrMapOvr>
     <a:masterClrMapping/>
   </p:clrMapOvr>
-  <p:transition xmlns:p14="http://schemas.microsoft.com/office/powerpoint/2010/main" spd="med" advClick="1"/>
+  <p:transition spd="med"/>
 </p:sldLayout>
 </file>
 
 <file path=ppt/slideLayouts/slideLayout5.xml><?xml version="1.0" encoding="utf-8"?>
-<p:sldLayout xmlns:a="http://schemas.openxmlformats.org/drawingml/2006/main" xmlns:r="http://schemas.openxmlformats.org/officeDocument/2006/relationships" xmlns:p="http://schemas.openxmlformats.org/presentationml/2006/main" xmlns:m="http://schemas.openxmlformats.org/officeDocument/2006/math" xmlns:a14="http://schemas.microsoft.com/office/drawing/2010/main" type="tx" showMasterSp="0" showMasterPhAnim="1">
+<p:sldLayout xmlns:a="http://schemas.openxmlformats.org/drawingml/2006/main" xmlns:r="http://schemas.openxmlformats.org/officeDocument/2006/relationships" xmlns:p="http://schemas.openxmlformats.org/presentationml/2006/main" showMasterSp="0" type="tx">
   <p:cSld name="Title and Content">
     <p:spTree>
       <p:nvGrpSpPr>
@@ -4938,10 +5032,8 @@
           <p:nvPr/>
         </p:nvPicPr>
         <p:blipFill>
-          <a:blip r:embed="rId2">
-            <a:extLst/>
-          </a:blip>
-          <a:srcRect l="0" t="0" r="77361" b="82405"/>
+          <a:blip r:embed="rId2"/>
+          <a:srcRect r="77361" b="82405"/>
           <a:stretch>
             <a:fillRect/>
           </a:stretch>
@@ -4962,7 +5054,9 @@
       <p:sp>
         <p:nvSpPr>
           <p:cNvPr id="51" name="Title Text"/>
-          <p:cNvSpPr txBox="1"/>
+          <p:cNvSpPr txBox="1">
+            <a:spLocks noGrp="1"/>
+          </p:cNvSpPr>
           <p:nvPr>
             <p:ph type="title"/>
           </p:nvPr>
@@ -4988,7 +5082,6 @@
             </a:lvl1pPr>
           </a:lstStyle>
           <a:p>
-            <a:pPr/>
             <a:r>
               <a:t>Title Text</a:t>
             </a:r>
@@ -4998,7 +5091,9 @@
       <p:sp>
         <p:nvSpPr>
           <p:cNvPr id="52" name="Body Level One…"/>
-          <p:cNvSpPr txBox="1"/>
+          <p:cNvSpPr txBox="1">
+            <a:spLocks noGrp="1"/>
+          </p:cNvSpPr>
           <p:nvPr>
             <p:ph type="body" idx="1"/>
           </p:nvPr>
@@ -5014,11 +5109,10 @@
         </p:spPr>
         <p:txBody>
           <a:bodyPr>
-            <a:normAutofit fontScale="100000" lnSpcReduction="0"/>
+            <a:normAutofit/>
           </a:bodyPr>
           <a:lstStyle/>
           <a:p>
-            <a:pPr/>
             <a:r>
               <a:t>Body Level One</a:t>
             </a:r>
@@ -5052,7 +5146,9 @@
       <p:sp>
         <p:nvSpPr>
           <p:cNvPr id="53" name="Slide Number"/>
-          <p:cNvSpPr txBox="1"/>
+          <p:cNvSpPr txBox="1">
+            <a:spLocks noGrp="1"/>
+          </p:cNvSpPr>
           <p:nvPr>
             <p:ph type="sldNum" sz="quarter" idx="2"/>
           </p:nvPr>
@@ -5070,8 +5166,10 @@
           <a:bodyPr/>
           <a:lstStyle/>
           <a:p>
-            <a:pPr/>
-            <a:fld id="{86CB4B4D-7CA3-9044-876B-883B54F8677D}" type="slidenum"/>
+            <a:fld id="{86CB4B4D-7CA3-9044-876B-883B54F8677D}" type="slidenum">
+              <a:t>‹#›</a:t>
+            </a:fld>
+            <a:endParaRPr/>
           </a:p>
         </p:txBody>
       </p:sp>
@@ -5080,12 +5178,12 @@
   <p:clrMapOvr>
     <a:masterClrMapping/>
   </p:clrMapOvr>
-  <p:transition xmlns:p14="http://schemas.microsoft.com/office/powerpoint/2010/main" spd="med" advClick="1"/>
+  <p:transition spd="med"/>
 </p:sldLayout>
 </file>
 
 <file path=ppt/slideLayouts/slideLayout6.xml><?xml version="1.0" encoding="utf-8"?>
-<p:sldLayout xmlns:a="http://schemas.openxmlformats.org/drawingml/2006/main" xmlns:r="http://schemas.openxmlformats.org/officeDocument/2006/relationships" xmlns:p="http://schemas.openxmlformats.org/presentationml/2006/main" xmlns:m="http://schemas.openxmlformats.org/officeDocument/2006/math" xmlns:a14="http://schemas.microsoft.com/office/drawing/2010/main" type="tx" showMasterSp="0" showMasterPhAnim="1">
+<p:sldLayout xmlns:a="http://schemas.openxmlformats.org/drawingml/2006/main" xmlns:r="http://schemas.openxmlformats.org/officeDocument/2006/relationships" xmlns:p="http://schemas.openxmlformats.org/presentationml/2006/main" showMasterSp="0" type="tx">
   <p:cSld name="Titelpagina">
     <p:spTree>
       <p:nvGrpSpPr>
@@ -5110,10 +5208,8 @@
           <p:nvPr/>
         </p:nvPicPr>
         <p:blipFill>
-          <a:blip r:embed="rId2">
-            <a:extLst/>
-          </a:blip>
-          <a:srcRect l="0" t="0" r="77361" b="82405"/>
+          <a:blip r:embed="rId2"/>
+          <a:srcRect r="77361" b="82405"/>
           <a:stretch>
             <a:fillRect/>
           </a:stretch>
@@ -5140,9 +5236,7 @@
           <p:nvPr/>
         </p:nvPicPr>
         <p:blipFill>
-          <a:blip r:embed="rId3">
-            <a:extLst/>
-          </a:blip>
+          <a:blip r:embed="rId3"/>
           <a:stretch>
             <a:fillRect/>
           </a:stretch>
@@ -5163,7 +5257,9 @@
       <p:sp>
         <p:nvSpPr>
           <p:cNvPr id="62" name="Title Text"/>
-          <p:cNvSpPr txBox="1"/>
+          <p:cNvSpPr txBox="1">
+            <a:spLocks noGrp="1"/>
+          </p:cNvSpPr>
           <p:nvPr>
             <p:ph type="title"/>
           </p:nvPr>
@@ -5177,7 +5273,6 @@
           <a:bodyPr/>
           <a:lstStyle/>
           <a:p>
-            <a:pPr/>
             <a:r>
               <a:t>Title Text</a:t>
             </a:r>
@@ -5187,7 +5282,9 @@
       <p:sp>
         <p:nvSpPr>
           <p:cNvPr id="63" name="Slide Number"/>
-          <p:cNvSpPr txBox="1"/>
+          <p:cNvSpPr txBox="1">
+            <a:spLocks noGrp="1"/>
+          </p:cNvSpPr>
           <p:nvPr>
             <p:ph type="sldNum" sz="quarter" idx="2"/>
           </p:nvPr>
@@ -5201,8 +5298,10 @@
           <a:bodyPr/>
           <a:lstStyle/>
           <a:p>
-            <a:pPr/>
-            <a:fld id="{86CB4B4D-7CA3-9044-876B-883B54F8677D}" type="slidenum"/>
+            <a:fld id="{86CB4B4D-7CA3-9044-876B-883B54F8677D}" type="slidenum">
+              <a:t>‹#›</a:t>
+            </a:fld>
+            <a:endParaRPr/>
           </a:p>
         </p:txBody>
       </p:sp>
@@ -5211,12 +5310,12 @@
   <p:clrMapOvr>
     <a:masterClrMapping/>
   </p:clrMapOvr>
-  <p:transition xmlns:p14="http://schemas.microsoft.com/office/powerpoint/2010/main" spd="med" advClick="1"/>
+  <p:transition spd="med"/>
 </p:sldLayout>
 </file>
 
 <file path=ppt/slideLayouts/slideLayout7.xml><?xml version="1.0" encoding="utf-8"?>
-<p:sldLayout xmlns:a="http://schemas.openxmlformats.org/drawingml/2006/main" xmlns:r="http://schemas.openxmlformats.org/officeDocument/2006/relationships" xmlns:p="http://schemas.openxmlformats.org/presentationml/2006/main" xmlns:m="http://schemas.openxmlformats.org/officeDocument/2006/math" xmlns:a14="http://schemas.microsoft.com/office/drawing/2010/main" type="tx" showMasterSp="0" showMasterPhAnim="1">
+<p:sldLayout xmlns:a="http://schemas.openxmlformats.org/drawingml/2006/main" xmlns:r="http://schemas.openxmlformats.org/officeDocument/2006/relationships" xmlns:p="http://schemas.openxmlformats.org/presentationml/2006/main" showMasterSp="0" type="tx">
   <p:cSld name="Titel en tekstdia">
     <p:spTree>
       <p:nvGrpSpPr>
@@ -5241,10 +5340,8 @@
           <p:nvPr/>
         </p:nvPicPr>
         <p:blipFill>
-          <a:blip r:embed="rId2">
-            <a:extLst/>
-          </a:blip>
-          <a:srcRect l="0" t="0" r="77361" b="82405"/>
+          <a:blip r:embed="rId2"/>
+          <a:srcRect r="77361" b="82405"/>
           <a:stretch>
             <a:fillRect/>
           </a:stretch>
@@ -5265,7 +5362,9 @@
       <p:sp>
         <p:nvSpPr>
           <p:cNvPr id="71" name="Body Level One…"/>
-          <p:cNvSpPr txBox="1"/>
+          <p:cNvSpPr txBox="1">
+            <a:spLocks noGrp="1"/>
+          </p:cNvSpPr>
           <p:nvPr>
             <p:ph type="body" idx="1"/>
           </p:nvPr>
@@ -5281,11 +5380,10 @@
         </p:spPr>
         <p:txBody>
           <a:bodyPr>
-            <a:normAutofit fontScale="100000" lnSpcReduction="0"/>
+            <a:normAutofit/>
           </a:bodyPr>
           <a:lstStyle/>
           <a:p>
-            <a:pPr/>
             <a:r>
               <a:t>Body Level One</a:t>
             </a:r>
@@ -5319,7 +5417,9 @@
       <p:sp>
         <p:nvSpPr>
           <p:cNvPr id="72" name="Title Text"/>
-          <p:cNvSpPr txBox="1"/>
+          <p:cNvSpPr txBox="1">
+            <a:spLocks noGrp="1"/>
+          </p:cNvSpPr>
           <p:nvPr>
             <p:ph type="title"/>
           </p:nvPr>
@@ -5345,7 +5445,6 @@
             </a:lvl1pPr>
           </a:lstStyle>
           <a:p>
-            <a:pPr/>
             <a:r>
               <a:t>Title Text</a:t>
             </a:r>
@@ -5355,7 +5454,9 @@
       <p:sp>
         <p:nvSpPr>
           <p:cNvPr id="73" name="Slide Number"/>
-          <p:cNvSpPr txBox="1"/>
+          <p:cNvSpPr txBox="1">
+            <a:spLocks noGrp="1"/>
+          </p:cNvSpPr>
           <p:nvPr>
             <p:ph type="sldNum" sz="quarter" idx="2"/>
           </p:nvPr>
@@ -5382,8 +5483,10 @@
             </a:lvl1pPr>
           </a:lstStyle>
           <a:p>
-            <a:pPr/>
-            <a:fld id="{86CB4B4D-7CA3-9044-876B-883B54F8677D}" type="slidenum"/>
+            <a:fld id="{86CB4B4D-7CA3-9044-876B-883B54F8677D}" type="slidenum">
+              <a:t>‹#›</a:t>
+            </a:fld>
+            <a:endParaRPr/>
           </a:p>
         </p:txBody>
       </p:sp>
@@ -5392,12 +5495,12 @@
   <p:clrMapOvr>
     <a:masterClrMapping/>
   </p:clrMapOvr>
-  <p:transition xmlns:p14="http://schemas.microsoft.com/office/powerpoint/2010/main" spd="med" advClick="1"/>
+  <p:transition spd="med"/>
 </p:sldLayout>
 </file>
 
 <file path=ppt/slideLayouts/slideLayout8.xml><?xml version="1.0" encoding="utf-8"?>
-<p:sldLayout xmlns:a="http://schemas.openxmlformats.org/drawingml/2006/main" xmlns:r="http://schemas.openxmlformats.org/officeDocument/2006/relationships" xmlns:p="http://schemas.openxmlformats.org/presentationml/2006/main" xmlns:m="http://schemas.openxmlformats.org/officeDocument/2006/math" xmlns:a14="http://schemas.microsoft.com/office/drawing/2010/main" type="tx" showMasterSp="0" showMasterPhAnim="1">
+<p:sldLayout xmlns:a="http://schemas.openxmlformats.org/drawingml/2006/main" xmlns:r="http://schemas.openxmlformats.org/officeDocument/2006/relationships" xmlns:p="http://schemas.openxmlformats.org/presentationml/2006/main" showMasterSp="0" type="tx">
   <p:cSld name="Tekstdia">
     <p:spTree>
       <p:nvGrpSpPr>
@@ -5422,10 +5525,8 @@
           <p:nvPr/>
         </p:nvPicPr>
         <p:blipFill>
-          <a:blip r:embed="rId2">
-            <a:extLst/>
-          </a:blip>
-          <a:srcRect l="0" t="0" r="77361" b="82405"/>
+          <a:blip r:embed="rId2"/>
+          <a:srcRect r="77361" b="82405"/>
           <a:stretch>
             <a:fillRect/>
           </a:stretch>
@@ -5446,7 +5547,9 @@
       <p:sp>
         <p:nvSpPr>
           <p:cNvPr id="81" name="Body Level One…"/>
-          <p:cNvSpPr txBox="1"/>
+          <p:cNvSpPr txBox="1">
+            <a:spLocks noGrp="1"/>
+          </p:cNvSpPr>
           <p:nvPr>
             <p:ph type="body" idx="1"/>
           </p:nvPr>
@@ -5462,7 +5565,7 @@
         </p:spPr>
         <p:txBody>
           <a:bodyPr>
-            <a:normAutofit fontScale="100000" lnSpcReduction="0"/>
+            <a:normAutofit/>
           </a:bodyPr>
           <a:lstStyle>
             <a:lvl1pPr>
@@ -5497,7 +5600,6 @@
             </a:lvl5pPr>
           </a:lstStyle>
           <a:p>
-            <a:pPr/>
             <a:r>
               <a:t>Body Level One</a:t>
             </a:r>
@@ -5531,7 +5633,9 @@
       <p:sp>
         <p:nvSpPr>
           <p:cNvPr id="82" name="Slide Number"/>
-          <p:cNvSpPr txBox="1"/>
+          <p:cNvSpPr txBox="1">
+            <a:spLocks noGrp="1"/>
+          </p:cNvSpPr>
           <p:nvPr>
             <p:ph type="sldNum" sz="quarter" idx="2"/>
           </p:nvPr>
@@ -5558,8 +5662,10 @@
             </a:lvl1pPr>
           </a:lstStyle>
           <a:p>
-            <a:pPr/>
-            <a:fld id="{86CB4B4D-7CA3-9044-876B-883B54F8677D}" type="slidenum"/>
+            <a:fld id="{86CB4B4D-7CA3-9044-876B-883B54F8677D}" type="slidenum">
+              <a:t>‹#›</a:t>
+            </a:fld>
+            <a:endParaRPr/>
           </a:p>
         </p:txBody>
       </p:sp>
@@ -5568,12 +5674,12 @@
   <p:clrMapOvr>
     <a:masterClrMapping/>
   </p:clrMapOvr>
-  <p:transition xmlns:p14="http://schemas.microsoft.com/office/powerpoint/2010/main" spd="med" advClick="1"/>
+  <p:transition spd="med"/>
 </p:sldLayout>
 </file>
 
 <file path=ppt/slideLayouts/slideLayout9.xml><?xml version="1.0" encoding="utf-8"?>
-<p:sldLayout xmlns:a="http://schemas.openxmlformats.org/drawingml/2006/main" xmlns:r="http://schemas.openxmlformats.org/officeDocument/2006/relationships" xmlns:p="http://schemas.openxmlformats.org/presentationml/2006/main" xmlns:m="http://schemas.openxmlformats.org/officeDocument/2006/math" xmlns:a14="http://schemas.microsoft.com/office/drawing/2010/main" type="tx" showMasterSp="0" showMasterPhAnim="1">
+<p:sldLayout xmlns:a="http://schemas.openxmlformats.org/drawingml/2006/main" xmlns:r="http://schemas.openxmlformats.org/officeDocument/2006/relationships" xmlns:p="http://schemas.openxmlformats.org/presentationml/2006/main" showMasterSp="0" type="tx">
   <p:cSld name="Title Slide">
     <p:spTree>
       <p:nvGrpSpPr>
@@ -5598,10 +5704,8 @@
           <p:nvPr/>
         </p:nvPicPr>
         <p:blipFill>
-          <a:blip r:embed="rId2">
-            <a:extLst/>
-          </a:blip>
-          <a:srcRect l="0" t="0" r="77361" b="82405"/>
+          <a:blip r:embed="rId2"/>
+          <a:srcRect r="77361" b="82405"/>
           <a:stretch>
             <a:fillRect/>
           </a:stretch>
@@ -5622,7 +5726,9 @@
       <p:sp>
         <p:nvSpPr>
           <p:cNvPr id="90" name="Title Text"/>
-          <p:cNvSpPr txBox="1"/>
+          <p:cNvSpPr txBox="1">
+            <a:spLocks noGrp="1"/>
+          </p:cNvSpPr>
           <p:nvPr>
             <p:ph type="title"/>
           </p:nvPr>
@@ -5648,7 +5754,6 @@
             </a:lvl1pPr>
           </a:lstStyle>
           <a:p>
-            <a:pPr/>
             <a:r>
               <a:t>Title Text</a:t>
             </a:r>
@@ -5658,7 +5763,9 @@
       <p:sp>
         <p:nvSpPr>
           <p:cNvPr id="91" name="Body Level One…"/>
-          <p:cNvSpPr txBox="1"/>
+          <p:cNvSpPr txBox="1">
+            <a:spLocks noGrp="1"/>
+          </p:cNvSpPr>
           <p:nvPr>
             <p:ph type="body" sz="quarter" idx="1"/>
           </p:nvPr>
@@ -5674,7 +5781,7 @@
         </p:spPr>
         <p:txBody>
           <a:bodyPr>
-            <a:normAutofit fontScale="100000" lnSpcReduction="0"/>
+            <a:normAutofit/>
           </a:bodyPr>
           <a:lstStyle>
             <a:lvl1pPr marL="0" indent="0" algn="ctr">
@@ -5699,7 +5806,6 @@
             </a:lvl5pPr>
           </a:lstStyle>
           <a:p>
-            <a:pPr/>
             <a:r>
               <a:t>Body Level One</a:t>
             </a:r>
@@ -5733,7 +5839,9 @@
       <p:sp>
         <p:nvSpPr>
           <p:cNvPr id="92" name="Slide Number"/>
-          <p:cNvSpPr txBox="1"/>
+          <p:cNvSpPr txBox="1">
+            <a:spLocks noGrp="1"/>
+          </p:cNvSpPr>
           <p:nvPr>
             <p:ph type="sldNum" sz="quarter" idx="2"/>
           </p:nvPr>
@@ -5751,8 +5859,10 @@
           <a:bodyPr/>
           <a:lstStyle/>
           <a:p>
-            <a:pPr/>
-            <a:fld id="{86CB4B4D-7CA3-9044-876B-883B54F8677D}" type="slidenum"/>
+            <a:fld id="{86CB4B4D-7CA3-9044-876B-883B54F8677D}" type="slidenum">
+              <a:t>‹#›</a:t>
+            </a:fld>
+            <a:endParaRPr/>
           </a:p>
         </p:txBody>
       </p:sp>
@@ -5761,12 +5871,12 @@
   <p:clrMapOvr>
     <a:masterClrMapping/>
   </p:clrMapOvr>
-  <p:transition xmlns:p14="http://schemas.microsoft.com/office/powerpoint/2010/main" spd="med" advClick="1"/>
+  <p:transition spd="med"/>
 </p:sldLayout>
 </file>
 
 <file path=ppt/slideMasters/slideMaster1.xml><?xml version="1.0" encoding="utf-8"?>
-<p:sldMaster xmlns:a="http://schemas.openxmlformats.org/drawingml/2006/main" xmlns:r="http://schemas.openxmlformats.org/officeDocument/2006/relationships" xmlns:p="http://schemas.openxmlformats.org/presentationml/2006/main" xmlns:m="http://schemas.openxmlformats.org/officeDocument/2006/math" xmlns:a14="http://schemas.microsoft.com/office/drawing/2010/main">
+<p:sldMaster xmlns:a="http://schemas.openxmlformats.org/drawingml/2006/main" xmlns:r="http://schemas.openxmlformats.org/officeDocument/2006/relationships" xmlns:p="http://schemas.openxmlformats.org/presentationml/2006/main">
   <p:cSld>
     <p:bg>
       <p:bgPr>
@@ -5775,6 +5885,7 @@
             <a:lumOff val="44000"/>
           </a:schemeClr>
         </a:solidFill>
+        <a:effectLst/>
       </p:bgPr>
     </p:bg>
     <p:spTree>
@@ -5800,10 +5911,8 @@
           <p:nvPr/>
         </p:nvPicPr>
         <p:blipFill>
-          <a:blip r:embed="rId2">
-            <a:extLst/>
-          </a:blip>
-          <a:srcRect l="0" t="0" r="77361" b="82405"/>
+          <a:blip r:embed="rId31"/>
+          <a:srcRect r="77361" b="82405"/>
           <a:stretch>
             <a:fillRect/>
           </a:stretch>
@@ -5830,9 +5939,7 @@
           <p:nvPr/>
         </p:nvPicPr>
         <p:blipFill>
-          <a:blip r:embed="rId3">
-            <a:extLst/>
-          </a:blip>
+          <a:blip r:embed="rId32"/>
           <a:stretch>
             <a:fillRect/>
           </a:stretch>
@@ -5853,7 +5960,9 @@
       <p:sp>
         <p:nvSpPr>
           <p:cNvPr id="4" name="Title Text"/>
-          <p:cNvSpPr txBox="1"/>
+          <p:cNvSpPr txBox="1">
+            <a:spLocks noGrp="1"/>
+          </p:cNvSpPr>
           <p:nvPr>
             <p:ph type="title"/>
           </p:nvPr>
@@ -5871,17 +5980,16 @@
           </a:ln>
           <a:extLst>
             <a:ext uri="{C572A759-6A51-4108-AA02-DFA0A04FC94B}">
-              <ma14:wrappingTextBoxFlag xmlns:ma14="http://schemas.microsoft.com/office/mac/drawingml/2011/main" val="1"/>
+              <ma14:wrappingTextBoxFlag xmlns:ma14="http://schemas.microsoft.com/office/mac/drawingml/2011/main" xmlns:a14="http://schemas.microsoft.com/office/drawing/2010/main" xmlns:m="http://schemas.openxmlformats.org/officeDocument/2006/math" xmlns="" val="1"/>
             </a:ext>
           </a:extLst>
         </p:spPr>
         <p:txBody>
           <a:bodyPr lIns="45719" rIns="45719" anchor="ctr">
-            <a:normAutofit fontScale="100000" lnSpcReduction="0"/>
+            <a:normAutofit/>
           </a:bodyPr>
           <a:lstStyle/>
           <a:p>
-            <a:pPr/>
             <a:r>
               <a:t>Title Text</a:t>
             </a:r>
@@ -5891,7 +5999,9 @@
       <p:sp>
         <p:nvSpPr>
           <p:cNvPr id="5" name="Body Level One…"/>
-          <p:cNvSpPr txBox="1"/>
+          <p:cNvSpPr txBox="1">
+            <a:spLocks noGrp="1"/>
+          </p:cNvSpPr>
           <p:nvPr>
             <p:ph type="body" idx="1"/>
           </p:nvPr>
@@ -5909,7 +6019,7 @@
           </a:ln>
           <a:extLst>
             <a:ext uri="{C572A759-6A51-4108-AA02-DFA0A04FC94B}">
-              <ma14:wrappingTextBoxFlag xmlns:ma14="http://schemas.microsoft.com/office/mac/drawingml/2011/main" val="1"/>
+              <ma14:wrappingTextBoxFlag xmlns:ma14="http://schemas.microsoft.com/office/mac/drawingml/2011/main" xmlns:a14="http://schemas.microsoft.com/office/drawing/2010/main" xmlns:m="http://schemas.openxmlformats.org/officeDocument/2006/math" xmlns="" val="1"/>
             </a:ext>
           </a:extLst>
         </p:spPr>
@@ -5917,7 +6027,6 @@
           <a:bodyPr lIns="45719" rIns="45719"/>
           <a:lstStyle/>
           <a:p>
-            <a:pPr/>
             <a:r>
               <a:t>Body Level One</a:t>
             </a:r>
@@ -5951,7 +6060,9 @@
       <p:sp>
         <p:nvSpPr>
           <p:cNvPr id="6" name="Slide Number"/>
-          <p:cNvSpPr txBox="1"/>
+          <p:cNvSpPr txBox="1">
+            <a:spLocks noGrp="1"/>
+          </p:cNvSpPr>
           <p:nvPr>
             <p:ph type="sldNum" sz="quarter" idx="2"/>
           </p:nvPr>
@@ -5986,8 +6097,10 @@
             </a:lvl1pPr>
           </a:lstStyle>
           <a:p>
-            <a:pPr/>
-            <a:fld id="{86CB4B4D-7CA3-9044-876B-883B54F8677D}" type="slidenum"/>
+            <a:fld id="{86CB4B4D-7CA3-9044-876B-883B54F8677D}" type="slidenum">
+              <a:t>‹#›</a:t>
+            </a:fld>
+            <a:endParaRPr/>
           </a:p>
         </p:txBody>
       </p:sp>
@@ -5995,37 +6108,37 @@
   </p:cSld>
   <p:clrMap bg1="lt1" tx1="dk1" bg2="lt2" tx2="dk2" accent1="accent1" accent2="accent2" accent3="accent3" accent4="accent4" accent5="accent5" accent6="accent6" hlink="hlink" folHlink="folHlink"/>
   <p:sldLayoutIdLst>
-    <p:sldLayoutId id="2147483649" r:id="rId4"/>
-    <p:sldLayoutId id="2147483650" r:id="rId5"/>
-    <p:sldLayoutId id="2147483651" r:id="rId6"/>
-    <p:sldLayoutId id="2147483652" r:id="rId7"/>
-    <p:sldLayoutId id="2147483653" r:id="rId8"/>
-    <p:sldLayoutId id="2147483654" r:id="rId9"/>
-    <p:sldLayoutId id="2147483655" r:id="rId10"/>
-    <p:sldLayoutId id="2147483656" r:id="rId11"/>
-    <p:sldLayoutId id="2147483657" r:id="rId12"/>
-    <p:sldLayoutId id="2147483658" r:id="rId13"/>
-    <p:sldLayoutId id="2147483659" r:id="rId14"/>
-    <p:sldLayoutId id="2147483660" r:id="rId15"/>
-    <p:sldLayoutId id="2147483661" r:id="rId16"/>
-    <p:sldLayoutId id="2147483662" r:id="rId17"/>
-    <p:sldLayoutId id="2147483663" r:id="rId18"/>
-    <p:sldLayoutId id="2147483664" r:id="rId19"/>
-    <p:sldLayoutId id="2147483665" r:id="rId20"/>
-    <p:sldLayoutId id="2147483666" r:id="rId21"/>
-    <p:sldLayoutId id="2147483667" r:id="rId22"/>
-    <p:sldLayoutId id="2147483668" r:id="rId23"/>
-    <p:sldLayoutId id="2147483669" r:id="rId24"/>
-    <p:sldLayoutId id="2147483670" r:id="rId25"/>
-    <p:sldLayoutId id="2147483671" r:id="rId26"/>
-    <p:sldLayoutId id="2147483672" r:id="rId27"/>
-    <p:sldLayoutId id="2147483673" r:id="rId28"/>
-    <p:sldLayoutId id="2147483674" r:id="rId29"/>
-    <p:sldLayoutId id="2147483675" r:id="rId30"/>
-    <p:sldLayoutId id="2147483676" r:id="rId31"/>
-    <p:sldLayoutId id="2147483677" r:id="rId32"/>
+    <p:sldLayoutId id="2147483649" r:id="rId1"/>
+    <p:sldLayoutId id="2147483650" r:id="rId2"/>
+    <p:sldLayoutId id="2147483651" r:id="rId3"/>
+    <p:sldLayoutId id="2147483652" r:id="rId4"/>
+    <p:sldLayoutId id="2147483653" r:id="rId5"/>
+    <p:sldLayoutId id="2147483654" r:id="rId6"/>
+    <p:sldLayoutId id="2147483655" r:id="rId7"/>
+    <p:sldLayoutId id="2147483656" r:id="rId8"/>
+    <p:sldLayoutId id="2147483657" r:id="rId9"/>
+    <p:sldLayoutId id="2147483658" r:id="rId10"/>
+    <p:sldLayoutId id="2147483659" r:id="rId11"/>
+    <p:sldLayoutId id="2147483660" r:id="rId12"/>
+    <p:sldLayoutId id="2147483661" r:id="rId13"/>
+    <p:sldLayoutId id="2147483662" r:id="rId14"/>
+    <p:sldLayoutId id="2147483663" r:id="rId15"/>
+    <p:sldLayoutId id="2147483664" r:id="rId16"/>
+    <p:sldLayoutId id="2147483665" r:id="rId17"/>
+    <p:sldLayoutId id="2147483666" r:id="rId18"/>
+    <p:sldLayoutId id="2147483667" r:id="rId19"/>
+    <p:sldLayoutId id="2147483668" r:id="rId20"/>
+    <p:sldLayoutId id="2147483669" r:id="rId21"/>
+    <p:sldLayoutId id="2147483670" r:id="rId22"/>
+    <p:sldLayoutId id="2147483671" r:id="rId23"/>
+    <p:sldLayoutId id="2147483672" r:id="rId24"/>
+    <p:sldLayoutId id="2147483673" r:id="rId25"/>
+    <p:sldLayoutId id="2147483674" r:id="rId26"/>
+    <p:sldLayoutId id="2147483675" r:id="rId27"/>
+    <p:sldLayoutId id="2147483676" r:id="rId28"/>
+    <p:sldLayoutId id="2147483677" r:id="rId29"/>
   </p:sldLayoutIdLst>
-  <p:transition xmlns:p14="http://schemas.microsoft.com/office/powerpoint/2010/main" spd="med" advClick="1"/>
+  <p:transition spd="med"/>
   <p:txStyles>
     <p:titleStyle>
       <a:lvl1pPr marL="0" marR="0" indent="0" algn="l" defTabSz="914400" rtl="0" latinLnBrk="0">
@@ -6043,7 +6156,7 @@
         <a:buFontTx/>
         <a:buNone/>
         <a:tabLst/>
-        <a:defRPr b="1" baseline="0" cap="none" i="0" spc="0" strike="noStrike" sz="3200" u="none">
+        <a:defRPr sz="3200" b="1" i="0" u="none" strike="noStrike" cap="none" spc="0" baseline="0">
           <a:solidFill>
             <a:schemeClr val="accent3">
               <a:lumOff val="44000"/>
@@ -6071,7 +6184,7 @@
         <a:buFontTx/>
         <a:buNone/>
         <a:tabLst/>
-        <a:defRPr b="1" baseline="0" cap="none" i="0" spc="0" strike="noStrike" sz="3200" u="none">
+        <a:defRPr sz="3200" b="1" i="0" u="none" strike="noStrike" cap="none" spc="0" baseline="0">
           <a:solidFill>
             <a:schemeClr val="accent3">
               <a:lumOff val="44000"/>
@@ -6099,7 +6212,7 @@
         <a:buFontTx/>
         <a:buNone/>
         <a:tabLst/>
-        <a:defRPr b="1" baseline="0" cap="none" i="0" spc="0" strike="noStrike" sz="3200" u="none">
+        <a:defRPr sz="3200" b="1" i="0" u="none" strike="noStrike" cap="none" spc="0" baseline="0">
           <a:solidFill>
             <a:schemeClr val="accent3">
               <a:lumOff val="44000"/>
@@ -6127,7 +6240,7 @@
         <a:buFontTx/>
         <a:buNone/>
         <a:tabLst/>
-        <a:defRPr b="1" baseline="0" cap="none" i="0" spc="0" strike="noStrike" sz="3200" u="none">
+        <a:defRPr sz="3200" b="1" i="0" u="none" strike="noStrike" cap="none" spc="0" baseline="0">
           <a:solidFill>
             <a:schemeClr val="accent3">
               <a:lumOff val="44000"/>
@@ -6155,7 +6268,7 @@
         <a:buFontTx/>
         <a:buNone/>
         <a:tabLst/>
-        <a:defRPr b="1" baseline="0" cap="none" i="0" spc="0" strike="noStrike" sz="3200" u="none">
+        <a:defRPr sz="3200" b="1" i="0" u="none" strike="noStrike" cap="none" spc="0" baseline="0">
           <a:solidFill>
             <a:schemeClr val="accent3">
               <a:lumOff val="44000"/>
@@ -6183,7 +6296,7 @@
         <a:buFontTx/>
         <a:buNone/>
         <a:tabLst/>
-        <a:defRPr b="1" baseline="0" cap="none" i="0" spc="0" strike="noStrike" sz="3200" u="none">
+        <a:defRPr sz="3200" b="1" i="0" u="none" strike="noStrike" cap="none" spc="0" baseline="0">
           <a:solidFill>
             <a:schemeClr val="accent3">
               <a:lumOff val="44000"/>
@@ -6211,7 +6324,7 @@
         <a:buFontTx/>
         <a:buNone/>
         <a:tabLst/>
-        <a:defRPr b="1" baseline="0" cap="none" i="0" spc="0" strike="noStrike" sz="3200" u="none">
+        <a:defRPr sz="3200" b="1" i="0" u="none" strike="noStrike" cap="none" spc="0" baseline="0">
           <a:solidFill>
             <a:schemeClr val="accent3">
               <a:lumOff val="44000"/>
@@ -6239,7 +6352,7 @@
         <a:buFontTx/>
         <a:buNone/>
         <a:tabLst/>
-        <a:defRPr b="1" baseline="0" cap="none" i="0" spc="0" strike="noStrike" sz="3200" u="none">
+        <a:defRPr sz="3200" b="1" i="0" u="none" strike="noStrike" cap="none" spc="0" baseline="0">
           <a:solidFill>
             <a:schemeClr val="accent3">
               <a:lumOff val="44000"/>
@@ -6267,7 +6380,7 @@
         <a:buFontTx/>
         <a:buNone/>
         <a:tabLst/>
-        <a:defRPr b="1" baseline="0" cap="none" i="0" spc="0" strike="noStrike" sz="3200" u="none">
+        <a:defRPr sz="3200" b="1" i="0" u="none" strike="noStrike" cap="none" spc="0" baseline="0">
           <a:solidFill>
             <a:schemeClr val="accent3">
               <a:lumOff val="44000"/>
@@ -6297,7 +6410,7 @@
         <a:buFontTx/>
         <a:buChar char="•"/>
         <a:tabLst/>
-        <a:defRPr b="0" baseline="0" cap="none" i="0" spc="0" strike="noStrike" sz="3200" u="none">
+        <a:defRPr sz="3200" b="0" i="0" u="none" strike="noStrike" cap="none" spc="0" baseline="0">
           <a:solidFill>
             <a:srgbClr val="570076"/>
           </a:solidFill>
@@ -6323,7 +6436,7 @@
         <a:buFontTx/>
         <a:buChar char="–"/>
         <a:tabLst/>
-        <a:defRPr b="0" baseline="0" cap="none" i="0" spc="0" strike="noStrike" sz="3200" u="none">
+        <a:defRPr sz="3200" b="0" i="0" u="none" strike="noStrike" cap="none" spc="0" baseline="0">
           <a:solidFill>
             <a:srgbClr val="570076"/>
           </a:solidFill>
@@ -6349,7 +6462,7 @@
         <a:buFontTx/>
         <a:buChar char="•"/>
         <a:tabLst/>
-        <a:defRPr b="0" baseline="0" cap="none" i="0" spc="0" strike="noStrike" sz="3200" u="none">
+        <a:defRPr sz="3200" b="0" i="0" u="none" strike="noStrike" cap="none" spc="0" baseline="0">
           <a:solidFill>
             <a:srgbClr val="570076"/>
           </a:solidFill>
@@ -6375,7 +6488,7 @@
         <a:buFontTx/>
         <a:buChar char="–"/>
         <a:tabLst/>
-        <a:defRPr b="0" baseline="0" cap="none" i="0" spc="0" strike="noStrike" sz="3200" u="none">
+        <a:defRPr sz="3200" b="0" i="0" u="none" strike="noStrike" cap="none" spc="0" baseline="0">
           <a:solidFill>
             <a:srgbClr val="570076"/>
           </a:solidFill>
@@ -6401,7 +6514,7 @@
         <a:buFontTx/>
         <a:buChar char="»"/>
         <a:tabLst/>
-        <a:defRPr b="0" baseline="0" cap="none" i="0" spc="0" strike="noStrike" sz="3200" u="none">
+        <a:defRPr sz="3200" b="0" i="0" u="none" strike="noStrike" cap="none" spc="0" baseline="0">
           <a:solidFill>
             <a:srgbClr val="570076"/>
           </a:solidFill>
@@ -6427,7 +6540,7 @@
         <a:buFontTx/>
         <a:buChar char="»"/>
         <a:tabLst/>
-        <a:defRPr b="0" baseline="0" cap="none" i="0" spc="0" strike="noStrike" sz="3200" u="none">
+        <a:defRPr sz="3200" b="0" i="0" u="none" strike="noStrike" cap="none" spc="0" baseline="0">
           <a:solidFill>
             <a:srgbClr val="570076"/>
           </a:solidFill>
@@ -6453,7 +6566,7 @@
         <a:buFontTx/>
         <a:buChar char="»"/>
         <a:tabLst/>
-        <a:defRPr b="0" baseline="0" cap="none" i="0" spc="0" strike="noStrike" sz="3200" u="none">
+        <a:defRPr sz="3200" b="0" i="0" u="none" strike="noStrike" cap="none" spc="0" baseline="0">
           <a:solidFill>
             <a:srgbClr val="570076"/>
           </a:solidFill>
@@ -6479,7 +6592,7 @@
         <a:buFontTx/>
         <a:buChar char="»"/>
         <a:tabLst/>
-        <a:defRPr b="0" baseline="0" cap="none" i="0" spc="0" strike="noStrike" sz="3200" u="none">
+        <a:defRPr sz="3200" b="0" i="0" u="none" strike="noStrike" cap="none" spc="0" baseline="0">
           <a:solidFill>
             <a:srgbClr val="570076"/>
           </a:solidFill>
@@ -6505,7 +6618,7 @@
         <a:buFontTx/>
         <a:buChar char="»"/>
         <a:tabLst/>
-        <a:defRPr b="0" baseline="0" cap="none" i="0" spc="0" strike="noStrike" sz="3200" u="none">
+        <a:defRPr sz="3200" b="0" i="0" u="none" strike="noStrike" cap="none" spc="0" baseline="0">
           <a:solidFill>
             <a:srgbClr val="570076"/>
           </a:solidFill>
@@ -6533,7 +6646,7 @@
         <a:buFontTx/>
         <a:buNone/>
         <a:tabLst/>
-        <a:defRPr b="0" baseline="0" cap="none" i="0" spc="0" strike="noStrike" sz="1200" u="none">
+        <a:defRPr sz="1200" b="0" i="0" u="none" strike="noStrike" cap="none" spc="0" baseline="0">
           <a:solidFill>
             <a:schemeClr val="tx1"/>
           </a:solidFill>
@@ -6559,7 +6672,7 @@
         <a:buFontTx/>
         <a:buNone/>
         <a:tabLst/>
-        <a:defRPr b="0" baseline="0" cap="none" i="0" spc="0" strike="noStrike" sz="1200" u="none">
+        <a:defRPr sz="1200" b="0" i="0" u="none" strike="noStrike" cap="none" spc="0" baseline="0">
           <a:solidFill>
             <a:schemeClr val="tx1"/>
           </a:solidFill>
@@ -6585,7 +6698,7 @@
         <a:buFontTx/>
         <a:buNone/>
         <a:tabLst/>
-        <a:defRPr b="0" baseline="0" cap="none" i="0" spc="0" strike="noStrike" sz="1200" u="none">
+        <a:defRPr sz="1200" b="0" i="0" u="none" strike="noStrike" cap="none" spc="0" baseline="0">
           <a:solidFill>
             <a:schemeClr val="tx1"/>
           </a:solidFill>
@@ -6611,7 +6724,7 @@
         <a:buFontTx/>
         <a:buNone/>
         <a:tabLst/>
-        <a:defRPr b="0" baseline="0" cap="none" i="0" spc="0" strike="noStrike" sz="1200" u="none">
+        <a:defRPr sz="1200" b="0" i="0" u="none" strike="noStrike" cap="none" spc="0" baseline="0">
           <a:solidFill>
             <a:schemeClr val="tx1"/>
           </a:solidFill>
@@ -6637,7 +6750,7 @@
         <a:buFontTx/>
         <a:buNone/>
         <a:tabLst/>
-        <a:defRPr b="0" baseline="0" cap="none" i="0" spc="0" strike="noStrike" sz="1200" u="none">
+        <a:defRPr sz="1200" b="0" i="0" u="none" strike="noStrike" cap="none" spc="0" baseline="0">
           <a:solidFill>
             <a:schemeClr val="tx1"/>
           </a:solidFill>
@@ -6663,7 +6776,7 @@
         <a:buFontTx/>
         <a:buNone/>
         <a:tabLst/>
-        <a:defRPr b="0" baseline="0" cap="none" i="0" spc="0" strike="noStrike" sz="1200" u="none">
+        <a:defRPr sz="1200" b="0" i="0" u="none" strike="noStrike" cap="none" spc="0" baseline="0">
           <a:solidFill>
             <a:schemeClr val="tx1"/>
           </a:solidFill>
@@ -6689,7 +6802,7 @@
         <a:buFontTx/>
         <a:buNone/>
         <a:tabLst/>
-        <a:defRPr b="0" baseline="0" cap="none" i="0" spc="0" strike="noStrike" sz="1200" u="none">
+        <a:defRPr sz="1200" b="0" i="0" u="none" strike="noStrike" cap="none" spc="0" baseline="0">
           <a:solidFill>
             <a:schemeClr val="tx1"/>
           </a:solidFill>
@@ -6715,7 +6828,7 @@
         <a:buFontTx/>
         <a:buNone/>
         <a:tabLst/>
-        <a:defRPr b="0" baseline="0" cap="none" i="0" spc="0" strike="noStrike" sz="1200" u="none">
+        <a:defRPr sz="1200" b="0" i="0" u="none" strike="noStrike" cap="none" spc="0" baseline="0">
           <a:solidFill>
             <a:schemeClr val="tx1"/>
           </a:solidFill>
@@ -6741,7 +6854,7 @@
         <a:buFontTx/>
         <a:buNone/>
         <a:tabLst/>
-        <a:defRPr b="0" baseline="0" cap="none" i="0" spc="0" strike="noStrike" sz="1200" u="none">
+        <a:defRPr sz="1200" b="0" i="0" u="none" strike="noStrike" cap="none" spc="0" baseline="0">
           <a:solidFill>
             <a:schemeClr val="tx1"/>
           </a:solidFill>
@@ -6758,7 +6871,7 @@
 </file>
 
 <file path=ppt/slides/slide1.xml><?xml version="1.0" encoding="utf-8"?>
-<p:sld xmlns:a="http://schemas.openxmlformats.org/drawingml/2006/main" xmlns:r="http://schemas.openxmlformats.org/officeDocument/2006/relationships" xmlns:p="http://schemas.openxmlformats.org/presentationml/2006/main" xmlns:m="http://schemas.openxmlformats.org/officeDocument/2006/math" xmlns:a14="http://schemas.microsoft.com/office/drawing/2010/main" showMasterSp="1" showMasterPhAnim="1">
+<p:sld xmlns:a="http://schemas.openxmlformats.org/drawingml/2006/main" xmlns:r="http://schemas.openxmlformats.org/officeDocument/2006/relationships" xmlns:p="http://schemas.openxmlformats.org/presentationml/2006/main">
   <p:cSld>
     <p:spTree>
       <p:nvGrpSpPr>
@@ -6777,7 +6890,9 @@
       <p:sp>
         <p:nvSpPr>
           <p:cNvPr id="296" name="Titel 1"/>
-          <p:cNvSpPr txBox="1"/>
+          <p:cNvSpPr txBox="1">
+            <a:spLocks noGrp="1"/>
+          </p:cNvSpPr>
           <p:nvPr>
             <p:ph type="title"/>
           </p:nvPr>
@@ -6804,11 +6919,18 @@
               </a:defRPr>
             </a:pPr>
             <a:r>
-              <a:t>Collecties 1</a:t>
-            </a:r>
-            <a:br/>
-            <a:r>
-              <a:rPr sz="7200">
+              <a:rPr dirty="0" err="1"/>
+              <a:t>Collecties</a:t>
+            </a:r>
+            <a:r>
+              <a:rPr lang="en-US" dirty="0"/>
+              <a:t> 1</a:t>
+            </a:r>
+            <a:br>
+              <a:rPr dirty="0"/>
+            </a:br>
+            <a:r>
+              <a:rPr sz="7200" dirty="0">
                 <a:solidFill>
                   <a:srgbClr val="F2F2F2"/>
                 </a:solidFill>
@@ -6823,12 +6945,12 @@
   <p:clrMapOvr>
     <a:masterClrMapping/>
   </p:clrMapOvr>
-  <p:transition xmlns:p14="http://schemas.microsoft.com/office/powerpoint/2010/main" spd="med" advClick="1"/>
+  <p:transition spd="med"/>
 </p:sld>
 </file>
 
 <file path=ppt/slides/slide2.xml><?xml version="1.0" encoding="utf-8"?>
-<p:sld xmlns:a="http://schemas.openxmlformats.org/drawingml/2006/main" xmlns:r="http://schemas.openxmlformats.org/officeDocument/2006/relationships" xmlns:p="http://schemas.openxmlformats.org/presentationml/2006/main" xmlns:m="http://schemas.openxmlformats.org/officeDocument/2006/math" xmlns:a14="http://schemas.microsoft.com/office/drawing/2010/main" showMasterSp="1" showMasterPhAnim="1">
+<p:sld xmlns:a="http://schemas.openxmlformats.org/drawingml/2006/main" xmlns:r="http://schemas.openxmlformats.org/officeDocument/2006/relationships" xmlns:p="http://schemas.openxmlformats.org/presentationml/2006/main">
   <p:cSld>
     <p:spTree>
       <p:nvGrpSpPr>
@@ -6847,7 +6969,9 @@
       <p:sp>
         <p:nvSpPr>
           <p:cNvPr id="298" name="Slide Number Placeholder 4"/>
-          <p:cNvSpPr txBox="1"/>
+          <p:cNvSpPr txBox="1">
+            <a:spLocks noGrp="1"/>
+          </p:cNvSpPr>
           <p:nvPr>
             <p:ph type="sldNum" sz="quarter" idx="4294967295"/>
           </p:nvPr>
@@ -6862,7 +6986,7 @@
           </a:prstGeom>
           <a:extLst>
             <a:ext uri="{C572A759-6A51-4108-AA02-DFA0A04FC94B}">
-              <ma14:wrappingTextBoxFlag xmlns:ma14="http://schemas.microsoft.com/office/mac/drawingml/2011/main" val="1"/>
+              <ma14:wrappingTextBoxFlag xmlns:ma14="http://schemas.microsoft.com/office/mac/drawingml/2011/main" xmlns:a14="http://schemas.microsoft.com/office/drawing/2010/main" xmlns:m="http://schemas.openxmlformats.org/officeDocument/2006/math" xmlns="" val="1"/>
             </a:ext>
           </a:extLst>
         </p:spPr>
@@ -6879,15 +7003,19 @@
             </a:lvl1pPr>
           </a:lstStyle>
           <a:p>
-            <a:pPr/>
-            <a:fld id="{86CB4B4D-7CA3-9044-876B-883B54F8677D}" type="slidenum"/>
+            <a:fld id="{86CB4B4D-7CA3-9044-876B-883B54F8677D}" type="slidenum">
+              <a:t>2</a:t>
+            </a:fld>
+            <a:endParaRPr/>
           </a:p>
         </p:txBody>
       </p:sp>
       <p:sp>
         <p:nvSpPr>
           <p:cNvPr id="299" name="Title 1"/>
-          <p:cNvSpPr txBox="1"/>
+          <p:cNvSpPr txBox="1">
+            <a:spLocks noGrp="1"/>
+          </p:cNvSpPr>
           <p:nvPr>
             <p:ph type="title"/>
           </p:nvPr>
@@ -6898,10 +7026,12 @@
           </a:prstGeom>
         </p:spPr>
         <p:txBody>
-          <a:bodyPr/>
+          <a:bodyPr>
+            <a:normAutofit fontScale="90000"/>
+          </a:bodyPr>
           <a:lstStyle>
             <a:lvl1pPr defTabSz="667512">
-              <a:defRPr b="0" sz="3942">
+              <a:defRPr sz="3942" b="0">
                 <a:latin typeface="Helvetica Light"/>
                 <a:ea typeface="Helvetica Light"/>
                 <a:cs typeface="Helvetica Light"/>
@@ -6910,7 +7040,6 @@
             </a:lvl1pPr>
           </a:lstStyle>
           <a:p>
-            <a:pPr/>
             <a:r>
               <a:t>Array’s</a:t>
             </a:r>
@@ -6920,7 +7049,9 @@
       <p:sp>
         <p:nvSpPr>
           <p:cNvPr id="300" name="Content Placeholder 2"/>
-          <p:cNvSpPr txBox="1"/>
+          <p:cNvSpPr txBox="1">
+            <a:spLocks noGrp="1"/>
+          </p:cNvSpPr>
           <p:nvPr>
             <p:ph type="body" idx="1"/>
           </p:nvPr>
@@ -6994,7 +7125,7 @@
             </a:r>
           </a:p>
           <a:p>
-            <a:pPr lvl="1" marL="0" indent="438911" defTabSz="877823">
+            <a:pPr marL="0" lvl="1" indent="438911" defTabSz="877823">
               <a:spcBef>
                 <a:spcPts val="600"/>
               </a:spcBef>
@@ -7010,9 +7141,10 @@
                 <a:sym typeface="Consolas"/>
               </a:defRPr>
             </a:pPr>
-          </a:p>
-          <a:p>
-            <a:pPr lvl="1" marL="0" indent="438911" defTabSz="877823">
+            <a:endParaRPr/>
+          </a:p>
+          <a:p>
+            <a:pPr marL="0" lvl="1" indent="438911" defTabSz="877823">
               <a:spcBef>
                 <a:spcPts val="600"/>
               </a:spcBef>
@@ -7061,14 +7193,9 @@
               </a:rPr>
               <a:t>[10];</a:t>
             </a:r>
-            <a:endParaRPr>
-              <a:solidFill>
-                <a:srgbClr val="000000"/>
-              </a:solidFill>
-            </a:endParaRPr>
-          </a:p>
-          <a:p>
-            <a:pPr lvl="1" marL="0" indent="438911" defTabSz="877823">
+          </a:p>
+          <a:p>
+            <a:pPr marL="0" lvl="1" indent="438911" defTabSz="877823">
               <a:spcBef>
                 <a:spcPts val="600"/>
               </a:spcBef>
@@ -7089,7 +7216,7 @@
             </a:r>
           </a:p>
           <a:p>
-            <a:pPr lvl="1" marL="0" indent="438911" defTabSz="877823">
+            <a:pPr marL="0" lvl="1" indent="438911" defTabSz="877823">
               <a:spcBef>
                 <a:spcPts val="600"/>
               </a:spcBef>
@@ -7134,7 +7261,7 @@
             </a:r>
           </a:p>
           <a:p>
-            <a:pPr lvl="1" marL="0" indent="438911" defTabSz="877823">
+            <a:pPr marL="0" lvl="1" indent="438911" defTabSz="877823">
               <a:spcBef>
                 <a:spcPts val="600"/>
               </a:spcBef>
@@ -7161,13 +7288,13 @@
   <p:clrMapOvr>
     <a:masterClrMapping/>
   </p:clrMapOvr>
-  <mc:AlternateContent xmlns:mc="http://schemas.openxmlformats.org/markup-compatibility/2006">
-    <mc:Choice xmlns:p14="http://schemas.microsoft.com/office/powerpoint/2010/main" Requires="p14">
-      <p:transition spd="med" advClick="1" p14:dur="1000">
+  <mc:AlternateContent xmlns:mc="http://schemas.openxmlformats.org/markup-compatibility/2006" xmlns:p14="http://schemas.microsoft.com/office/powerpoint/2010/main">
+    <mc:Choice Requires="p14">
+      <p:transition spd="slow">
         <p:dissolve/>
       </p:transition>
     </mc:Choice>
-    <mc:Fallback>
+    <mc:Fallback xmlns:a14="http://schemas.microsoft.com/office/drawing/2010/main" xmlns:m="http://schemas.openxmlformats.org/officeDocument/2006/math" xmlns="">
       <p:transition spd="med">
         <p:fade/>
       </p:transition>
@@ -7176,10 +7303,10 @@
   <p:timing>
     <p:tnLst>
       <p:par>
-        <p:cTn id="1" nodeType="tmRoot" restart="never" dur="indefinite" fill="hold">
+        <p:cTn id="1" dur="indefinite" restart="never" fill="hold" nodeType="tmRoot">
           <p:childTnLst>
             <p:seq concurrent="1" prevAc="none" nextAc="seek">
-              <p:cTn id="2" nodeType="mainSeq" dur="indefinite" fill="hold">
+              <p:cTn id="2" dur="indefinite" fill="hold" nodeType="mainSeq">
                 <p:childTnLst>
                   <p:par>
                     <p:cTn id="3" fill="hold">
@@ -7194,11 +7321,11 @@
                             </p:stCondLst>
                             <p:childTnLst>
                               <p:par>
-                                <p:cTn id="5" presetClass="entr" nodeType="clickEffect" presetID="9" grpId="1" fill="hold">
+                                <p:cTn id="5" presetID="9" presetClass="entr" fill="hold" grpId="1" nodeType="clickEffect">
                                   <p:stCondLst>
                                     <p:cond delay="0"/>
                                   </p:stCondLst>
-                                  <p:iterate type="el" backwards="0">
+                                  <p:iterate>
                                     <p:tmAbs val="0"/>
                                   </p:iterate>
                                   <p:childTnLst>
@@ -7220,7 +7347,7 @@
                                         <p:strVal val="visible"/>
                                       </p:to>
                                     </p:set>
-                                    <p:animEffect filter="dissolve" transition="in">
+                                    <p:animEffect transition="in" filter="dissolve">
                                       <p:cBhvr>
                                         <p:cTn id="7" dur="500"/>
                                         <p:tgtEl>
@@ -7245,11 +7372,11 @@
                             </p:stCondLst>
                             <p:childTnLst>
                               <p:par>
-                                <p:cTn id="9" presetClass="entr" nodeType="afterEffect" presetID="9" grpId="1" fill="hold">
+                                <p:cTn id="9" presetID="9" presetClass="entr" fill="hold" grpId="1" nodeType="afterEffect">
                                   <p:stCondLst>
                                     <p:cond delay="0"/>
                                   </p:stCondLst>
-                                  <p:iterate type="el" backwards="0">
+                                  <p:iterate>
                                     <p:tmAbs val="0"/>
                                   </p:iterate>
                                   <p:childTnLst>
@@ -7271,7 +7398,7 @@
                                         <p:strVal val="visible"/>
                                       </p:to>
                                     </p:set>
-                                    <p:animEffect filter="dissolve" transition="in">
+                                    <p:animEffect transition="in" filter="dissolve">
                                       <p:cBhvr>
                                         <p:cTn id="11" dur="500"/>
                                         <p:tgtEl>
@@ -7296,11 +7423,11 @@
                             </p:stCondLst>
                             <p:childTnLst>
                               <p:par>
-                                <p:cTn id="13" presetClass="entr" nodeType="afterEffect" presetID="9" grpId="1" fill="hold">
+                                <p:cTn id="13" presetID="9" presetClass="entr" fill="hold" grpId="1" nodeType="afterEffect">
                                   <p:stCondLst>
                                     <p:cond delay="0"/>
                                   </p:stCondLst>
-                                  <p:iterate type="el" backwards="0">
+                                  <p:iterate>
                                     <p:tmAbs val="0"/>
                                   </p:iterate>
                                   <p:childTnLst>
@@ -7322,7 +7449,7 @@
                                         <p:strVal val="visible"/>
                                       </p:to>
                                     </p:set>
-                                    <p:animEffect filter="dissolve" transition="in">
+                                    <p:animEffect transition="in" filter="dissolve">
                                       <p:cBhvr>
                                         <p:cTn id="15" dur="500"/>
                                         <p:tgtEl>
@@ -7347,11 +7474,11 @@
                             </p:stCondLst>
                             <p:childTnLst>
                               <p:par>
-                                <p:cTn id="17" presetClass="entr" nodeType="afterEffect" presetID="9" grpId="1" fill="hold">
+                                <p:cTn id="17" presetID="9" presetClass="entr" fill="hold" grpId="1" nodeType="afterEffect">
                                   <p:stCondLst>
                                     <p:cond delay="0"/>
                                   </p:stCondLst>
-                                  <p:iterate type="el" backwards="0">
+                                  <p:iterate>
                                     <p:tmAbs val="0"/>
                                   </p:iterate>
                                   <p:childTnLst>
@@ -7373,7 +7500,7 @@
                                         <p:strVal val="visible"/>
                                       </p:to>
                                     </p:set>
-                                    <p:animEffect filter="dissolve" transition="in">
+                                    <p:animEffect transition="in" filter="dissolve">
                                       <p:cBhvr>
                                         <p:cTn id="19" dur="500"/>
                                         <p:tgtEl>
@@ -7397,14 +7524,14 @@
                 </p:childTnLst>
               </p:cTn>
               <p:prevCondLst>
-                <p:cond evt="onPrev">
+                <p:cond evt="onPrev" delay="0">
                   <p:tgtEl>
                     <p:sldTgt/>
                   </p:tgtEl>
                 </p:cond>
               </p:prevCondLst>
               <p:nextCondLst>
-                <p:cond evt="onNext">
+                <p:cond evt="onNext" delay="0">
                   <p:tgtEl>
                     <p:sldTgt/>
                   </p:tgtEl>
@@ -7416,14 +7543,14 @@
       </p:par>
     </p:tnLst>
     <p:bldLst>
-      <p:bldP build="p" bldLvl="5" animBg="1" rev="0" advAuto="0" spid="300" grpId="1"/>
+      <p:bldP spid="300" grpId="1" build="p" bldLvl="5" animBg="1" advAuto="0"/>
     </p:bldLst>
   </p:timing>
 </p:sld>
 </file>
 
 <file path=ppt/slides/slide3.xml><?xml version="1.0" encoding="utf-8"?>
-<p:sld xmlns:a="http://schemas.openxmlformats.org/drawingml/2006/main" xmlns:r="http://schemas.openxmlformats.org/officeDocument/2006/relationships" xmlns:p="http://schemas.openxmlformats.org/presentationml/2006/main" xmlns:m="http://schemas.openxmlformats.org/officeDocument/2006/math" xmlns:a14="http://schemas.microsoft.com/office/drawing/2010/main" showMasterSp="1" showMasterPhAnim="1">
+<p:sld xmlns:a="http://schemas.openxmlformats.org/drawingml/2006/main" xmlns:r="http://schemas.openxmlformats.org/officeDocument/2006/relationships" xmlns:p="http://schemas.openxmlformats.org/presentationml/2006/main">
   <p:cSld>
     <p:spTree>
       <p:nvGrpSpPr>
@@ -7442,7 +7569,9 @@
       <p:sp>
         <p:nvSpPr>
           <p:cNvPr id="304" name="Slide Number Placeholder 4"/>
-          <p:cNvSpPr txBox="1"/>
+          <p:cNvSpPr txBox="1">
+            <a:spLocks noGrp="1"/>
+          </p:cNvSpPr>
           <p:nvPr>
             <p:ph type="sldNum" sz="quarter" idx="4294967295"/>
           </p:nvPr>
@@ -7457,7 +7586,7 @@
           </a:prstGeom>
           <a:extLst>
             <a:ext uri="{C572A759-6A51-4108-AA02-DFA0A04FC94B}">
-              <ma14:wrappingTextBoxFlag xmlns:ma14="http://schemas.microsoft.com/office/mac/drawingml/2011/main" val="1"/>
+              <ma14:wrappingTextBoxFlag xmlns:ma14="http://schemas.microsoft.com/office/mac/drawingml/2011/main" xmlns:a14="http://schemas.microsoft.com/office/drawing/2010/main" xmlns:m="http://schemas.openxmlformats.org/officeDocument/2006/math" xmlns="" val="1"/>
             </a:ext>
           </a:extLst>
         </p:spPr>
@@ -7474,15 +7603,19 @@
             </a:lvl1pPr>
           </a:lstStyle>
           <a:p>
-            <a:pPr/>
-            <a:fld id="{86CB4B4D-7CA3-9044-876B-883B54F8677D}" type="slidenum"/>
+            <a:fld id="{86CB4B4D-7CA3-9044-876B-883B54F8677D}" type="slidenum">
+              <a:t>3</a:t>
+            </a:fld>
+            <a:endParaRPr/>
           </a:p>
         </p:txBody>
       </p:sp>
       <p:sp>
         <p:nvSpPr>
           <p:cNvPr id="305" name="Title 1"/>
-          <p:cNvSpPr txBox="1"/>
+          <p:cNvSpPr txBox="1">
+            <a:spLocks noGrp="1"/>
+          </p:cNvSpPr>
           <p:nvPr>
             <p:ph type="title"/>
           </p:nvPr>
@@ -7493,10 +7626,12 @@
           </a:prstGeom>
         </p:spPr>
         <p:txBody>
-          <a:bodyPr/>
+          <a:bodyPr>
+            <a:normAutofit fontScale="90000"/>
+          </a:bodyPr>
           <a:lstStyle>
             <a:lvl1pPr defTabSz="667512">
-              <a:defRPr b="0" sz="3942">
+              <a:defRPr sz="3942" b="0">
                 <a:latin typeface="Helvetica Light"/>
                 <a:ea typeface="Helvetica Light"/>
                 <a:cs typeface="Helvetica Light"/>
@@ -7505,7 +7640,6 @@
             </a:lvl1pPr>
           </a:lstStyle>
           <a:p>
-            <a:pPr/>
             <a:r>
               <a:t>Array’s – Voorbeeld</a:t>
             </a:r>
@@ -7515,7 +7649,9 @@
       <p:sp>
         <p:nvSpPr>
           <p:cNvPr id="306" name="Content Placeholder 2"/>
-          <p:cNvSpPr txBox="1"/>
+          <p:cNvSpPr txBox="1">
+            <a:spLocks noGrp="1"/>
+          </p:cNvSpPr>
           <p:nvPr>
             <p:ph type="body" idx="1"/>
           </p:nvPr>
@@ -7582,11 +7718,6 @@
               </a:rPr>
               <a:t>[10];</a:t>
             </a:r>
-            <a:endParaRPr>
-              <a:solidFill>
-                <a:srgbClr val="000000"/>
-              </a:solidFill>
-            </a:endParaRPr>
           </a:p>
           <a:p>
             <a:pPr marL="0" indent="0" defTabSz="886968">
@@ -7627,11 +7758,6 @@
               </a:rPr>
               <a:t> i = 0; i &lt; getallen.Length; i++) {</a:t>
             </a:r>
-            <a:endParaRPr>
-              <a:solidFill>
-                <a:srgbClr val="000000"/>
-              </a:solidFill>
-            </a:endParaRPr>
           </a:p>
           <a:p>
             <a:pPr marL="0" indent="0" defTabSz="886968">
@@ -7689,6 +7815,7 @@
                 <a:sym typeface="Consolas"/>
               </a:defRPr>
             </a:pPr>
+            <a:endParaRPr/>
           </a:p>
           <a:p>
             <a:pPr marL="0" indent="0" algn="ctr" defTabSz="886968">
@@ -7715,12 +7842,12 @@
   <p:clrMapOvr>
     <a:masterClrMapping/>
   </p:clrMapOvr>
-  <p:transition xmlns:p14="http://schemas.microsoft.com/office/powerpoint/2010/main" spd="med" advClick="1"/>
+  <p:transition spd="med"/>
 </p:sld>
 </file>
 
 <file path=ppt/slides/slide4.xml><?xml version="1.0" encoding="utf-8"?>
-<p:sld xmlns:a="http://schemas.openxmlformats.org/drawingml/2006/main" xmlns:r="http://schemas.openxmlformats.org/officeDocument/2006/relationships" xmlns:p="http://schemas.openxmlformats.org/presentationml/2006/main" xmlns:m="http://schemas.openxmlformats.org/officeDocument/2006/math" xmlns:a14="http://schemas.microsoft.com/office/drawing/2010/main" showMasterSp="1" showMasterPhAnim="1">
+<p:sld xmlns:a="http://schemas.openxmlformats.org/drawingml/2006/main" xmlns:r="http://schemas.openxmlformats.org/officeDocument/2006/relationships" xmlns:p="http://schemas.openxmlformats.org/presentationml/2006/main">
   <p:cSld>
     <p:spTree>
       <p:nvGrpSpPr>
@@ -7739,7 +7866,9 @@
       <p:sp>
         <p:nvSpPr>
           <p:cNvPr id="310" name="Slide Number Placeholder 4"/>
-          <p:cNvSpPr txBox="1"/>
+          <p:cNvSpPr txBox="1">
+            <a:spLocks noGrp="1"/>
+          </p:cNvSpPr>
           <p:nvPr>
             <p:ph type="sldNum" sz="quarter" idx="4294967295"/>
           </p:nvPr>
@@ -7754,7 +7883,7 @@
           </a:prstGeom>
           <a:extLst>
             <a:ext uri="{C572A759-6A51-4108-AA02-DFA0A04FC94B}">
-              <ma14:wrappingTextBoxFlag xmlns:ma14="http://schemas.microsoft.com/office/mac/drawingml/2011/main" val="1"/>
+              <ma14:wrappingTextBoxFlag xmlns:ma14="http://schemas.microsoft.com/office/mac/drawingml/2011/main" xmlns:a14="http://schemas.microsoft.com/office/drawing/2010/main" xmlns:m="http://schemas.openxmlformats.org/officeDocument/2006/math" xmlns="" val="1"/>
             </a:ext>
           </a:extLst>
         </p:spPr>
@@ -7771,8 +7900,10 @@
             </a:lvl1pPr>
           </a:lstStyle>
           <a:p>
-            <a:pPr/>
-            <a:fld id="{86CB4B4D-7CA3-9044-876B-883B54F8677D}" type="slidenum"/>
+            <a:fld id="{86CB4B4D-7CA3-9044-876B-883B54F8677D}" type="slidenum">
+              <a:t>4</a:t>
+            </a:fld>
+            <a:endParaRPr/>
           </a:p>
         </p:txBody>
       </p:sp>
@@ -7784,8 +7915,8 @@
         </p:nvSpPr>
         <p:spPr>
           <a:xfrm>
-            <a:off x="304799" y="1562100"/>
-            <a:ext cx="9066720" cy="7044944"/>
+            <a:off x="0" y="0"/>
+            <a:ext cx="8963247" cy="6113721"/>
           </a:xfrm>
           <a:prstGeom prst="rect">
             <a:avLst/>
@@ -7795,12 +7926,12 @@
           </a:ln>
           <a:extLst>
             <a:ext uri="{C572A759-6A51-4108-AA02-DFA0A04FC94B}">
-              <ma14:wrappingTextBoxFlag xmlns:ma14="http://schemas.microsoft.com/office/mac/drawingml/2011/main" val="1"/>
+              <ma14:wrappingTextBoxFlag xmlns:ma14="http://schemas.microsoft.com/office/mac/drawingml/2011/main" xmlns:a14="http://schemas.microsoft.com/office/drawing/2010/main" xmlns:m="http://schemas.openxmlformats.org/officeDocument/2006/math" xmlns="" val="1"/>
             </a:ext>
           </a:extLst>
         </p:spPr>
         <p:txBody>
-          <a:bodyPr wrap="none" lIns="45719" rIns="45719">
+          <a:bodyPr wrap="square" lIns="45719" rIns="45719">
             <a:spAutoFit/>
           </a:bodyPr>
           <a:lstStyle/>
@@ -7820,21 +7951,39 @@
               </a:defRPr>
             </a:pPr>
             <a:r>
+              <a:rPr dirty="0"/>
               <a:t>int</a:t>
             </a:r>
             <a:r>
-              <a:rPr>
+              <a:rPr dirty="0">
                 <a:solidFill>
                   <a:srgbClr val="000000"/>
                 </a:solidFill>
               </a:rPr>
-              <a:t>[] getallen = </a:t>
-            </a:r>
-            <a:r>
+              <a:t>[] </a:t>
+            </a:r>
+            <a:r>
+              <a:rPr dirty="0" err="1">
+                <a:solidFill>
+                  <a:srgbClr val="000000"/>
+                </a:solidFill>
+              </a:rPr>
+              <a:t>getallen</a:t>
+            </a:r>
+            <a:r>
+              <a:rPr dirty="0">
+                <a:solidFill>
+                  <a:srgbClr val="000000"/>
+                </a:solidFill>
+              </a:rPr>
+              <a:t> = </a:t>
+            </a:r>
+            <a:r>
+              <a:rPr dirty="0"/>
               <a:t>new</a:t>
             </a:r>
             <a:r>
-              <a:rPr>
+              <a:rPr dirty="0">
                 <a:solidFill>
                   <a:srgbClr val="000000"/>
                 </a:solidFill>
@@ -7842,21 +7991,17 @@
               <a:t> </a:t>
             </a:r>
             <a:r>
+              <a:rPr dirty="0"/>
               <a:t>int</a:t>
             </a:r>
             <a:r>
-              <a:rPr>
+              <a:rPr dirty="0">
                 <a:solidFill>
                   <a:srgbClr val="000000"/>
                 </a:solidFill>
               </a:rPr>
               <a:t>[10];</a:t>
             </a:r>
-            <a:endParaRPr>
-              <a:solidFill>
-                <a:srgbClr val="000000"/>
-              </a:solidFill>
-            </a:endParaRPr>
           </a:p>
           <a:p>
             <a:pPr>
@@ -7874,10 +8019,11 @@
               </a:defRPr>
             </a:pPr>
             <a:r>
+              <a:rPr dirty="0"/>
               <a:t>for</a:t>
             </a:r>
             <a:r>
-              <a:rPr>
+              <a:rPr dirty="0">
                 <a:solidFill>
                   <a:srgbClr val="000000"/>
                 </a:solidFill>
@@ -7885,15 +8031,80 @@
               <a:t> (</a:t>
             </a:r>
             <a:r>
+              <a:rPr dirty="0"/>
               <a:t>int</a:t>
             </a:r>
             <a:r>
-              <a:rPr>
+              <a:rPr dirty="0">
                 <a:solidFill>
                   <a:srgbClr val="000000"/>
                 </a:solidFill>
               </a:rPr>
-              <a:t> i = 0; i &lt; getallen.Length; i++) {</a:t>
+              <a:t> </a:t>
+            </a:r>
+            <a:r>
+              <a:rPr dirty="0" err="1">
+                <a:solidFill>
+                  <a:srgbClr val="000000"/>
+                </a:solidFill>
+              </a:rPr>
+              <a:t>i</a:t>
+            </a:r>
+            <a:r>
+              <a:rPr dirty="0">
+                <a:solidFill>
+                  <a:srgbClr val="000000"/>
+                </a:solidFill>
+              </a:rPr>
+              <a:t> = 0; </a:t>
+            </a:r>
+            <a:r>
+              <a:rPr dirty="0" err="1">
+                <a:solidFill>
+                  <a:srgbClr val="000000"/>
+                </a:solidFill>
+              </a:rPr>
+              <a:t>i</a:t>
+            </a:r>
+            <a:r>
+              <a:rPr dirty="0">
+                <a:solidFill>
+                  <a:srgbClr val="000000"/>
+                </a:solidFill>
+              </a:rPr>
+              <a:t> &lt; </a:t>
+            </a:r>
+            <a:r>
+              <a:rPr dirty="0" err="1">
+                <a:solidFill>
+                  <a:srgbClr val="000000"/>
+                </a:solidFill>
+              </a:rPr>
+              <a:t>getallen.Length</a:t>
+            </a:r>
+            <a:r>
+              <a:rPr dirty="0">
+                <a:solidFill>
+                  <a:srgbClr val="000000"/>
+                </a:solidFill>
+              </a:rPr>
+              <a:t>; </a:t>
+            </a:r>
+            <a:r>
+              <a:rPr dirty="0" err="1">
+                <a:solidFill>
+                  <a:srgbClr val="000000"/>
+                </a:solidFill>
+              </a:rPr>
+              <a:t>i</a:t>
+            </a:r>
+            <a:r>
+              <a:rPr dirty="0">
+                <a:solidFill>
+                  <a:srgbClr val="000000"/>
+                </a:solidFill>
+              </a:rPr>
+              <a:t>++) {</a:t>
             </a:r>
           </a:p>
           <a:p>
@@ -7909,7 +8120,32 @@
               </a:defRPr>
             </a:pPr>
             <a:r>
-              <a:t>    getallen[i] = (i + 1) * 5;</a:t>
+              <a:rPr dirty="0"/>
+              <a:t>    </a:t>
+            </a:r>
+            <a:r>
+              <a:rPr dirty="0" err="1"/>
+              <a:t>getallen</a:t>
+            </a:r>
+            <a:r>
+              <a:rPr dirty="0"/>
+              <a:t>[</a:t>
+            </a:r>
+            <a:r>
+              <a:rPr dirty="0" err="1"/>
+              <a:t>i</a:t>
+            </a:r>
+            <a:r>
+              <a:rPr dirty="0"/>
+              <a:t>] = (</a:t>
+            </a:r>
+            <a:r>
+              <a:rPr dirty="0" err="1"/>
+              <a:t>i</a:t>
+            </a:r>
+            <a:r>
+              <a:rPr dirty="0"/>
+              <a:t> + 1) * 5;</a:t>
             </a:r>
           </a:p>
           <a:p>
@@ -7925,6 +8161,7 @@
               </a:defRPr>
             </a:pPr>
             <a:r>
+              <a:rPr dirty="0"/>
               <a:t>}</a:t>
             </a:r>
           </a:p>
@@ -7940,6 +8177,7 @@
                 <a:sym typeface="Consolas"/>
               </a:defRPr>
             </a:pPr>
+            <a:endParaRPr dirty="0"/>
           </a:p>
           <a:p>
             <a:pPr>
@@ -7957,10 +8195,11 @@
               </a:defRPr>
             </a:pPr>
             <a:r>
+              <a:rPr dirty="0"/>
               <a:t>StringBuilder</a:t>
             </a:r>
             <a:r>
-              <a:rPr>
+              <a:rPr dirty="0">
                 <a:solidFill>
                   <a:srgbClr val="000000"/>
                 </a:solidFill>
@@ -7968,7 +8207,7 @@
               <a:t> sb = </a:t>
             </a:r>
             <a:r>
-              <a:rPr>
+              <a:rPr dirty="0">
                 <a:solidFill>
                   <a:srgbClr val="0000FF"/>
                 </a:solidFill>
@@ -7976,7 +8215,7 @@
               <a:t>new</a:t>
             </a:r>
             <a:r>
-              <a:rPr>
+              <a:rPr dirty="0">
                 <a:solidFill>
                   <a:srgbClr val="000000"/>
                 </a:solidFill>
@@ -7984,21 +8223,17 @@
               <a:t> </a:t>
             </a:r>
             <a:r>
+              <a:rPr dirty="0"/>
               <a:t>StringBuilder</a:t>
             </a:r>
             <a:r>
-              <a:rPr>
+              <a:rPr dirty="0">
                 <a:solidFill>
                   <a:srgbClr val="000000"/>
                 </a:solidFill>
               </a:rPr>
               <a:t>();</a:t>
             </a:r>
-            <a:endParaRPr>
-              <a:solidFill>
-                <a:srgbClr val="000000"/>
-              </a:solidFill>
-            </a:endParaRPr>
           </a:p>
           <a:p>
             <a:pPr>
@@ -8016,10 +8251,11 @@
               </a:defRPr>
             </a:pPr>
             <a:r>
+              <a:rPr dirty="0"/>
               <a:t>for</a:t>
             </a:r>
             <a:r>
-              <a:rPr>
+              <a:rPr dirty="0">
                 <a:solidFill>
                   <a:srgbClr val="000000"/>
                 </a:solidFill>
@@ -8027,21 +8263,81 @@
               <a:t> (</a:t>
             </a:r>
             <a:r>
+              <a:rPr dirty="0"/>
               <a:t>int</a:t>
             </a:r>
             <a:r>
-              <a:rPr>
+              <a:rPr dirty="0">
                 <a:solidFill>
                   <a:srgbClr val="000000"/>
                 </a:solidFill>
               </a:rPr>
-              <a:t> i = 0; i &lt; getallen.Length; i++)</a:t>
-            </a:r>
-            <a:endParaRPr>
-              <a:solidFill>
-                <a:srgbClr val="000000"/>
-              </a:solidFill>
-            </a:endParaRPr>
+              <a:t> </a:t>
+            </a:r>
+            <a:r>
+              <a:rPr dirty="0" err="1">
+                <a:solidFill>
+                  <a:srgbClr val="000000"/>
+                </a:solidFill>
+              </a:rPr>
+              <a:t>i</a:t>
+            </a:r>
+            <a:r>
+              <a:rPr dirty="0">
+                <a:solidFill>
+                  <a:srgbClr val="000000"/>
+                </a:solidFill>
+              </a:rPr>
+              <a:t> = 0; </a:t>
+            </a:r>
+            <a:r>
+              <a:rPr dirty="0" err="1">
+                <a:solidFill>
+                  <a:srgbClr val="000000"/>
+                </a:solidFill>
+              </a:rPr>
+              <a:t>i</a:t>
+            </a:r>
+            <a:r>
+              <a:rPr dirty="0">
+                <a:solidFill>
+                  <a:srgbClr val="000000"/>
+                </a:solidFill>
+              </a:rPr>
+              <a:t> &lt; </a:t>
+            </a:r>
+            <a:r>
+              <a:rPr dirty="0" err="1">
+                <a:solidFill>
+                  <a:srgbClr val="000000"/>
+                </a:solidFill>
+              </a:rPr>
+              <a:t>getallen.Length</a:t>
+            </a:r>
+            <a:r>
+              <a:rPr dirty="0">
+                <a:solidFill>
+                  <a:srgbClr val="000000"/>
+                </a:solidFill>
+              </a:rPr>
+              <a:t>; </a:t>
+            </a:r>
+            <a:r>
+              <a:rPr dirty="0" err="1">
+                <a:solidFill>
+                  <a:srgbClr val="000000"/>
+                </a:solidFill>
+              </a:rPr>
+              <a:t>i</a:t>
+            </a:r>
+            <a:r>
+              <a:rPr dirty="0">
+                <a:solidFill>
+                  <a:srgbClr val="000000"/>
+                </a:solidFill>
+              </a:rPr>
+              <a:t>++)</a:t>
+            </a:r>
           </a:p>
           <a:p>
             <a:pPr>
@@ -8056,6 +8352,7 @@
               </a:defRPr>
             </a:pPr>
             <a:r>
+              <a:rPr dirty="0"/>
               <a:t>{</a:t>
             </a:r>
           </a:p>
@@ -8072,10 +8369,27 @@
               </a:defRPr>
             </a:pPr>
             <a:r>
-              <a:t>    sb.Append((i + 1) + </a:t>
-            </a:r>
-            <a:r>
-              <a:rPr>
+              <a:rPr dirty="0"/>
+              <a:t>    </a:t>
+            </a:r>
+            <a:r>
+              <a:rPr dirty="0" err="1"/>
+              <a:t>sb.Append</a:t>
+            </a:r>
+            <a:r>
+              <a:rPr dirty="0"/>
+              <a:t>((</a:t>
+            </a:r>
+            <a:r>
+              <a:rPr dirty="0" err="1"/>
+              <a:t>i</a:t>
+            </a:r>
+            <a:r>
+              <a:rPr dirty="0"/>
+              <a:t> + 1) + </a:t>
+            </a:r>
+            <a:r>
+              <a:rPr dirty="0">
                 <a:solidFill>
                   <a:srgbClr val="A31515"/>
                 </a:solidFill>
@@ -8083,6 +8397,7 @@
               <a:t>" x 5 = "</a:t>
             </a:r>
             <a:r>
+              <a:rPr dirty="0"/>
               <a:t> +</a:t>
             </a:r>
           </a:p>
@@ -8099,18 +8414,48 @@
               </a:defRPr>
             </a:pPr>
             <a:r>
-              <a:t>        getallen[i] +</a:t>
-            </a:r>
-            <a:r>
-              <a:rPr>
+              <a:rPr dirty="0"/>
+              <a:t>        </a:t>
+            </a:r>
+            <a:r>
+              <a:rPr dirty="0" err="1"/>
+              <a:t>getallen</a:t>
+            </a:r>
+            <a:r>
+              <a:rPr dirty="0"/>
+              <a:t>[</a:t>
+            </a:r>
+            <a:r>
+              <a:rPr dirty="0" err="1"/>
+              <a:t>i</a:t>
+            </a:r>
+            <a:r>
+              <a:rPr dirty="0"/>
+              <a:t>] +</a:t>
+            </a:r>
+            <a:r>
+              <a:rPr dirty="0">
                 <a:solidFill>
                   <a:srgbClr val="2B91AF"/>
                 </a:solidFill>
               </a:rPr>
-              <a:t> Environment</a:t>
-            </a:r>
-            <a:r>
-              <a:t>.NewLine);</a:t>
+              <a:t> </a:t>
+            </a:r>
+            <a:r>
+              <a:rPr dirty="0" err="1">
+                <a:solidFill>
+                  <a:srgbClr val="2B91AF"/>
+                </a:solidFill>
+              </a:rPr>
+              <a:t>Environment</a:t>
+            </a:r>
+            <a:r>
+              <a:rPr dirty="0" err="1"/>
+              <a:t>.NewLine</a:t>
+            </a:r>
+            <a:r>
+              <a:rPr dirty="0"/>
+              <a:t>);</a:t>
             </a:r>
           </a:p>
           <a:p>
@@ -8126,6 +8471,7 @@
               </a:defRPr>
             </a:pPr>
             <a:r>
+              <a:rPr dirty="0"/>
               <a:t>}</a:t>
             </a:r>
           </a:p>
@@ -8145,15 +8491,40 @@
               </a:defRPr>
             </a:pPr>
             <a:r>
+              <a:rPr dirty="0" err="1"/>
               <a:t>MessageBox</a:t>
             </a:r>
             <a:r>
-              <a:rPr>
+              <a:rPr dirty="0" err="1">
                 <a:solidFill>
                   <a:srgbClr val="000000"/>
                 </a:solidFill>
               </a:rPr>
-              <a:t>.Show(sb.ToString());</a:t>
+              <a:t>.Show</a:t>
+            </a:r>
+            <a:r>
+              <a:rPr dirty="0">
+                <a:solidFill>
+                  <a:srgbClr val="000000"/>
+                </a:solidFill>
+              </a:rPr>
+              <a:t>(</a:t>
+            </a:r>
+            <a:r>
+              <a:rPr dirty="0" err="1">
+                <a:solidFill>
+                  <a:srgbClr val="000000"/>
+                </a:solidFill>
+              </a:rPr>
+              <a:t>sb.ToString</a:t>
+            </a:r>
+            <a:r>
+              <a:rPr dirty="0">
+                <a:solidFill>
+                  <a:srgbClr val="000000"/>
+                </a:solidFill>
+              </a:rPr>
+              <a:t>());</a:t>
             </a:r>
           </a:p>
         </p:txBody>
@@ -8163,13 +8534,13 @@
   <p:clrMapOvr>
     <a:masterClrMapping/>
   </p:clrMapOvr>
-  <mc:AlternateContent xmlns:mc="http://schemas.openxmlformats.org/markup-compatibility/2006">
-    <mc:Choice xmlns:p14="http://schemas.microsoft.com/office/powerpoint/2010/main" Requires="p14">
-      <p:transition spd="med" advClick="1" p14:dur="1000">
+  <mc:AlternateContent xmlns:mc="http://schemas.openxmlformats.org/markup-compatibility/2006" xmlns:p14="http://schemas.microsoft.com/office/powerpoint/2010/main">
+    <mc:Choice Requires="p14">
+      <p:transition spd="slow">
         <p:dissolve/>
       </p:transition>
     </mc:Choice>
-    <mc:Fallback>
+    <mc:Fallback xmlns:a14="http://schemas.microsoft.com/office/drawing/2010/main" xmlns:m="http://schemas.openxmlformats.org/officeDocument/2006/math" xmlns="">
       <p:transition spd="med">
         <p:fade/>
       </p:transition>
@@ -8178,16 +8549,16 @@
   <p:timing>
     <p:tnLst>
       <p:par>
-        <p:cTn id="1" nodeType="tmRoot" restart="never" dur="indefinite" fill="hold">
+        <p:cTn id="1" dur="indefinite" restart="never" fill="hold" nodeType="tmRoot">
           <p:childTnLst>
             <p:seq concurrent="1" prevAc="none" nextAc="seek">
-              <p:cTn id="2" nodeType="mainSeq" dur="indefinite" fill="hold">
+              <p:cTn id="2" dur="indefinite" fill="hold" nodeType="mainSeq">
                 <p:childTnLst>
                   <p:par>
                     <p:cTn id="3" fill="hold">
                       <p:stCondLst>
                         <p:cond delay="indefinite"/>
-                        <p:cond evt="onBegin">
+                        <p:cond evt="onBegin" delay="0">
                           <p:tn val="2"/>
                         </p:cond>
                       </p:stCondLst>
@@ -8199,12 +8570,12 @@
                             </p:stCondLst>
                             <p:childTnLst>
                               <p:par>
-                                <p:cTn id="5" presetClass="path" nodeType="afterEffect" presetSubtype="0" presetID="-1" grpId="1" accel="50000" decel="50000" fill="hold">
+                                <p:cTn id="5" presetID="-1" presetClass="path" presetSubtype="0" accel="50000" decel="50000" fill="hold" nodeType="afterEffect">
                                   <p:stCondLst>
                                     <p:cond delay="0"/>
                                   </p:stCondLst>
                                   <p:childTnLst>
-                                    <p:animMotion path="M 0.000000 0.000000 L 0.000000 -0.180104" origin="layout" pathEditMode="relative">
+                                    <p:animMotion origin="layout" path="M 0.000000 0.000000 L 0.000000 -0.180104" pathEditMode="relative">
                                       <p:cBhvr>
                                         <p:cTn id="6" dur="2000" fill="hold"/>
                                         <p:tgtEl>
@@ -8228,14 +8599,14 @@
                 </p:childTnLst>
               </p:cTn>
               <p:prevCondLst>
-                <p:cond evt="onPrev">
+                <p:cond evt="onPrev" delay="0">
                   <p:tgtEl>
                     <p:sldTgt/>
                   </p:tgtEl>
                 </p:cond>
               </p:prevCondLst>
               <p:nextCondLst>
-                <p:cond evt="onNext">
+                <p:cond evt="onNext" delay="0">
                   <p:tgtEl>
                     <p:sldTgt/>
                   </p:tgtEl>
@@ -8251,7 +8622,7 @@
 </file>
 
 <file path=ppt/slides/slide5.xml><?xml version="1.0" encoding="utf-8"?>
-<p:sld xmlns:a="http://schemas.openxmlformats.org/drawingml/2006/main" xmlns:r="http://schemas.openxmlformats.org/officeDocument/2006/relationships" xmlns:p="http://schemas.openxmlformats.org/presentationml/2006/main" xmlns:m="http://schemas.openxmlformats.org/officeDocument/2006/math" xmlns:a14="http://schemas.microsoft.com/office/drawing/2010/main" showMasterSp="1" showMasterPhAnim="1">
+<p:sld xmlns:a="http://schemas.openxmlformats.org/drawingml/2006/main" xmlns:r="http://schemas.openxmlformats.org/officeDocument/2006/relationships" xmlns:p="http://schemas.openxmlformats.org/presentationml/2006/main">
   <p:cSld>
     <p:spTree>
       <p:nvGrpSpPr>
@@ -8270,7 +8641,9 @@
       <p:sp>
         <p:nvSpPr>
           <p:cNvPr id="315" name="Slide Number Placeholder 4"/>
-          <p:cNvSpPr txBox="1"/>
+          <p:cNvSpPr txBox="1">
+            <a:spLocks noGrp="1"/>
+          </p:cNvSpPr>
           <p:nvPr>
             <p:ph type="sldNum" sz="quarter" idx="4294967295"/>
           </p:nvPr>
@@ -8285,7 +8658,7 @@
           </a:prstGeom>
           <a:extLst>
             <a:ext uri="{C572A759-6A51-4108-AA02-DFA0A04FC94B}">
-              <ma14:wrappingTextBoxFlag xmlns:ma14="http://schemas.microsoft.com/office/mac/drawingml/2011/main" val="1"/>
+              <ma14:wrappingTextBoxFlag xmlns:ma14="http://schemas.microsoft.com/office/mac/drawingml/2011/main" xmlns:a14="http://schemas.microsoft.com/office/drawing/2010/main" xmlns:m="http://schemas.openxmlformats.org/officeDocument/2006/math" xmlns="" val="1"/>
             </a:ext>
           </a:extLst>
         </p:spPr>
@@ -8302,15 +8675,19 @@
             </a:lvl1pPr>
           </a:lstStyle>
           <a:p>
-            <a:pPr/>
-            <a:fld id="{86CB4B4D-7CA3-9044-876B-883B54F8677D}" type="slidenum"/>
+            <a:fld id="{86CB4B4D-7CA3-9044-876B-883B54F8677D}" type="slidenum">
+              <a:t>5</a:t>
+            </a:fld>
+            <a:endParaRPr/>
           </a:p>
         </p:txBody>
       </p:sp>
       <p:sp>
         <p:nvSpPr>
           <p:cNvPr id="316" name="Title 1"/>
-          <p:cNvSpPr txBox="1"/>
+          <p:cNvSpPr txBox="1">
+            <a:spLocks noGrp="1"/>
+          </p:cNvSpPr>
           <p:nvPr>
             <p:ph type="title"/>
           </p:nvPr>
@@ -8321,10 +8698,12 @@
           </a:prstGeom>
         </p:spPr>
         <p:txBody>
-          <a:bodyPr/>
+          <a:bodyPr>
+            <a:normAutofit fontScale="90000"/>
+          </a:bodyPr>
           <a:lstStyle>
             <a:lvl1pPr defTabSz="667512">
-              <a:defRPr b="0" sz="3942">
+              <a:defRPr sz="3942" b="0">
                 <a:latin typeface="Helvetica Light"/>
                 <a:ea typeface="Helvetica Light"/>
                 <a:cs typeface="Helvetica Light"/>
@@ -8333,7 +8712,6 @@
             </a:lvl1pPr>
           </a:lstStyle>
           <a:p>
-            <a:pPr/>
             <a:r>
               <a:t>Array’s vullen</a:t>
             </a:r>
@@ -8343,7 +8721,9 @@
       <p:sp>
         <p:nvSpPr>
           <p:cNvPr id="317" name="Content Placeholder 2"/>
-          <p:cNvSpPr txBox="1"/>
+          <p:cNvSpPr txBox="1">
+            <a:spLocks noGrp="1"/>
+          </p:cNvSpPr>
           <p:nvPr>
             <p:ph type="body" idx="1"/>
           </p:nvPr>
@@ -8373,15 +8753,54 @@
               </a:defRPr>
             </a:pPr>
             <a:r>
-              <a:t>Doe je o.a. bij geven van (een) beginwaarde(n) (wordt ook wel </a:t>
-            </a:r>
-            <a:r>
-              <a:rPr i="1"/>
+              <a:rPr lang="en-US" dirty="0" err="1"/>
+              <a:t>Bijvoorbeeld</a:t>
+            </a:r>
+            <a:r>
+              <a:rPr dirty="0"/>
+              <a:t> </a:t>
+            </a:r>
+            <a:r>
+              <a:rPr dirty="0" err="1"/>
+              <a:t>bij</a:t>
+            </a:r>
+            <a:r>
+              <a:rPr dirty="0"/>
+              <a:t> </a:t>
+            </a:r>
+            <a:r>
+              <a:rPr lang="en-US" i="1" dirty="0" err="1"/>
               <a:t>initialiseren</a:t>
             </a:r>
             <a:r>
-              <a:t> genoemd)</a:t>
-            </a:r>
+              <a:rPr lang="en-US" dirty="0"/>
+              <a:t>:</a:t>
+            </a:r>
+            <a:r>
+              <a:rPr lang="en-US" i="1" dirty="0"/>
+              <a:t> </a:t>
+            </a:r>
+            <a:r>
+              <a:rPr lang="en-US" dirty="0"/>
+              <a:t>het </a:t>
+            </a:r>
+            <a:r>
+              <a:rPr dirty="0" err="1"/>
+              <a:t>geven</a:t>
+            </a:r>
+            <a:r>
+              <a:rPr dirty="0"/>
+              <a:t> van </a:t>
+            </a:r>
+            <a:r>
+              <a:rPr dirty="0" err="1"/>
+              <a:t>beginwaarde</a:t>
+            </a:r>
+            <a:r>
+              <a:rPr lang="en-US" dirty="0"/>
+              <a:t>(n). </a:t>
+            </a:r>
+            <a:endParaRPr dirty="0"/>
           </a:p>
           <a:p>
             <a:pPr>
@@ -8396,8 +8815,38 @@
               </a:defRPr>
             </a:pPr>
             <a:r>
-              <a:t>Of als je later de waarde(n) wilt aanpassen</a:t>
-            </a:r>
+              <a:rPr dirty="0"/>
+              <a:t>Of </a:t>
+            </a:r>
+            <a:r>
+              <a:rPr dirty="0" err="1"/>
+              <a:t>als</a:t>
+            </a:r>
+            <a:r>
+              <a:rPr dirty="0"/>
+              <a:t> je later de </a:t>
+            </a:r>
+            <a:r>
+              <a:rPr dirty="0" err="1"/>
+              <a:t>waarde</a:t>
+            </a:r>
+            <a:r>
+              <a:rPr dirty="0"/>
+              <a:t>(n) </a:t>
+            </a:r>
+            <a:r>
+              <a:rPr dirty="0" err="1"/>
+              <a:t>aanpas</a:t>
+            </a:r>
+            <a:r>
+              <a:rPr lang="en-US" dirty="0" err="1"/>
+              <a:t>t</a:t>
+            </a:r>
+            <a:r>
+              <a:rPr lang="en-US" dirty="0"/>
+              <a:t>. </a:t>
+            </a:r>
+            <a:endParaRPr dirty="0"/>
           </a:p>
           <a:p>
             <a:pPr>
@@ -8412,11 +8861,20 @@
               </a:defRPr>
             </a:pPr>
             <a:r>
-              <a:t>Kan op 2 manieren:</a:t>
-            </a:r>
-          </a:p>
-          <a:p>
-            <a:pPr lvl="1" marL="742950" indent="-285750">
+              <a:rPr dirty="0"/>
+              <a:t>Kan op 2 </a:t>
+            </a:r>
+            <a:r>
+              <a:rPr dirty="0" err="1"/>
+              <a:t>manieren</a:t>
+            </a:r>
+            <a:r>
+              <a:rPr dirty="0"/>
+              <a:t>:</a:t>
+            </a:r>
+          </a:p>
+          <a:p>
+            <a:pPr marL="742950" lvl="1" indent="-285750">
               <a:spcBef>
                 <a:spcPts val="400"/>
               </a:spcBef>
@@ -8428,12 +8886,69 @@
               </a:defRPr>
             </a:pPr>
             <a:r>
-              <a:t>op de hiervoor eerder genoemde wijze middels &lt;naam array&gt;[index] = waarde; bijv.</a:t>
-            </a:r>
-            <a:endParaRPr sz="2800"/>
-          </a:p>
-          <a:p>
-            <a:pPr lvl="1" marL="0" indent="457200">
+              <a:rPr dirty="0"/>
+              <a:t>op de </a:t>
+            </a:r>
+            <a:r>
+              <a:rPr dirty="0" err="1"/>
+              <a:t>hiervoor</a:t>
+            </a:r>
+            <a:r>
+              <a:rPr dirty="0"/>
+              <a:t> </a:t>
+            </a:r>
+            <a:r>
+              <a:rPr dirty="0" err="1"/>
+              <a:t>eerder</a:t>
+            </a:r>
+            <a:r>
+              <a:rPr dirty="0"/>
+              <a:t> </a:t>
+            </a:r>
+            <a:r>
+              <a:rPr dirty="0" err="1"/>
+              <a:t>genoemde</a:t>
+            </a:r>
+            <a:r>
+              <a:rPr dirty="0"/>
+              <a:t> </a:t>
+            </a:r>
+            <a:r>
+              <a:rPr dirty="0" err="1"/>
+              <a:t>wijze</a:t>
+            </a:r>
+            <a:r>
+              <a:rPr dirty="0"/>
+              <a:t> </a:t>
+            </a:r>
+            <a:r>
+              <a:rPr dirty="0" err="1"/>
+              <a:t>middels</a:t>
+            </a:r>
+            <a:r>
+              <a:rPr dirty="0"/>
+              <a:t> &lt;naam array&gt;[index] = </a:t>
+            </a:r>
+            <a:r>
+              <a:rPr dirty="0" err="1"/>
+              <a:t>waarde</a:t>
+            </a:r>
+            <a:r>
+              <a:rPr dirty="0"/>
+              <a:t>; </a:t>
+            </a:r>
+            <a:r>
+              <a:rPr dirty="0" err="1"/>
+              <a:t>bijv</a:t>
+            </a:r>
+            <a:r>
+              <a:rPr dirty="0"/>
+              <a:t>.</a:t>
+            </a:r>
+            <a:endParaRPr sz="2800" dirty="0"/>
+          </a:p>
+          <a:p>
+            <a:pPr marL="0" lvl="1" indent="457200">
               <a:spcBef>
                 <a:spcPts val="400"/>
               </a:spcBef>
@@ -8447,10 +8962,11 @@
               </a:defRPr>
             </a:pPr>
             <a:r>
+              <a:rPr dirty="0"/>
               <a:t>	</a:t>
             </a:r>
             <a:r>
-              <a:rPr sz="1200">
+              <a:rPr sz="1200" dirty="0" err="1">
                 <a:solidFill>
                   <a:srgbClr val="000000"/>
                 </a:solidFill>
@@ -8459,12 +8975,24 @@
                 <a:cs typeface="Consolas"/>
                 <a:sym typeface="Consolas"/>
               </a:rPr>
-              <a:t>getallen[0] = 2.5;</a:t>
-            </a:r>
-            <a:endParaRPr sz="2800"/>
-          </a:p>
-          <a:p>
-            <a:pPr lvl="1" marL="0" indent="457200">
+              <a:t>getallen</a:t>
+            </a:r>
+            <a:r>
+              <a:rPr sz="1200" dirty="0">
+                <a:solidFill>
+                  <a:srgbClr val="000000"/>
+                </a:solidFill>
+                <a:latin typeface="Consolas"/>
+                <a:ea typeface="Consolas"/>
+                <a:cs typeface="Consolas"/>
+                <a:sym typeface="Consolas"/>
+              </a:rPr>
+              <a:t>[0] = 2.5;</a:t>
+            </a:r>
+            <a:endParaRPr sz="2800" dirty="0"/>
+          </a:p>
+          <a:p>
+            <a:pPr marL="0" lvl="1" indent="457200">
               <a:spcBef>
                 <a:spcPts val="200"/>
               </a:spcBef>
@@ -8478,10 +9006,11 @@
               </a:defRPr>
             </a:pPr>
             <a:r>
+              <a:rPr dirty="0"/>
               <a:t>	</a:t>
             </a:r>
             <a:r>
-              <a:rPr>
+              <a:rPr dirty="0" err="1">
                 <a:solidFill>
                   <a:srgbClr val="000000"/>
                 </a:solidFill>
@@ -8490,11 +9019,23 @@
                 <a:cs typeface="Consolas"/>
                 <a:sym typeface="Consolas"/>
               </a:rPr>
-              <a:t>getallen[1] = 3.5;</a:t>
-            </a:r>
-          </a:p>
-          <a:p>
-            <a:pPr lvl="1" marL="0" indent="457200">
+              <a:t>getallen</a:t>
+            </a:r>
+            <a:r>
+              <a:rPr dirty="0">
+                <a:solidFill>
+                  <a:srgbClr val="000000"/>
+                </a:solidFill>
+                <a:latin typeface="Consolas"/>
+                <a:ea typeface="Consolas"/>
+                <a:cs typeface="Consolas"/>
+                <a:sym typeface="Consolas"/>
+              </a:rPr>
+              <a:t>[1] = 3.5;</a:t>
+            </a:r>
+          </a:p>
+          <a:p>
+            <a:pPr marL="0" lvl="1" indent="457200">
               <a:spcBef>
                 <a:spcPts val="200"/>
               </a:spcBef>
@@ -8508,10 +9049,11 @@
               </a:defRPr>
             </a:pPr>
             <a:r>
+              <a:rPr dirty="0"/>
               <a:t>	</a:t>
             </a:r>
             <a:r>
-              <a:rPr>
+              <a:rPr dirty="0" err="1">
                 <a:solidFill>
                   <a:srgbClr val="000000"/>
                 </a:solidFill>
@@ -8520,12 +9062,24 @@
                 <a:cs typeface="Consolas"/>
                 <a:sym typeface="Consolas"/>
               </a:rPr>
-              <a:t>getallen[2] = 4.3;</a:t>
-            </a:r>
-            <a:endParaRPr sz="2800"/>
-          </a:p>
-          <a:p>
-            <a:pPr lvl="1" marL="0" indent="457200">
+              <a:t>getallen</a:t>
+            </a:r>
+            <a:r>
+              <a:rPr dirty="0">
+                <a:solidFill>
+                  <a:srgbClr val="000000"/>
+                </a:solidFill>
+                <a:latin typeface="Consolas"/>
+                <a:ea typeface="Consolas"/>
+                <a:cs typeface="Consolas"/>
+                <a:sym typeface="Consolas"/>
+              </a:rPr>
+              <a:t>[2] = 4.3;</a:t>
+            </a:r>
+            <a:endParaRPr sz="2800" dirty="0"/>
+          </a:p>
+          <a:p>
+            <a:pPr marL="0" lvl="1" indent="457200">
               <a:spcBef>
                 <a:spcPts val="200"/>
               </a:spcBef>
@@ -8542,11 +9096,12 @@
               </a:defRPr>
             </a:pPr>
             <a:r>
+              <a:rPr dirty="0"/>
               <a:t>	</a:t>
             </a:r>
           </a:p>
           <a:p>
-            <a:pPr lvl="1" marL="0" indent="457200">
+            <a:pPr marL="0" lvl="1" indent="457200">
               <a:spcBef>
                 <a:spcPts val="200"/>
               </a:spcBef>
@@ -8563,16 +9118,58 @@
               </a:defRPr>
             </a:pPr>
             <a:r>
-              <a:t>	Let op: het array moet wel van te voren </a:t>
-            </a:r>
-            <a:r>
-              <a:rPr i="1"/>
+              <a:rPr dirty="0"/>
+              <a:t>	Let op: het array </a:t>
+            </a:r>
+            <a:r>
+              <a:rPr dirty="0" err="1"/>
+              <a:t>moet</a:t>
+            </a:r>
+            <a:r>
+              <a:rPr dirty="0"/>
+              <a:t> </a:t>
+            </a:r>
+            <a:r>
+              <a:rPr dirty="0" err="1"/>
+              <a:t>wel</a:t>
+            </a:r>
+            <a:r>
+              <a:rPr dirty="0"/>
+              <a:t> van </a:t>
+            </a:r>
+            <a:r>
+              <a:rPr dirty="0" err="1"/>
+              <a:t>te</a:t>
+            </a:r>
+            <a:r>
+              <a:rPr dirty="0"/>
+              <a:t> </a:t>
+            </a:r>
+            <a:r>
+              <a:rPr dirty="0" err="1"/>
+              <a:t>voren</a:t>
+            </a:r>
+            <a:r>
+              <a:rPr dirty="0"/>
+              <a:t> </a:t>
+            </a:r>
+            <a:r>
+              <a:rPr i="1" dirty="0" err="1"/>
               <a:t>geinstantieerd</a:t>
             </a:r>
             <a:r>
-              <a:t> zijn!</a:t>
-            </a:r>
-            <a:endParaRPr>
+              <a:rPr dirty="0"/>
+              <a:t> </a:t>
+            </a:r>
+            <a:r>
+              <a:rPr dirty="0" err="1"/>
+              <a:t>zijn</a:t>
+            </a:r>
+            <a:r>
+              <a:rPr dirty="0"/>
+              <a:t>!</a:t>
+            </a:r>
+            <a:endParaRPr dirty="0">
               <a:latin typeface="Helvetica Light"/>
               <a:ea typeface="Helvetica Light"/>
               <a:cs typeface="Helvetica Light"/>
@@ -8580,7 +9177,7 @@
             </a:endParaRPr>
           </a:p>
           <a:p>
-            <a:pPr lvl="1" marL="742950" indent="-285750">
+            <a:pPr marL="742950" lvl="1" indent="-285750">
               <a:spcBef>
                 <a:spcPts val="400"/>
               </a:spcBef>
@@ -8592,19 +9189,33 @@
               </a:defRPr>
             </a:pPr>
             <a:r>
-              <a:t>meteen bij het </a:t>
-            </a:r>
-            <a:r>
-              <a:rPr i="1"/>
+              <a:rPr dirty="0" err="1"/>
+              <a:t>meteen</a:t>
+            </a:r>
+            <a:r>
+              <a:rPr dirty="0"/>
+              <a:t> </a:t>
+            </a:r>
+            <a:r>
+              <a:rPr dirty="0" err="1"/>
+              <a:t>bij</a:t>
+            </a:r>
+            <a:r>
+              <a:rPr dirty="0"/>
+              <a:t> het </a:t>
+            </a:r>
+            <a:r>
+              <a:rPr i="1" dirty="0" err="1"/>
               <a:t>instantieren</a:t>
             </a:r>
             <a:r>
+              <a:rPr dirty="0"/>
               <a:t> van het array</a:t>
             </a:r>
-            <a:endParaRPr sz="2800"/>
-          </a:p>
-          <a:p>
-            <a:pPr lvl="1" marL="0" indent="457200">
+            <a:endParaRPr sz="2800" dirty="0"/>
+          </a:p>
+          <a:p>
+            <a:pPr marL="0" lvl="1" indent="457200">
               <a:spcBef>
                 <a:spcPts val="300"/>
               </a:spcBef>
@@ -8621,32 +9232,57 @@
               </a:defRPr>
             </a:pPr>
             <a:r>
+              <a:rPr dirty="0"/>
               <a:t>	</a:t>
             </a:r>
             <a:r>
-              <a:rPr sz="1200"/>
+              <a:rPr sz="1200" dirty="0"/>
               <a:t>double</a:t>
             </a:r>
             <a:r>
-              <a:rPr sz="1200">
+              <a:rPr sz="1200" dirty="0">
                 <a:solidFill>
                   <a:srgbClr val="000000"/>
                 </a:solidFill>
               </a:rPr>
-              <a:t>[] getallen; </a:t>
-            </a:r>
-            <a:r>
-              <a:rPr sz="1200">
+              <a:t>[] </a:t>
+            </a:r>
+            <a:r>
+              <a:rPr sz="1200" dirty="0" err="1">
+                <a:solidFill>
+                  <a:srgbClr val="000000"/>
+                </a:solidFill>
+              </a:rPr>
+              <a:t>getallen</a:t>
+            </a:r>
+            <a:r>
+              <a:rPr sz="1200" dirty="0">
+                <a:solidFill>
+                  <a:srgbClr val="000000"/>
+                </a:solidFill>
+              </a:rPr>
+              <a:t>; </a:t>
+            </a:r>
+            <a:r>
+              <a:rPr sz="1200" dirty="0">
                 <a:solidFill>
                   <a:srgbClr val="00B050"/>
                 </a:solidFill>
               </a:rPr>
-              <a:t>//declareren</a:t>
-            </a:r>
-            <a:endParaRPr sz="2800"/>
-          </a:p>
-          <a:p>
-            <a:pPr lvl="1" marL="0" indent="457200">
+              <a:t>//</a:t>
+            </a:r>
+            <a:r>
+              <a:rPr sz="1200" dirty="0" err="1">
+                <a:solidFill>
+                  <a:srgbClr val="00B050"/>
+                </a:solidFill>
+              </a:rPr>
+              <a:t>declareren</a:t>
+            </a:r>
+            <a:endParaRPr sz="2800" dirty="0"/>
+          </a:p>
+          <a:p>
+            <a:pPr marL="0" lvl="1" indent="457200">
               <a:spcBef>
                 <a:spcPts val="200"/>
               </a:spcBef>
@@ -8663,12 +9299,53 @@
               </a:defRPr>
             </a:pPr>
             <a:r>
-              <a:t>	//instanieren middels new en meteen initialiseren: </a:t>
-            </a:r>
-            <a:endParaRPr sz="2800"/>
-          </a:p>
-          <a:p>
-            <a:pPr lvl="1" marL="0" indent="457200">
+              <a:rPr dirty="0"/>
+              <a:t>	//</a:t>
+            </a:r>
+            <a:r>
+              <a:rPr dirty="0" err="1"/>
+              <a:t>instanieren</a:t>
+            </a:r>
+            <a:r>
+              <a:rPr dirty="0"/>
+              <a:t> </a:t>
+            </a:r>
+            <a:r>
+              <a:rPr dirty="0" err="1"/>
+              <a:t>middels</a:t>
+            </a:r>
+            <a:r>
+              <a:rPr dirty="0"/>
+              <a:t> new </a:t>
+            </a:r>
+            <a:r>
+              <a:rPr dirty="0" err="1"/>
+              <a:t>en</a:t>
+            </a:r>
+            <a:r>
+              <a:rPr dirty="0"/>
+              <a:t> </a:t>
+            </a:r>
+            <a:r>
+              <a:rPr dirty="0" err="1"/>
+              <a:t>meteen</a:t>
+            </a:r>
+            <a:r>
+              <a:rPr dirty="0"/>
+              <a:t> </a:t>
+            </a:r>
+            <a:r>
+              <a:rPr dirty="0" err="1"/>
+              <a:t>initialiseren</a:t>
+            </a:r>
+            <a:r>
+              <a:rPr dirty="0"/>
+              <a:t>: </a:t>
+            </a:r>
+            <a:endParaRPr sz="2800" dirty="0"/>
+          </a:p>
+          <a:p>
+            <a:pPr marL="0" lvl="1" indent="457200">
               <a:spcBef>
                 <a:spcPts val="200"/>
               </a:spcBef>
@@ -8685,10 +9362,19 @@
               </a:defRPr>
             </a:pPr>
             <a:r>
-              <a:t>	getallen = </a:t>
-            </a:r>
-            <a:r>
-              <a:rPr>
+              <a:rPr dirty="0"/>
+              <a:t>	</a:t>
+            </a:r>
+            <a:r>
+              <a:rPr dirty="0" err="1"/>
+              <a:t>getallen</a:t>
+            </a:r>
+            <a:r>
+              <a:rPr dirty="0"/>
+              <a:t> = </a:t>
+            </a:r>
+            <a:r>
+              <a:rPr dirty="0">
                 <a:solidFill>
                   <a:srgbClr val="0000FF"/>
                 </a:solidFill>
@@ -8696,10 +9382,11 @@
               <a:t>new</a:t>
             </a:r>
             <a:r>
+              <a:rPr dirty="0"/>
               <a:t> </a:t>
             </a:r>
             <a:r>
-              <a:rPr>
+              <a:rPr dirty="0">
                 <a:solidFill>
                   <a:srgbClr val="0000FF"/>
                 </a:solidFill>
@@ -8707,6 +9394,7 @@
               <a:t>double</a:t>
             </a:r>
             <a:r>
+              <a:rPr dirty="0"/>
               <a:t>[3] { 2.5, 3.5, 4.3}</a:t>
             </a:r>
           </a:p>
@@ -8717,13 +9405,13 @@
   <p:clrMapOvr>
     <a:masterClrMapping/>
   </p:clrMapOvr>
-  <mc:AlternateContent xmlns:mc="http://schemas.openxmlformats.org/markup-compatibility/2006">
-    <mc:Choice xmlns:p14="http://schemas.microsoft.com/office/powerpoint/2010/main" Requires="p14">
-      <p:transition spd="med" advClick="1" p14:dur="1000">
+  <mc:AlternateContent xmlns:mc="http://schemas.openxmlformats.org/markup-compatibility/2006" xmlns:p14="http://schemas.microsoft.com/office/powerpoint/2010/main">
+    <mc:Choice Requires="p14">
+      <p:transition spd="slow">
         <p:dissolve/>
       </p:transition>
     </mc:Choice>
-    <mc:Fallback>
+    <mc:Fallback xmlns:a14="http://schemas.microsoft.com/office/drawing/2010/main" xmlns:m="http://schemas.openxmlformats.org/officeDocument/2006/math" xmlns="">
       <p:transition spd="med">
         <p:fade/>
       </p:transition>
@@ -8733,7 +9421,7 @@
 </file>
 
 <file path=ppt/slides/slide6.xml><?xml version="1.0" encoding="utf-8"?>
-<p:sld xmlns:a="http://schemas.openxmlformats.org/drawingml/2006/main" xmlns:r="http://schemas.openxmlformats.org/officeDocument/2006/relationships" xmlns:p="http://schemas.openxmlformats.org/presentationml/2006/main" xmlns:m="http://schemas.openxmlformats.org/officeDocument/2006/math" xmlns:a14="http://schemas.microsoft.com/office/drawing/2010/main" showMasterSp="1" showMasterPhAnim="1">
+<p:sld xmlns:a="http://schemas.openxmlformats.org/drawingml/2006/main" xmlns:r="http://schemas.openxmlformats.org/officeDocument/2006/relationships" xmlns:p="http://schemas.openxmlformats.org/presentationml/2006/main">
   <p:cSld>
     <p:spTree>
       <p:nvGrpSpPr>
@@ -8752,7 +9440,9 @@
       <p:sp>
         <p:nvSpPr>
           <p:cNvPr id="321" name="Content Placeholder 2"/>
-          <p:cNvSpPr txBox="1"/>
+          <p:cNvSpPr txBox="1">
+            <a:spLocks noGrp="1"/>
+          </p:cNvSpPr>
           <p:nvPr>
             <p:ph type="body" idx="1"/>
           </p:nvPr>
@@ -8807,7 +9497,9 @@
       <p:sp>
         <p:nvSpPr>
           <p:cNvPr id="322" name="Slide Number Placeholder 4"/>
-          <p:cNvSpPr txBox="1"/>
+          <p:cNvSpPr txBox="1">
+            <a:spLocks noGrp="1"/>
+          </p:cNvSpPr>
           <p:nvPr>
             <p:ph type="sldNum" sz="quarter" idx="4294967295"/>
           </p:nvPr>
@@ -8822,7 +9514,7 @@
           </a:prstGeom>
           <a:extLst>
             <a:ext uri="{C572A759-6A51-4108-AA02-DFA0A04FC94B}">
-              <ma14:wrappingTextBoxFlag xmlns:ma14="http://schemas.microsoft.com/office/mac/drawingml/2011/main" val="1"/>
+              <ma14:wrappingTextBoxFlag xmlns:ma14="http://schemas.microsoft.com/office/mac/drawingml/2011/main" xmlns:a14="http://schemas.microsoft.com/office/drawing/2010/main" xmlns:m="http://schemas.openxmlformats.org/officeDocument/2006/math" xmlns="" val="1"/>
             </a:ext>
           </a:extLst>
         </p:spPr>
@@ -8839,15 +9531,19 @@
             </a:lvl1pPr>
           </a:lstStyle>
           <a:p>
-            <a:pPr/>
-            <a:fld id="{86CB4B4D-7CA3-9044-876B-883B54F8677D}" type="slidenum"/>
+            <a:fld id="{86CB4B4D-7CA3-9044-876B-883B54F8677D}" type="slidenum">
+              <a:t>6</a:t>
+            </a:fld>
+            <a:endParaRPr/>
           </a:p>
         </p:txBody>
       </p:sp>
       <p:sp>
         <p:nvSpPr>
           <p:cNvPr id="323" name="Title 1"/>
-          <p:cNvSpPr txBox="1"/>
+          <p:cNvSpPr txBox="1">
+            <a:spLocks noGrp="1"/>
+          </p:cNvSpPr>
           <p:nvPr>
             <p:ph type="title"/>
           </p:nvPr>
@@ -8858,10 +9554,12 @@
           </a:prstGeom>
         </p:spPr>
         <p:txBody>
-          <a:bodyPr/>
+          <a:bodyPr>
+            <a:normAutofit fontScale="90000"/>
+          </a:bodyPr>
           <a:lstStyle>
             <a:lvl1pPr defTabSz="603504">
-              <a:defRPr b="0" sz="3960">
+              <a:defRPr sz="3960" b="0">
                 <a:latin typeface="Helvetica Light"/>
                 <a:ea typeface="Helvetica Light"/>
                 <a:cs typeface="Helvetica Light"/>
@@ -8870,7 +9568,6 @@
             </a:lvl1pPr>
           </a:lstStyle>
           <a:p>
-            <a:pPr/>
             <a:r>
               <a:t>Wist je dat…</a:t>
             </a:r>
@@ -8882,13 +9579,13 @@
   <p:clrMapOvr>
     <a:masterClrMapping/>
   </p:clrMapOvr>
-  <mc:AlternateContent xmlns:mc="http://schemas.openxmlformats.org/markup-compatibility/2006">
-    <mc:Choice xmlns:p14="http://schemas.microsoft.com/office/powerpoint/2010/main" Requires="p14">
-      <p:transition spd="med" advClick="1" p14:dur="1000">
+  <mc:AlternateContent xmlns:mc="http://schemas.openxmlformats.org/markup-compatibility/2006" xmlns:p14="http://schemas.microsoft.com/office/powerpoint/2010/main">
+    <mc:Choice Requires="p14">
+      <p:transition spd="slow">
         <p:dissolve/>
       </p:transition>
     </mc:Choice>
-    <mc:Fallback>
+    <mc:Fallback xmlns:a14="http://schemas.microsoft.com/office/drawing/2010/main" xmlns:m="http://schemas.openxmlformats.org/officeDocument/2006/math" xmlns="">
       <p:transition spd="med">
         <p:fade/>
       </p:transition>
@@ -8898,7 +9595,7 @@
 </file>
 
 <file path=ppt/slides/slide7.xml><?xml version="1.0" encoding="utf-8"?>
-<p:sld xmlns:a="http://schemas.openxmlformats.org/drawingml/2006/main" xmlns:r="http://schemas.openxmlformats.org/officeDocument/2006/relationships" xmlns:p="http://schemas.openxmlformats.org/presentationml/2006/main" xmlns:m="http://schemas.openxmlformats.org/officeDocument/2006/math" xmlns:a14="http://schemas.microsoft.com/office/drawing/2010/main" showMasterSp="1" showMasterPhAnim="1">
+<p:sld xmlns:a="http://schemas.openxmlformats.org/drawingml/2006/main" xmlns:r="http://schemas.openxmlformats.org/officeDocument/2006/relationships" xmlns:p="http://schemas.openxmlformats.org/presentationml/2006/main">
   <p:cSld>
     <p:spTree>
       <p:nvGrpSpPr>
@@ -8917,7 +9614,9 @@
       <p:sp>
         <p:nvSpPr>
           <p:cNvPr id="327" name="Content Placeholder 2"/>
-          <p:cNvSpPr txBox="1"/>
+          <p:cNvSpPr txBox="1">
+            <a:spLocks noGrp="1"/>
+          </p:cNvSpPr>
           <p:nvPr>
             <p:ph type="body" idx="1"/>
           </p:nvPr>
@@ -8991,7 +9690,9 @@
       <p:sp>
         <p:nvSpPr>
           <p:cNvPr id="328" name="Slide Number Placeholder 4"/>
-          <p:cNvSpPr txBox="1"/>
+          <p:cNvSpPr txBox="1">
+            <a:spLocks noGrp="1"/>
+          </p:cNvSpPr>
           <p:nvPr>
             <p:ph type="sldNum" sz="quarter" idx="4294967295"/>
           </p:nvPr>
@@ -9006,7 +9707,7 @@
           </a:prstGeom>
           <a:extLst>
             <a:ext uri="{C572A759-6A51-4108-AA02-DFA0A04FC94B}">
-              <ma14:wrappingTextBoxFlag xmlns:ma14="http://schemas.microsoft.com/office/mac/drawingml/2011/main" val="1"/>
+              <ma14:wrappingTextBoxFlag xmlns:ma14="http://schemas.microsoft.com/office/mac/drawingml/2011/main" xmlns:a14="http://schemas.microsoft.com/office/drawing/2010/main" xmlns:m="http://schemas.openxmlformats.org/officeDocument/2006/math" xmlns="" val="1"/>
             </a:ext>
           </a:extLst>
         </p:spPr>
@@ -9023,15 +9724,19 @@
             </a:lvl1pPr>
           </a:lstStyle>
           <a:p>
-            <a:pPr/>
-            <a:fld id="{86CB4B4D-7CA3-9044-876B-883B54F8677D}" type="slidenum"/>
+            <a:fld id="{86CB4B4D-7CA3-9044-876B-883B54F8677D}" type="slidenum">
+              <a:t>7</a:t>
+            </a:fld>
+            <a:endParaRPr/>
           </a:p>
         </p:txBody>
       </p:sp>
       <p:sp>
         <p:nvSpPr>
           <p:cNvPr id="329" name="Title 1"/>
-          <p:cNvSpPr txBox="1"/>
+          <p:cNvSpPr txBox="1">
+            <a:spLocks noGrp="1"/>
+          </p:cNvSpPr>
           <p:nvPr>
             <p:ph type="title"/>
           </p:nvPr>
@@ -9042,10 +9747,12 @@
           </a:prstGeom>
         </p:spPr>
         <p:txBody>
-          <a:bodyPr/>
+          <a:bodyPr>
+            <a:normAutofit fontScale="90000"/>
+          </a:bodyPr>
           <a:lstStyle>
             <a:lvl1pPr defTabSz="603504">
-              <a:defRPr b="0" sz="3960">
+              <a:defRPr sz="3960" b="0">
                 <a:latin typeface="Helvetica Light"/>
                 <a:ea typeface="Helvetica Light"/>
                 <a:cs typeface="Helvetica Light"/>
@@ -9054,7 +9761,6 @@
             </a:lvl1pPr>
           </a:lstStyle>
           <a:p>
-            <a:pPr/>
             <a:r>
               <a:t>Samenvatting</a:t>
             </a:r>
@@ -9066,12 +9772,12 @@
   <p:clrMapOvr>
     <a:masterClrMapping/>
   </p:clrMapOvr>
-  <p:transition xmlns:p14="http://schemas.microsoft.com/office/powerpoint/2010/main" spd="med" advClick="1"/>
+  <p:transition spd="med"/>
 </p:sld>
 </file>
 
 <file path=ppt/theme/theme1.xml><?xml version="1.0" encoding="utf-8"?>
-<a:theme xmlns:a="http://schemas.openxmlformats.org/drawingml/2006/main" xmlns:r="http://schemas.openxmlformats.org/officeDocument/2006/relationships" name="Fontys">
+<a:theme xmlns:a="http://schemas.openxmlformats.org/drawingml/2006/main" name="Fontys">
   <a:themeElements>
     <a:clrScheme name="Fontys">
       <a:dk1>
@@ -9203,7 +9909,7 @@
         </a:effectStyle>
         <a:effectStyle>
           <a:effectLst>
-            <a:outerShdw sx="100000" sy="100000" kx="0" ky="0" algn="b" rotWithShape="0" blurRad="38100" dist="20000" dir="5400000">
+            <a:outerShdw blurRad="38100" dist="20000" dir="5400000" rotWithShape="0">
               <a:srgbClr val="000000">
                 <a:alpha val="38000"/>
               </a:srgbClr>
@@ -9281,7 +9987,7 @@
         <a:effectLst/>
         <a:sp3d/>
       </a:spPr>
-      <a:bodyPr rot="0" spcFirstLastPara="1" vertOverflow="overflow" horzOverflow="overflow" vert="horz" wrap="square" lIns="45719" tIns="45719" rIns="45719" bIns="45719" numCol="1" spcCol="38100" rtlCol="0" anchor="t" upright="0">
+      <a:bodyPr rot="0" spcFirstLastPara="1" vertOverflow="overflow" horzOverflow="overflow" vert="horz" wrap="square" lIns="45719" tIns="45719" rIns="45719" bIns="45719" numCol="1" spcCol="38100" rtlCol="0" anchor="t">
         <a:spAutoFit/>
       </a:bodyPr>
       <a:lstStyle>
@@ -9300,7 +10006,7 @@
           <a:buFontTx/>
           <a:buNone/>
           <a:tabLst/>
-          <a:defRPr b="0" baseline="0" cap="none" i="0" spc="0" strike="noStrike" sz="1800" u="none" kumimoji="0" normalizeH="0">
+          <a:defRPr kumimoji="0" sz="1800" b="0" i="0" u="none" strike="noStrike" cap="none" spc="0" normalizeH="0" baseline="0">
             <a:ln>
               <a:noFill/>
             </a:ln>
@@ -9330,7 +10036,7 @@
           <a:buFontTx/>
           <a:buNone/>
           <a:tabLst/>
-          <a:defRPr b="0" baseline="0" cap="none" i="0" spc="0" strike="noStrike" sz="1800" u="none" kumimoji="0" normalizeH="0">
+          <a:defRPr kumimoji="0" sz="1800" b="0" i="0" u="none" strike="noStrike" cap="none" spc="0" normalizeH="0" baseline="0">
             <a:ln>
               <a:noFill/>
             </a:ln>
@@ -9356,7 +10062,7 @@
           <a:buFontTx/>
           <a:buNone/>
           <a:tabLst/>
-          <a:defRPr b="0" baseline="0" cap="none" i="0" spc="0" strike="noStrike" sz="1800" u="none" kumimoji="0" normalizeH="0">
+          <a:defRPr kumimoji="0" sz="1800" b="0" i="0" u="none" strike="noStrike" cap="none" spc="0" normalizeH="0" baseline="0">
             <a:ln>
               <a:noFill/>
             </a:ln>
@@ -9382,7 +10088,7 @@
           <a:buFontTx/>
           <a:buNone/>
           <a:tabLst/>
-          <a:defRPr b="0" baseline="0" cap="none" i="0" spc="0" strike="noStrike" sz="1800" u="none" kumimoji="0" normalizeH="0">
+          <a:defRPr kumimoji="0" sz="1800" b="0" i="0" u="none" strike="noStrike" cap="none" spc="0" normalizeH="0" baseline="0">
             <a:ln>
               <a:noFill/>
             </a:ln>
@@ -9408,7 +10114,7 @@
           <a:buFontTx/>
           <a:buNone/>
           <a:tabLst/>
-          <a:defRPr b="0" baseline="0" cap="none" i="0" spc="0" strike="noStrike" sz="1800" u="none" kumimoji="0" normalizeH="0">
+          <a:defRPr kumimoji="0" sz="1800" b="0" i="0" u="none" strike="noStrike" cap="none" spc="0" normalizeH="0" baseline="0">
             <a:ln>
               <a:noFill/>
             </a:ln>
@@ -9434,7 +10140,7 @@
           <a:buFontTx/>
           <a:buNone/>
           <a:tabLst/>
-          <a:defRPr b="0" baseline="0" cap="none" i="0" spc="0" strike="noStrike" sz="1800" u="none" kumimoji="0" normalizeH="0">
+          <a:defRPr kumimoji="0" sz="1800" b="0" i="0" u="none" strike="noStrike" cap="none" spc="0" normalizeH="0" baseline="0">
             <a:ln>
               <a:noFill/>
             </a:ln>
@@ -9460,7 +10166,7 @@
           <a:buFontTx/>
           <a:buNone/>
           <a:tabLst/>
-          <a:defRPr b="0" baseline="0" cap="none" i="0" spc="0" strike="noStrike" sz="1800" u="none" kumimoji="0" normalizeH="0">
+          <a:defRPr kumimoji="0" sz="1800" b="0" i="0" u="none" strike="noStrike" cap="none" spc="0" normalizeH="0" baseline="0">
             <a:ln>
               <a:noFill/>
             </a:ln>
@@ -9486,7 +10192,7 @@
           <a:buFontTx/>
           <a:buNone/>
           <a:tabLst/>
-          <a:defRPr b="0" baseline="0" cap="none" i="0" spc="0" strike="noStrike" sz="1800" u="none" kumimoji="0" normalizeH="0">
+          <a:defRPr kumimoji="0" sz="1800" b="0" i="0" u="none" strike="noStrike" cap="none" spc="0" normalizeH="0" baseline="0">
             <a:ln>
               <a:noFill/>
             </a:ln>
@@ -9512,7 +10218,7 @@
           <a:buFontTx/>
           <a:buNone/>
           <a:tabLst/>
-          <a:defRPr b="0" baseline="0" cap="none" i="0" spc="0" strike="noStrike" sz="1800" u="none" kumimoji="0" normalizeH="0">
+          <a:defRPr kumimoji="0" sz="1800" b="0" i="0" u="none" strike="noStrike" cap="none" spc="0" normalizeH="0" baseline="0">
             <a:ln>
               <a:noFill/>
             </a:ln>
@@ -9538,7 +10244,7 @@
           <a:buFontTx/>
           <a:buNone/>
           <a:tabLst/>
-          <a:defRPr b="0" baseline="0" cap="none" i="0" spc="0" strike="noStrike" sz="1800" u="none" kumimoji="0" normalizeH="0">
+          <a:defRPr kumimoji="0" sz="1800" b="0" i="0" u="none" strike="noStrike" cap="none" spc="0" normalizeH="0" baseline="0">
             <a:ln>
               <a:noFill/>
             </a:ln>
@@ -9551,9 +10257,15 @@
         </a:lvl9pPr>
       </a:lstStyle>
       <a:style>
-        <a:lnRef idx="0"/>
-        <a:fillRef idx="0"/>
-        <a:effectRef idx="0"/>
+        <a:lnRef idx="0">
+          <a:scrgbClr r="0" g="0" b="0"/>
+        </a:lnRef>
+        <a:fillRef idx="0">
+          <a:scrgbClr r="0" g="0" b="0"/>
+        </a:fillRef>
+        <a:effectRef idx="0">
+          <a:scrgbClr r="0" g="0" b="0"/>
+        </a:effectRef>
         <a:fontRef idx="none"/>
       </a:style>
     </a:spDef>
@@ -9568,7 +10280,7 @@
           <a:round/>
         </a:ln>
         <a:effectLst>
-          <a:outerShdw sx="100000" sy="100000" kx="0" ky="0" algn="b" rotWithShape="0" blurRad="38100" dist="20000" dir="5400000">
+          <a:outerShdw blurRad="38100" dist="20000" dir="5400000" rotWithShape="0">
             <a:srgbClr val="000000">
               <a:alpha val="38000"/>
             </a:srgbClr>
@@ -9576,7 +10288,7 @@
         </a:effectLst>
         <a:sp3d/>
       </a:spPr>
-      <a:bodyPr rot="0" spcFirstLastPara="1" vertOverflow="overflow" horzOverflow="overflow" vert="horz" wrap="square" lIns="91439" tIns="45719" rIns="91439" bIns="45719" numCol="1" spcCol="38100" rtlCol="0" anchor="t" upright="0">
+      <a:bodyPr rot="0" spcFirstLastPara="1" vertOverflow="overflow" horzOverflow="overflow" vert="horz" wrap="square" lIns="91439" tIns="45719" rIns="91439" bIns="45719" numCol="1" spcCol="38100" rtlCol="0" anchor="t">
         <a:noAutofit/>
       </a:bodyPr>
       <a:lstStyle>
@@ -9595,7 +10307,7 @@
           <a:buFontTx/>
           <a:buNone/>
           <a:tabLst/>
-          <a:defRPr b="0" baseline="0" cap="none" i="0" spc="0" strike="noStrike" sz="1800" u="none" kumimoji="0" normalizeH="0">
+          <a:defRPr kumimoji="0" sz="1800" b="0" i="0" u="none" strike="noStrike" cap="none" spc="0" normalizeH="0" baseline="0">
             <a:ln>
               <a:noFill/>
             </a:ln>
@@ -9621,7 +10333,7 @@
           <a:buFontTx/>
           <a:buNone/>
           <a:tabLst/>
-          <a:defRPr b="0" baseline="0" cap="none" i="0" spc="0" strike="noStrike" sz="1800" u="none" kumimoji="0" normalizeH="0">
+          <a:defRPr kumimoji="0" sz="1800" b="0" i="0" u="none" strike="noStrike" cap="none" spc="0" normalizeH="0" baseline="0">
             <a:ln>
               <a:noFill/>
             </a:ln>
@@ -9647,7 +10359,7 @@
           <a:buFontTx/>
           <a:buNone/>
           <a:tabLst/>
-          <a:defRPr b="0" baseline="0" cap="none" i="0" spc="0" strike="noStrike" sz="1800" u="none" kumimoji="0" normalizeH="0">
+          <a:defRPr kumimoji="0" sz="1800" b="0" i="0" u="none" strike="noStrike" cap="none" spc="0" normalizeH="0" baseline="0">
             <a:ln>
               <a:noFill/>
             </a:ln>
@@ -9673,7 +10385,7 @@
           <a:buFontTx/>
           <a:buNone/>
           <a:tabLst/>
-          <a:defRPr b="0" baseline="0" cap="none" i="0" spc="0" strike="noStrike" sz="1800" u="none" kumimoji="0" normalizeH="0">
+          <a:defRPr kumimoji="0" sz="1800" b="0" i="0" u="none" strike="noStrike" cap="none" spc="0" normalizeH="0" baseline="0">
             <a:ln>
               <a:noFill/>
             </a:ln>
@@ -9699,7 +10411,7 @@
           <a:buFontTx/>
           <a:buNone/>
           <a:tabLst/>
-          <a:defRPr b="0" baseline="0" cap="none" i="0" spc="0" strike="noStrike" sz="1800" u="none" kumimoji="0" normalizeH="0">
+          <a:defRPr kumimoji="0" sz="1800" b="0" i="0" u="none" strike="noStrike" cap="none" spc="0" normalizeH="0" baseline="0">
             <a:ln>
               <a:noFill/>
             </a:ln>
@@ -9725,7 +10437,7 @@
           <a:buFontTx/>
           <a:buNone/>
           <a:tabLst/>
-          <a:defRPr b="0" baseline="0" cap="none" i="0" spc="0" strike="noStrike" sz="1800" u="none" kumimoji="0" normalizeH="0">
+          <a:defRPr kumimoji="0" sz="1800" b="0" i="0" u="none" strike="noStrike" cap="none" spc="0" normalizeH="0" baseline="0">
             <a:ln>
               <a:noFill/>
             </a:ln>
@@ -9751,7 +10463,7 @@
           <a:buFontTx/>
           <a:buNone/>
           <a:tabLst/>
-          <a:defRPr b="0" baseline="0" cap="none" i="0" spc="0" strike="noStrike" sz="1800" u="none" kumimoji="0" normalizeH="0">
+          <a:defRPr kumimoji="0" sz="1800" b="0" i="0" u="none" strike="noStrike" cap="none" spc="0" normalizeH="0" baseline="0">
             <a:ln>
               <a:noFill/>
             </a:ln>
@@ -9777,7 +10489,7 @@
           <a:buFontTx/>
           <a:buNone/>
           <a:tabLst/>
-          <a:defRPr b="0" baseline="0" cap="none" i="0" spc="0" strike="noStrike" sz="1800" u="none" kumimoji="0" normalizeH="0">
+          <a:defRPr kumimoji="0" sz="1800" b="0" i="0" u="none" strike="noStrike" cap="none" spc="0" normalizeH="0" baseline="0">
             <a:ln>
               <a:noFill/>
             </a:ln>
@@ -9803,7 +10515,7 @@
           <a:buFontTx/>
           <a:buNone/>
           <a:tabLst/>
-          <a:defRPr b="0" baseline="0" cap="none" i="0" spc="0" strike="noStrike" sz="1800" u="none" kumimoji="0" normalizeH="0">
+          <a:defRPr kumimoji="0" sz="1800" b="0" i="0" u="none" strike="noStrike" cap="none" spc="0" normalizeH="0" baseline="0">
             <a:ln>
               <a:noFill/>
             </a:ln>
@@ -9829,7 +10541,7 @@
           <a:buFontTx/>
           <a:buNone/>
           <a:tabLst/>
-          <a:defRPr b="0" baseline="0" cap="none" i="0" spc="0" strike="noStrike" sz="1800" u="none" kumimoji="0" normalizeH="0">
+          <a:defRPr kumimoji="0" sz="1800" b="0" i="0" u="none" strike="noStrike" cap="none" spc="0" normalizeH="0" baseline="0">
             <a:ln>
               <a:noFill/>
             </a:ln>
@@ -9842,9 +10554,15 @@
         </a:lvl9pPr>
       </a:lstStyle>
       <a:style>
-        <a:lnRef idx="0"/>
-        <a:fillRef idx="0"/>
-        <a:effectRef idx="0"/>
+        <a:lnRef idx="0">
+          <a:scrgbClr r="0" g="0" b="0"/>
+        </a:lnRef>
+        <a:fillRef idx="0">
+          <a:scrgbClr r="0" g="0" b="0"/>
+        </a:fillRef>
+        <a:effectRef idx="0">
+          <a:scrgbClr r="0" g="0" b="0"/>
+        </a:effectRef>
         <a:fontRef idx="none"/>
       </a:style>
     </a:lnDef>
@@ -9858,7 +10576,7 @@
         <a:effectLst/>
         <a:sp3d/>
       </a:spPr>
-      <a:bodyPr rot="0" spcFirstLastPara="1" vertOverflow="overflow" horzOverflow="overflow" vert="horz" wrap="square" lIns="45719" tIns="45719" rIns="45719" bIns="45719" numCol="1" spcCol="38100" rtlCol="0" anchor="t" upright="0">
+      <a:bodyPr rot="0" spcFirstLastPara="1" vertOverflow="overflow" horzOverflow="overflow" vert="horz" wrap="square" lIns="45719" tIns="45719" rIns="45719" bIns="45719" numCol="1" spcCol="38100" rtlCol="0" anchor="t">
         <a:spAutoFit/>
       </a:bodyPr>
       <a:lstStyle>
@@ -9877,7 +10595,7 @@
           <a:buFontTx/>
           <a:buNone/>
           <a:tabLst/>
-          <a:defRPr b="0" baseline="0" cap="none" i="0" spc="0" strike="noStrike" sz="1800" u="none" kumimoji="0" normalizeH="0">
+          <a:defRPr kumimoji="0" sz="1800" b="0" i="0" u="none" strike="noStrike" cap="none" spc="0" normalizeH="0" baseline="0">
             <a:ln>
               <a:noFill/>
             </a:ln>
@@ -9907,7 +10625,7 @@
           <a:buFontTx/>
           <a:buNone/>
           <a:tabLst/>
-          <a:defRPr b="0" baseline="0" cap="none" i="0" spc="0" strike="noStrike" sz="1800" u="none" kumimoji="0" normalizeH="0">
+          <a:defRPr kumimoji="0" sz="1800" b="0" i="0" u="none" strike="noStrike" cap="none" spc="0" normalizeH="0" baseline="0">
             <a:ln>
               <a:noFill/>
             </a:ln>
@@ -9933,7 +10651,7 @@
           <a:buFontTx/>
           <a:buNone/>
           <a:tabLst/>
-          <a:defRPr b="0" baseline="0" cap="none" i="0" spc="0" strike="noStrike" sz="1800" u="none" kumimoji="0" normalizeH="0">
+          <a:defRPr kumimoji="0" sz="1800" b="0" i="0" u="none" strike="noStrike" cap="none" spc="0" normalizeH="0" baseline="0">
             <a:ln>
               <a:noFill/>
             </a:ln>
@@ -9959,7 +10677,7 @@
           <a:buFontTx/>
           <a:buNone/>
           <a:tabLst/>
-          <a:defRPr b="0" baseline="0" cap="none" i="0" spc="0" strike="noStrike" sz="1800" u="none" kumimoji="0" normalizeH="0">
+          <a:defRPr kumimoji="0" sz="1800" b="0" i="0" u="none" strike="noStrike" cap="none" spc="0" normalizeH="0" baseline="0">
             <a:ln>
               <a:noFill/>
             </a:ln>
@@ -9985,7 +10703,7 @@
           <a:buFontTx/>
           <a:buNone/>
           <a:tabLst/>
-          <a:defRPr b="0" baseline="0" cap="none" i="0" spc="0" strike="noStrike" sz="1800" u="none" kumimoji="0" normalizeH="0">
+          <a:defRPr kumimoji="0" sz="1800" b="0" i="0" u="none" strike="noStrike" cap="none" spc="0" normalizeH="0" baseline="0">
             <a:ln>
               <a:noFill/>
             </a:ln>
@@ -10011,7 +10729,7 @@
           <a:buFontTx/>
           <a:buNone/>
           <a:tabLst/>
-          <a:defRPr b="0" baseline="0" cap="none" i="0" spc="0" strike="noStrike" sz="1800" u="none" kumimoji="0" normalizeH="0">
+          <a:defRPr kumimoji="0" sz="1800" b="0" i="0" u="none" strike="noStrike" cap="none" spc="0" normalizeH="0" baseline="0">
             <a:ln>
               <a:noFill/>
             </a:ln>
@@ -10037,7 +10755,7 @@
           <a:buFontTx/>
           <a:buNone/>
           <a:tabLst/>
-          <a:defRPr b="0" baseline="0" cap="none" i="0" spc="0" strike="noStrike" sz="1800" u="none" kumimoji="0" normalizeH="0">
+          <a:defRPr kumimoji="0" sz="1800" b="0" i="0" u="none" strike="noStrike" cap="none" spc="0" normalizeH="0" baseline="0">
             <a:ln>
               <a:noFill/>
             </a:ln>
@@ -10063,7 +10781,7 @@
           <a:buFontTx/>
           <a:buNone/>
           <a:tabLst/>
-          <a:defRPr b="0" baseline="0" cap="none" i="0" spc="0" strike="noStrike" sz="1800" u="none" kumimoji="0" normalizeH="0">
+          <a:defRPr kumimoji="0" sz="1800" b="0" i="0" u="none" strike="noStrike" cap="none" spc="0" normalizeH="0" baseline="0">
             <a:ln>
               <a:noFill/>
             </a:ln>
@@ -10089,7 +10807,7 @@
           <a:buFontTx/>
           <a:buNone/>
           <a:tabLst/>
-          <a:defRPr b="0" baseline="0" cap="none" i="0" spc="0" strike="noStrike" sz="1800" u="none" kumimoji="0" normalizeH="0">
+          <a:defRPr kumimoji="0" sz="1800" b="0" i="0" u="none" strike="noStrike" cap="none" spc="0" normalizeH="0" baseline="0">
             <a:ln>
               <a:noFill/>
             </a:ln>
@@ -10115,7 +10833,7 @@
           <a:buFontTx/>
           <a:buNone/>
           <a:tabLst/>
-          <a:defRPr b="0" baseline="0" cap="none" i="0" spc="0" strike="noStrike" sz="1800" u="none" kumimoji="0" normalizeH="0">
+          <a:defRPr kumimoji="0" sz="1800" b="0" i="0" u="none" strike="noStrike" cap="none" spc="0" normalizeH="0" baseline="0">
             <a:ln>
               <a:noFill/>
             </a:ln>
@@ -10128,18 +10846,25 @@
         </a:lvl9pPr>
       </a:lstStyle>
       <a:style>
-        <a:lnRef idx="0"/>
-        <a:fillRef idx="0"/>
-        <a:effectRef idx="0"/>
+        <a:lnRef idx="0">
+          <a:scrgbClr r="0" g="0" b="0"/>
+        </a:lnRef>
+        <a:fillRef idx="0">
+          <a:scrgbClr r="0" g="0" b="0"/>
+        </a:fillRef>
+        <a:effectRef idx="0">
+          <a:scrgbClr r="0" g="0" b="0"/>
+        </a:effectRef>
         <a:fontRef idx="none"/>
       </a:style>
     </a:txDef>
   </a:objectDefaults>
+  <a:extraClrSchemeLst/>
 </a:theme>
 </file>
 
 <file path=ppt/theme/theme2.xml><?xml version="1.0" encoding="utf-8"?>
-<a:theme xmlns:a="http://schemas.openxmlformats.org/drawingml/2006/main" xmlns:r="http://schemas.openxmlformats.org/officeDocument/2006/relationships" name="Fontys">
+<a:theme xmlns:a="http://schemas.openxmlformats.org/drawingml/2006/main" name="Fontys">
   <a:themeElements>
     <a:clrScheme name="Fontys">
       <a:dk1>
@@ -10271,7 +10996,7 @@
         </a:effectStyle>
         <a:effectStyle>
           <a:effectLst>
-            <a:outerShdw sx="100000" sy="100000" kx="0" ky="0" algn="b" rotWithShape="0" blurRad="38100" dist="20000" dir="5400000">
+            <a:outerShdw blurRad="38100" dist="20000" dir="5400000" rotWithShape="0">
               <a:srgbClr val="000000">
                 <a:alpha val="38000"/>
               </a:srgbClr>
@@ -10349,7 +11074,7 @@
         <a:effectLst/>
         <a:sp3d/>
       </a:spPr>
-      <a:bodyPr rot="0" spcFirstLastPara="1" vertOverflow="overflow" horzOverflow="overflow" vert="horz" wrap="square" lIns="45719" tIns="45719" rIns="45719" bIns="45719" numCol="1" spcCol="38100" rtlCol="0" anchor="t" upright="0">
+      <a:bodyPr rot="0" spcFirstLastPara="1" vertOverflow="overflow" horzOverflow="overflow" vert="horz" wrap="square" lIns="45719" tIns="45719" rIns="45719" bIns="45719" numCol="1" spcCol="38100" rtlCol="0" anchor="t">
         <a:spAutoFit/>
       </a:bodyPr>
       <a:lstStyle>
@@ -10368,7 +11093,7 @@
           <a:buFontTx/>
           <a:buNone/>
           <a:tabLst/>
-          <a:defRPr b="0" baseline="0" cap="none" i="0" spc="0" strike="noStrike" sz="1800" u="none" kumimoji="0" normalizeH="0">
+          <a:defRPr kumimoji="0" sz="1800" b="0" i="0" u="none" strike="noStrike" cap="none" spc="0" normalizeH="0" baseline="0">
             <a:ln>
               <a:noFill/>
             </a:ln>
@@ -10398,7 +11123,7 @@
           <a:buFontTx/>
           <a:buNone/>
           <a:tabLst/>
-          <a:defRPr b="0" baseline="0" cap="none" i="0" spc="0" strike="noStrike" sz="1800" u="none" kumimoji="0" normalizeH="0">
+          <a:defRPr kumimoji="0" sz="1800" b="0" i="0" u="none" strike="noStrike" cap="none" spc="0" normalizeH="0" baseline="0">
             <a:ln>
               <a:noFill/>
             </a:ln>
@@ -10424,7 +11149,7 @@
           <a:buFontTx/>
           <a:buNone/>
           <a:tabLst/>
-          <a:defRPr b="0" baseline="0" cap="none" i="0" spc="0" strike="noStrike" sz="1800" u="none" kumimoji="0" normalizeH="0">
+          <a:defRPr kumimoji="0" sz="1800" b="0" i="0" u="none" strike="noStrike" cap="none" spc="0" normalizeH="0" baseline="0">
             <a:ln>
               <a:noFill/>
             </a:ln>
@@ -10450,7 +11175,7 @@
           <a:buFontTx/>
           <a:buNone/>
           <a:tabLst/>
-          <a:defRPr b="0" baseline="0" cap="none" i="0" spc="0" strike="noStrike" sz="1800" u="none" kumimoji="0" normalizeH="0">
+          <a:defRPr kumimoji="0" sz="1800" b="0" i="0" u="none" strike="noStrike" cap="none" spc="0" normalizeH="0" baseline="0">
             <a:ln>
               <a:noFill/>
             </a:ln>
@@ -10476,7 +11201,7 @@
           <a:buFontTx/>
           <a:buNone/>
           <a:tabLst/>
-          <a:defRPr b="0" baseline="0" cap="none" i="0" spc="0" strike="noStrike" sz="1800" u="none" kumimoji="0" normalizeH="0">
+          <a:defRPr kumimoji="0" sz="1800" b="0" i="0" u="none" strike="noStrike" cap="none" spc="0" normalizeH="0" baseline="0">
             <a:ln>
               <a:noFill/>
             </a:ln>
@@ -10502,7 +11227,7 @@
           <a:buFontTx/>
           <a:buNone/>
           <a:tabLst/>
-          <a:defRPr b="0" baseline="0" cap="none" i="0" spc="0" strike="noStrike" sz="1800" u="none" kumimoji="0" normalizeH="0">
+          <a:defRPr kumimoji="0" sz="1800" b="0" i="0" u="none" strike="noStrike" cap="none" spc="0" normalizeH="0" baseline="0">
             <a:ln>
               <a:noFill/>
             </a:ln>
@@ -10528,7 +11253,7 @@
           <a:buFontTx/>
           <a:buNone/>
           <a:tabLst/>
-          <a:defRPr b="0" baseline="0" cap="none" i="0" spc="0" strike="noStrike" sz="1800" u="none" kumimoji="0" normalizeH="0">
+          <a:defRPr kumimoji="0" sz="1800" b="0" i="0" u="none" strike="noStrike" cap="none" spc="0" normalizeH="0" baseline="0">
             <a:ln>
               <a:noFill/>
             </a:ln>
@@ -10554,7 +11279,7 @@
           <a:buFontTx/>
           <a:buNone/>
           <a:tabLst/>
-          <a:defRPr b="0" baseline="0" cap="none" i="0" spc="0" strike="noStrike" sz="1800" u="none" kumimoji="0" normalizeH="0">
+          <a:defRPr kumimoji="0" sz="1800" b="0" i="0" u="none" strike="noStrike" cap="none" spc="0" normalizeH="0" baseline="0">
             <a:ln>
               <a:noFill/>
             </a:ln>
@@ -10580,7 +11305,7 @@
           <a:buFontTx/>
           <a:buNone/>
           <a:tabLst/>
-          <a:defRPr b="0" baseline="0" cap="none" i="0" spc="0" strike="noStrike" sz="1800" u="none" kumimoji="0" normalizeH="0">
+          <a:defRPr kumimoji="0" sz="1800" b="0" i="0" u="none" strike="noStrike" cap="none" spc="0" normalizeH="0" baseline="0">
             <a:ln>
               <a:noFill/>
             </a:ln>
@@ -10606,7 +11331,7 @@
           <a:buFontTx/>
           <a:buNone/>
           <a:tabLst/>
-          <a:defRPr b="0" baseline="0" cap="none" i="0" spc="0" strike="noStrike" sz="1800" u="none" kumimoji="0" normalizeH="0">
+          <a:defRPr kumimoji="0" sz="1800" b="0" i="0" u="none" strike="noStrike" cap="none" spc="0" normalizeH="0" baseline="0">
             <a:ln>
               <a:noFill/>
             </a:ln>
@@ -10619,9 +11344,15 @@
         </a:lvl9pPr>
       </a:lstStyle>
       <a:style>
-        <a:lnRef idx="0"/>
-        <a:fillRef idx="0"/>
-        <a:effectRef idx="0"/>
+        <a:lnRef idx="0">
+          <a:scrgbClr r="0" g="0" b="0"/>
+        </a:lnRef>
+        <a:fillRef idx="0">
+          <a:scrgbClr r="0" g="0" b="0"/>
+        </a:fillRef>
+        <a:effectRef idx="0">
+          <a:scrgbClr r="0" g="0" b="0"/>
+        </a:effectRef>
         <a:fontRef idx="none"/>
       </a:style>
     </a:spDef>
@@ -10636,7 +11367,7 @@
           <a:round/>
         </a:ln>
         <a:effectLst>
-          <a:outerShdw sx="100000" sy="100000" kx="0" ky="0" algn="b" rotWithShape="0" blurRad="38100" dist="20000" dir="5400000">
+          <a:outerShdw blurRad="38100" dist="20000" dir="5400000" rotWithShape="0">
             <a:srgbClr val="000000">
               <a:alpha val="38000"/>
             </a:srgbClr>
@@ -10644,7 +11375,7 @@
         </a:effectLst>
         <a:sp3d/>
       </a:spPr>
-      <a:bodyPr rot="0" spcFirstLastPara="1" vertOverflow="overflow" horzOverflow="overflow" vert="horz" wrap="square" lIns="91439" tIns="45719" rIns="91439" bIns="45719" numCol="1" spcCol="38100" rtlCol="0" anchor="t" upright="0">
+      <a:bodyPr rot="0" spcFirstLastPara="1" vertOverflow="overflow" horzOverflow="overflow" vert="horz" wrap="square" lIns="91439" tIns="45719" rIns="91439" bIns="45719" numCol="1" spcCol="38100" rtlCol="0" anchor="t">
         <a:noAutofit/>
       </a:bodyPr>
       <a:lstStyle>
@@ -10663,7 +11394,7 @@
           <a:buFontTx/>
           <a:buNone/>
           <a:tabLst/>
-          <a:defRPr b="0" baseline="0" cap="none" i="0" spc="0" strike="noStrike" sz="1800" u="none" kumimoji="0" normalizeH="0">
+          <a:defRPr kumimoji="0" sz="1800" b="0" i="0" u="none" strike="noStrike" cap="none" spc="0" normalizeH="0" baseline="0">
             <a:ln>
               <a:noFill/>
             </a:ln>
@@ -10689,7 +11420,7 @@
           <a:buFontTx/>
           <a:buNone/>
           <a:tabLst/>
-          <a:defRPr b="0" baseline="0" cap="none" i="0" spc="0" strike="noStrike" sz="1800" u="none" kumimoji="0" normalizeH="0">
+          <a:defRPr kumimoji="0" sz="1800" b="0" i="0" u="none" strike="noStrike" cap="none" spc="0" normalizeH="0" baseline="0">
             <a:ln>
               <a:noFill/>
             </a:ln>
@@ -10715,7 +11446,7 @@
           <a:buFontTx/>
           <a:buNone/>
           <a:tabLst/>
-          <a:defRPr b="0" baseline="0" cap="none" i="0" spc="0" strike="noStrike" sz="1800" u="none" kumimoji="0" normalizeH="0">
+          <a:defRPr kumimoji="0" sz="1800" b="0" i="0" u="none" strike="noStrike" cap="none" spc="0" normalizeH="0" baseline="0">
             <a:ln>
               <a:noFill/>
             </a:ln>
@@ -10741,7 +11472,7 @@
           <a:buFontTx/>
           <a:buNone/>
           <a:tabLst/>
-          <a:defRPr b="0" baseline="0" cap="none" i="0" spc="0" strike="noStrike" sz="1800" u="none" kumimoji="0" normalizeH="0">
+          <a:defRPr kumimoji="0" sz="1800" b="0" i="0" u="none" strike="noStrike" cap="none" spc="0" normalizeH="0" baseline="0">
             <a:ln>
               <a:noFill/>
             </a:ln>
@@ -10767,7 +11498,7 @@
           <a:buFontTx/>
           <a:buNone/>
           <a:tabLst/>
-          <a:defRPr b="0" baseline="0" cap="none" i="0" spc="0" strike="noStrike" sz="1800" u="none" kumimoji="0" normalizeH="0">
+          <a:defRPr kumimoji="0" sz="1800" b="0" i="0" u="none" strike="noStrike" cap="none" spc="0" normalizeH="0" baseline="0">
             <a:ln>
               <a:noFill/>
             </a:ln>
@@ -10793,7 +11524,7 @@
           <a:buFontTx/>
           <a:buNone/>
           <a:tabLst/>
-          <a:defRPr b="0" baseline="0" cap="none" i="0" spc="0" strike="noStrike" sz="1800" u="none" kumimoji="0" normalizeH="0">
+          <a:defRPr kumimoji="0" sz="1800" b="0" i="0" u="none" strike="noStrike" cap="none" spc="0" normalizeH="0" baseline="0">
             <a:ln>
               <a:noFill/>
             </a:ln>
@@ -10819,7 +11550,7 @@
           <a:buFontTx/>
           <a:buNone/>
           <a:tabLst/>
-          <a:defRPr b="0" baseline="0" cap="none" i="0" spc="0" strike="noStrike" sz="1800" u="none" kumimoji="0" normalizeH="0">
+          <a:defRPr kumimoji="0" sz="1800" b="0" i="0" u="none" strike="noStrike" cap="none" spc="0" normalizeH="0" baseline="0">
             <a:ln>
               <a:noFill/>
             </a:ln>
@@ -10845,7 +11576,7 @@
           <a:buFontTx/>
           <a:buNone/>
           <a:tabLst/>
-          <a:defRPr b="0" baseline="0" cap="none" i="0" spc="0" strike="noStrike" sz="1800" u="none" kumimoji="0" normalizeH="0">
+          <a:defRPr kumimoji="0" sz="1800" b="0" i="0" u="none" strike="noStrike" cap="none" spc="0" normalizeH="0" baseline="0">
             <a:ln>
               <a:noFill/>
             </a:ln>
@@ -10871,7 +11602,7 @@
           <a:buFontTx/>
           <a:buNone/>
           <a:tabLst/>
-          <a:defRPr b="0" baseline="0" cap="none" i="0" spc="0" strike="noStrike" sz="1800" u="none" kumimoji="0" normalizeH="0">
+          <a:defRPr kumimoji="0" sz="1800" b="0" i="0" u="none" strike="noStrike" cap="none" spc="0" normalizeH="0" baseline="0">
             <a:ln>
               <a:noFill/>
             </a:ln>
@@ -10897,7 +11628,7 @@
           <a:buFontTx/>
           <a:buNone/>
           <a:tabLst/>
-          <a:defRPr b="0" baseline="0" cap="none" i="0" spc="0" strike="noStrike" sz="1800" u="none" kumimoji="0" normalizeH="0">
+          <a:defRPr kumimoji="0" sz="1800" b="0" i="0" u="none" strike="noStrike" cap="none" spc="0" normalizeH="0" baseline="0">
             <a:ln>
               <a:noFill/>
             </a:ln>
@@ -10910,9 +11641,15 @@
         </a:lvl9pPr>
       </a:lstStyle>
       <a:style>
-        <a:lnRef idx="0"/>
-        <a:fillRef idx="0"/>
-        <a:effectRef idx="0"/>
+        <a:lnRef idx="0">
+          <a:scrgbClr r="0" g="0" b="0"/>
+        </a:lnRef>
+        <a:fillRef idx="0">
+          <a:scrgbClr r="0" g="0" b="0"/>
+        </a:fillRef>
+        <a:effectRef idx="0">
+          <a:scrgbClr r="0" g="0" b="0"/>
+        </a:effectRef>
         <a:fontRef idx="none"/>
       </a:style>
     </a:lnDef>
@@ -10926,7 +11663,7 @@
         <a:effectLst/>
         <a:sp3d/>
       </a:spPr>
-      <a:bodyPr rot="0" spcFirstLastPara="1" vertOverflow="overflow" horzOverflow="overflow" vert="horz" wrap="square" lIns="45719" tIns="45719" rIns="45719" bIns="45719" numCol="1" spcCol="38100" rtlCol="0" anchor="t" upright="0">
+      <a:bodyPr rot="0" spcFirstLastPara="1" vertOverflow="overflow" horzOverflow="overflow" vert="horz" wrap="square" lIns="45719" tIns="45719" rIns="45719" bIns="45719" numCol="1" spcCol="38100" rtlCol="0" anchor="t">
         <a:spAutoFit/>
       </a:bodyPr>
       <a:lstStyle>
@@ -10945,7 +11682,7 @@
           <a:buFontTx/>
           <a:buNone/>
           <a:tabLst/>
-          <a:defRPr b="0" baseline="0" cap="none" i="0" spc="0" strike="noStrike" sz="1800" u="none" kumimoji="0" normalizeH="0">
+          <a:defRPr kumimoji="0" sz="1800" b="0" i="0" u="none" strike="noStrike" cap="none" spc="0" normalizeH="0" baseline="0">
             <a:ln>
               <a:noFill/>
             </a:ln>
@@ -10975,7 +11712,7 @@
           <a:buFontTx/>
           <a:buNone/>
           <a:tabLst/>
-          <a:defRPr b="0" baseline="0" cap="none" i="0" spc="0" strike="noStrike" sz="1800" u="none" kumimoji="0" normalizeH="0">
+          <a:defRPr kumimoji="0" sz="1800" b="0" i="0" u="none" strike="noStrike" cap="none" spc="0" normalizeH="0" baseline="0">
             <a:ln>
               <a:noFill/>
             </a:ln>
@@ -11001,7 +11738,7 @@
           <a:buFontTx/>
           <a:buNone/>
           <a:tabLst/>
-          <a:defRPr b="0" baseline="0" cap="none" i="0" spc="0" strike="noStrike" sz="1800" u="none" kumimoji="0" normalizeH="0">
+          <a:defRPr kumimoji="0" sz="1800" b="0" i="0" u="none" strike="noStrike" cap="none" spc="0" normalizeH="0" baseline="0">
             <a:ln>
               <a:noFill/>
             </a:ln>
@@ -11027,7 +11764,7 @@
           <a:buFontTx/>
           <a:buNone/>
           <a:tabLst/>
-          <a:defRPr b="0" baseline="0" cap="none" i="0" spc="0" strike="noStrike" sz="1800" u="none" kumimoji="0" normalizeH="0">
+          <a:defRPr kumimoji="0" sz="1800" b="0" i="0" u="none" strike="noStrike" cap="none" spc="0" normalizeH="0" baseline="0">
             <a:ln>
               <a:noFill/>
             </a:ln>
@@ -11053,7 +11790,7 @@
           <a:buFontTx/>
           <a:buNone/>
           <a:tabLst/>
-          <a:defRPr b="0" baseline="0" cap="none" i="0" spc="0" strike="noStrike" sz="1800" u="none" kumimoji="0" normalizeH="0">
+          <a:defRPr kumimoji="0" sz="1800" b="0" i="0" u="none" strike="noStrike" cap="none" spc="0" normalizeH="0" baseline="0">
             <a:ln>
               <a:noFill/>
             </a:ln>
@@ -11079,7 +11816,7 @@
           <a:buFontTx/>
           <a:buNone/>
           <a:tabLst/>
-          <a:defRPr b="0" baseline="0" cap="none" i="0" spc="0" strike="noStrike" sz="1800" u="none" kumimoji="0" normalizeH="0">
+          <a:defRPr kumimoji="0" sz="1800" b="0" i="0" u="none" strike="noStrike" cap="none" spc="0" normalizeH="0" baseline="0">
             <a:ln>
               <a:noFill/>
             </a:ln>
@@ -11105,7 +11842,7 @@
           <a:buFontTx/>
           <a:buNone/>
           <a:tabLst/>
-          <a:defRPr b="0" baseline="0" cap="none" i="0" spc="0" strike="noStrike" sz="1800" u="none" kumimoji="0" normalizeH="0">
+          <a:defRPr kumimoji="0" sz="1800" b="0" i="0" u="none" strike="noStrike" cap="none" spc="0" normalizeH="0" baseline="0">
             <a:ln>
               <a:noFill/>
             </a:ln>
@@ -11131,7 +11868,7 @@
           <a:buFontTx/>
           <a:buNone/>
           <a:tabLst/>
-          <a:defRPr b="0" baseline="0" cap="none" i="0" spc="0" strike="noStrike" sz="1800" u="none" kumimoji="0" normalizeH="0">
+          <a:defRPr kumimoji="0" sz="1800" b="0" i="0" u="none" strike="noStrike" cap="none" spc="0" normalizeH="0" baseline="0">
             <a:ln>
               <a:noFill/>
             </a:ln>
@@ -11157,7 +11894,7 @@
           <a:buFontTx/>
           <a:buNone/>
           <a:tabLst/>
-          <a:defRPr b="0" baseline="0" cap="none" i="0" spc="0" strike="noStrike" sz="1800" u="none" kumimoji="0" normalizeH="0">
+          <a:defRPr kumimoji="0" sz="1800" b="0" i="0" u="none" strike="noStrike" cap="none" spc="0" normalizeH="0" baseline="0">
             <a:ln>
               <a:noFill/>
             </a:ln>
@@ -11183,7 +11920,7 @@
           <a:buFontTx/>
           <a:buNone/>
           <a:tabLst/>
-          <a:defRPr b="0" baseline="0" cap="none" i="0" spc="0" strike="noStrike" sz="1800" u="none" kumimoji="0" normalizeH="0">
+          <a:defRPr kumimoji="0" sz="1800" b="0" i="0" u="none" strike="noStrike" cap="none" spc="0" normalizeH="0" baseline="0">
             <a:ln>
               <a:noFill/>
             </a:ln>
@@ -11196,12 +11933,19 @@
         </a:lvl9pPr>
       </a:lstStyle>
       <a:style>
-        <a:lnRef idx="0"/>
-        <a:fillRef idx="0"/>
-        <a:effectRef idx="0"/>
+        <a:lnRef idx="0">
+          <a:scrgbClr r="0" g="0" b="0"/>
+        </a:lnRef>
+        <a:fillRef idx="0">
+          <a:scrgbClr r="0" g="0" b="0"/>
+        </a:fillRef>
+        <a:effectRef idx="0">
+          <a:scrgbClr r="0" g="0" b="0"/>
+        </a:effectRef>
         <a:fontRef idx="none"/>
       </a:style>
     </a:txDef>
   </a:objectDefaults>
+  <a:extraClrSchemeLst/>
 </a:theme>
 </file>